--- a/presentations/Final presentation.pptx
+++ b/presentations/Final presentation.pptx
@@ -16,6 +16,7 @@
     <p:sldId id="261" r:id="rId10"/>
     <p:sldId id="262" r:id="rId11"/>
     <p:sldId id="266" r:id="rId12"/>
+    <p:sldId id="267" r:id="rId13"/>
   </p:sldIdLst>
   <p:sldSz cx="12192000" cy="6858000"/>
   <p:notesSz cx="6858000" cy="9144000"/>
@@ -3240,6 +3241,753 @@
 </dgm:colorsDef>
 </file>
 
+<file path=ppt/diagrams/colors5.xml><?xml version="1.0" encoding="utf-8"?>
+<dgm:colorsDef xmlns:dgm="http://schemas.openxmlformats.org/drawingml/2006/diagram" xmlns:a="http://schemas.openxmlformats.org/drawingml/2006/main" uniqueId="urn:microsoft.com/office/officeart/2005/8/colors/accent1_2">
+  <dgm:title val=""/>
+  <dgm:desc val=""/>
+  <dgm:catLst>
+    <dgm:cat type="accent1" pri="11200"/>
+  </dgm:catLst>
+  <dgm:styleLbl name="node0">
+    <dgm:fillClrLst meth="repeat">
+      <a:schemeClr val="accent1"/>
+    </dgm:fillClrLst>
+    <dgm:linClrLst meth="repeat">
+      <a:schemeClr val="lt1"/>
+    </dgm:linClrLst>
+    <dgm:effectClrLst/>
+    <dgm:txLinClrLst/>
+    <dgm:txFillClrLst/>
+    <dgm:txEffectClrLst/>
+  </dgm:styleLbl>
+  <dgm:styleLbl name="alignNode1">
+    <dgm:fillClrLst meth="repeat">
+      <a:schemeClr val="accent1"/>
+    </dgm:fillClrLst>
+    <dgm:linClrLst meth="repeat">
+      <a:schemeClr val="accent1"/>
+    </dgm:linClrLst>
+    <dgm:effectClrLst/>
+    <dgm:txLinClrLst/>
+    <dgm:txFillClrLst/>
+    <dgm:txEffectClrLst/>
+  </dgm:styleLbl>
+  <dgm:styleLbl name="node1">
+    <dgm:fillClrLst meth="repeat">
+      <a:schemeClr val="accent1"/>
+    </dgm:fillClrLst>
+    <dgm:linClrLst meth="repeat">
+      <a:schemeClr val="lt1"/>
+    </dgm:linClrLst>
+    <dgm:effectClrLst/>
+    <dgm:txLinClrLst/>
+    <dgm:txFillClrLst/>
+    <dgm:txEffectClrLst/>
+  </dgm:styleLbl>
+  <dgm:styleLbl name="lnNode1">
+    <dgm:fillClrLst meth="repeat">
+      <a:schemeClr val="accent1"/>
+    </dgm:fillClrLst>
+    <dgm:linClrLst meth="repeat">
+      <a:schemeClr val="lt1"/>
+    </dgm:linClrLst>
+    <dgm:effectClrLst/>
+    <dgm:txLinClrLst/>
+    <dgm:txFillClrLst/>
+    <dgm:txEffectClrLst/>
+  </dgm:styleLbl>
+  <dgm:styleLbl name="vennNode1">
+    <dgm:fillClrLst meth="repeat">
+      <a:schemeClr val="accent1">
+        <a:alpha val="50000"/>
+      </a:schemeClr>
+    </dgm:fillClrLst>
+    <dgm:linClrLst meth="repeat">
+      <a:schemeClr val="lt1"/>
+    </dgm:linClrLst>
+    <dgm:effectClrLst/>
+    <dgm:txLinClrLst/>
+    <dgm:txFillClrLst/>
+    <dgm:txEffectClrLst/>
+  </dgm:styleLbl>
+  <dgm:styleLbl name="node2">
+    <dgm:fillClrLst meth="repeat">
+      <a:schemeClr val="accent1"/>
+    </dgm:fillClrLst>
+    <dgm:linClrLst meth="repeat">
+      <a:schemeClr val="lt1"/>
+    </dgm:linClrLst>
+    <dgm:effectClrLst/>
+    <dgm:txLinClrLst/>
+    <dgm:txFillClrLst/>
+    <dgm:txEffectClrLst/>
+  </dgm:styleLbl>
+  <dgm:styleLbl name="node3">
+    <dgm:fillClrLst meth="repeat">
+      <a:schemeClr val="accent1"/>
+    </dgm:fillClrLst>
+    <dgm:linClrLst meth="repeat">
+      <a:schemeClr val="lt1"/>
+    </dgm:linClrLst>
+    <dgm:effectClrLst/>
+    <dgm:txLinClrLst/>
+    <dgm:txFillClrLst/>
+    <dgm:txEffectClrLst/>
+  </dgm:styleLbl>
+  <dgm:styleLbl name="node4">
+    <dgm:fillClrLst meth="repeat">
+      <a:schemeClr val="accent1"/>
+    </dgm:fillClrLst>
+    <dgm:linClrLst meth="repeat">
+      <a:schemeClr val="lt1"/>
+    </dgm:linClrLst>
+    <dgm:effectClrLst/>
+    <dgm:txLinClrLst/>
+    <dgm:txFillClrLst/>
+    <dgm:txEffectClrLst/>
+  </dgm:styleLbl>
+  <dgm:styleLbl name="fgImgPlace1">
+    <dgm:fillClrLst meth="repeat">
+      <a:schemeClr val="accent1">
+        <a:tint val="50000"/>
+      </a:schemeClr>
+    </dgm:fillClrLst>
+    <dgm:linClrLst meth="repeat">
+      <a:schemeClr val="lt1"/>
+    </dgm:linClrLst>
+    <dgm:effectClrLst/>
+    <dgm:txLinClrLst/>
+    <dgm:txFillClrLst meth="repeat">
+      <a:schemeClr val="lt1"/>
+    </dgm:txFillClrLst>
+    <dgm:txEffectClrLst/>
+  </dgm:styleLbl>
+  <dgm:styleLbl name="alignImgPlace1">
+    <dgm:fillClrLst meth="repeat">
+      <a:schemeClr val="accent1">
+        <a:tint val="50000"/>
+      </a:schemeClr>
+    </dgm:fillClrLst>
+    <dgm:linClrLst meth="repeat">
+      <a:schemeClr val="lt1"/>
+    </dgm:linClrLst>
+    <dgm:effectClrLst/>
+    <dgm:txLinClrLst/>
+    <dgm:txFillClrLst meth="repeat">
+      <a:schemeClr val="lt1"/>
+    </dgm:txFillClrLst>
+    <dgm:txEffectClrLst/>
+  </dgm:styleLbl>
+  <dgm:styleLbl name="bgImgPlace1">
+    <dgm:fillClrLst meth="repeat">
+      <a:schemeClr val="accent1">
+        <a:tint val="50000"/>
+      </a:schemeClr>
+    </dgm:fillClrLst>
+    <dgm:linClrLst meth="repeat">
+      <a:schemeClr val="lt1"/>
+    </dgm:linClrLst>
+    <dgm:effectClrLst/>
+    <dgm:txLinClrLst/>
+    <dgm:txFillClrLst meth="repeat">
+      <a:schemeClr val="lt1"/>
+    </dgm:txFillClrLst>
+    <dgm:txEffectClrLst/>
+  </dgm:styleLbl>
+  <dgm:styleLbl name="sibTrans2D1">
+    <dgm:fillClrLst meth="repeat">
+      <a:schemeClr val="accent1">
+        <a:tint val="60000"/>
+      </a:schemeClr>
+    </dgm:fillClrLst>
+    <dgm:linClrLst meth="repeat">
+      <a:schemeClr val="accent1">
+        <a:tint val="60000"/>
+      </a:schemeClr>
+    </dgm:linClrLst>
+    <dgm:effectClrLst/>
+    <dgm:txLinClrLst/>
+    <dgm:txFillClrLst/>
+    <dgm:txEffectClrLst/>
+  </dgm:styleLbl>
+  <dgm:styleLbl name="fgSibTrans2D1">
+    <dgm:fillClrLst meth="repeat">
+      <a:schemeClr val="accent1">
+        <a:tint val="60000"/>
+      </a:schemeClr>
+    </dgm:fillClrLst>
+    <dgm:linClrLst meth="repeat">
+      <a:schemeClr val="accent1">
+        <a:tint val="60000"/>
+      </a:schemeClr>
+    </dgm:linClrLst>
+    <dgm:effectClrLst/>
+    <dgm:txLinClrLst/>
+    <dgm:txFillClrLst/>
+    <dgm:txEffectClrLst/>
+  </dgm:styleLbl>
+  <dgm:styleLbl name="bgSibTrans2D1">
+    <dgm:fillClrLst meth="repeat">
+      <a:schemeClr val="accent1">
+        <a:tint val="60000"/>
+      </a:schemeClr>
+    </dgm:fillClrLst>
+    <dgm:linClrLst meth="repeat">
+      <a:schemeClr val="accent1">
+        <a:tint val="60000"/>
+      </a:schemeClr>
+    </dgm:linClrLst>
+    <dgm:effectClrLst/>
+    <dgm:txLinClrLst/>
+    <dgm:txFillClrLst/>
+    <dgm:txEffectClrLst/>
+  </dgm:styleLbl>
+  <dgm:styleLbl name="sibTrans1D1">
+    <dgm:fillClrLst meth="repeat">
+      <a:schemeClr val="accent1"/>
+    </dgm:fillClrLst>
+    <dgm:linClrLst meth="repeat">
+      <a:schemeClr val="accent1"/>
+    </dgm:linClrLst>
+    <dgm:effectClrLst/>
+    <dgm:txLinClrLst/>
+    <dgm:txFillClrLst meth="repeat">
+      <a:schemeClr val="tx1"/>
+    </dgm:txFillClrLst>
+    <dgm:txEffectClrLst/>
+  </dgm:styleLbl>
+  <dgm:styleLbl name="callout">
+    <dgm:fillClrLst meth="repeat">
+      <a:schemeClr val="accent1"/>
+    </dgm:fillClrLst>
+    <dgm:linClrLst meth="repeat">
+      <a:schemeClr val="accent1">
+        <a:tint val="50000"/>
+      </a:schemeClr>
+    </dgm:linClrLst>
+    <dgm:effectClrLst/>
+    <dgm:txLinClrLst/>
+    <dgm:txFillClrLst meth="repeat">
+      <a:schemeClr val="tx1"/>
+    </dgm:txFillClrLst>
+    <dgm:txEffectClrLst/>
+  </dgm:styleLbl>
+  <dgm:styleLbl name="asst0">
+    <dgm:fillClrLst meth="repeat">
+      <a:schemeClr val="accent1"/>
+    </dgm:fillClrLst>
+    <dgm:linClrLst meth="repeat">
+      <a:schemeClr val="lt1"/>
+    </dgm:linClrLst>
+    <dgm:effectClrLst/>
+    <dgm:txLinClrLst/>
+    <dgm:txFillClrLst/>
+    <dgm:txEffectClrLst/>
+  </dgm:styleLbl>
+  <dgm:styleLbl name="asst1">
+    <dgm:fillClrLst meth="repeat">
+      <a:schemeClr val="accent1"/>
+    </dgm:fillClrLst>
+    <dgm:linClrLst meth="repeat">
+      <a:schemeClr val="lt1"/>
+    </dgm:linClrLst>
+    <dgm:effectClrLst/>
+    <dgm:txLinClrLst/>
+    <dgm:txFillClrLst/>
+    <dgm:txEffectClrLst/>
+  </dgm:styleLbl>
+  <dgm:styleLbl name="asst2">
+    <dgm:fillClrLst meth="repeat">
+      <a:schemeClr val="accent1"/>
+    </dgm:fillClrLst>
+    <dgm:linClrLst meth="repeat">
+      <a:schemeClr val="lt1"/>
+    </dgm:linClrLst>
+    <dgm:effectClrLst/>
+    <dgm:txLinClrLst/>
+    <dgm:txFillClrLst/>
+    <dgm:txEffectClrLst/>
+  </dgm:styleLbl>
+  <dgm:styleLbl name="asst3">
+    <dgm:fillClrLst meth="repeat">
+      <a:schemeClr val="accent1"/>
+    </dgm:fillClrLst>
+    <dgm:linClrLst meth="repeat">
+      <a:schemeClr val="lt1"/>
+    </dgm:linClrLst>
+    <dgm:effectClrLst/>
+    <dgm:txLinClrLst/>
+    <dgm:txFillClrLst/>
+    <dgm:txEffectClrLst/>
+  </dgm:styleLbl>
+  <dgm:styleLbl name="asst4">
+    <dgm:fillClrLst meth="repeat">
+      <a:schemeClr val="accent1"/>
+    </dgm:fillClrLst>
+    <dgm:linClrLst meth="repeat">
+      <a:schemeClr val="lt1"/>
+    </dgm:linClrLst>
+    <dgm:effectClrLst/>
+    <dgm:txLinClrLst/>
+    <dgm:txFillClrLst/>
+    <dgm:txEffectClrLst/>
+  </dgm:styleLbl>
+  <dgm:styleLbl name="parChTrans2D1">
+    <dgm:fillClrLst meth="repeat">
+      <a:schemeClr val="accent1">
+        <a:tint val="60000"/>
+      </a:schemeClr>
+    </dgm:fillClrLst>
+    <dgm:linClrLst meth="repeat">
+      <a:schemeClr val="accent1">
+        <a:tint val="60000"/>
+      </a:schemeClr>
+    </dgm:linClrLst>
+    <dgm:effectClrLst/>
+    <dgm:txLinClrLst/>
+    <dgm:txFillClrLst meth="repeat">
+      <a:schemeClr val="lt1"/>
+    </dgm:txFillClrLst>
+    <dgm:txEffectClrLst/>
+  </dgm:styleLbl>
+  <dgm:styleLbl name="parChTrans2D2">
+    <dgm:fillClrLst meth="repeat">
+      <a:schemeClr val="accent1"/>
+    </dgm:fillClrLst>
+    <dgm:linClrLst meth="repeat">
+      <a:schemeClr val="accent1"/>
+    </dgm:linClrLst>
+    <dgm:effectClrLst/>
+    <dgm:txLinClrLst/>
+    <dgm:txFillClrLst meth="repeat">
+      <a:schemeClr val="lt1"/>
+    </dgm:txFillClrLst>
+    <dgm:txEffectClrLst/>
+  </dgm:styleLbl>
+  <dgm:styleLbl name="parChTrans2D3">
+    <dgm:fillClrLst meth="repeat">
+      <a:schemeClr val="accent1"/>
+    </dgm:fillClrLst>
+    <dgm:linClrLst meth="repeat">
+      <a:schemeClr val="accent1"/>
+    </dgm:linClrLst>
+    <dgm:effectClrLst/>
+    <dgm:txLinClrLst/>
+    <dgm:txFillClrLst meth="repeat">
+      <a:schemeClr val="lt1"/>
+    </dgm:txFillClrLst>
+    <dgm:txEffectClrLst/>
+  </dgm:styleLbl>
+  <dgm:styleLbl name="parChTrans2D4">
+    <dgm:fillClrLst meth="repeat">
+      <a:schemeClr val="accent1"/>
+    </dgm:fillClrLst>
+    <dgm:linClrLst meth="repeat">
+      <a:schemeClr val="accent1"/>
+    </dgm:linClrLst>
+    <dgm:effectClrLst/>
+    <dgm:txLinClrLst/>
+    <dgm:txFillClrLst meth="repeat">
+      <a:schemeClr val="lt1"/>
+    </dgm:txFillClrLst>
+    <dgm:txEffectClrLst/>
+  </dgm:styleLbl>
+  <dgm:styleLbl name="parChTrans1D1">
+    <dgm:fillClrLst meth="repeat">
+      <a:schemeClr val="accent1"/>
+    </dgm:fillClrLst>
+    <dgm:linClrLst meth="repeat">
+      <a:schemeClr val="accent1">
+        <a:shade val="60000"/>
+      </a:schemeClr>
+    </dgm:linClrLst>
+    <dgm:effectClrLst/>
+    <dgm:txLinClrLst/>
+    <dgm:txFillClrLst meth="repeat">
+      <a:schemeClr val="tx1"/>
+    </dgm:txFillClrLst>
+    <dgm:txEffectClrLst/>
+  </dgm:styleLbl>
+  <dgm:styleLbl name="parChTrans1D2">
+    <dgm:fillClrLst meth="repeat">
+      <a:schemeClr val="accent1"/>
+    </dgm:fillClrLst>
+    <dgm:linClrLst meth="repeat">
+      <a:schemeClr val="accent1">
+        <a:shade val="60000"/>
+      </a:schemeClr>
+    </dgm:linClrLst>
+    <dgm:effectClrLst/>
+    <dgm:txLinClrLst/>
+    <dgm:txFillClrLst meth="repeat">
+      <a:schemeClr val="tx1"/>
+    </dgm:txFillClrLst>
+    <dgm:txEffectClrLst/>
+  </dgm:styleLbl>
+  <dgm:styleLbl name="parChTrans1D3">
+    <dgm:fillClrLst meth="repeat">
+      <a:schemeClr val="accent1"/>
+    </dgm:fillClrLst>
+    <dgm:linClrLst meth="repeat">
+      <a:schemeClr val="accent1">
+        <a:shade val="80000"/>
+      </a:schemeClr>
+    </dgm:linClrLst>
+    <dgm:effectClrLst/>
+    <dgm:txLinClrLst/>
+    <dgm:txFillClrLst meth="repeat">
+      <a:schemeClr val="tx1"/>
+    </dgm:txFillClrLst>
+    <dgm:txEffectClrLst/>
+  </dgm:styleLbl>
+  <dgm:styleLbl name="parChTrans1D4">
+    <dgm:fillClrLst meth="repeat">
+      <a:schemeClr val="accent1"/>
+    </dgm:fillClrLst>
+    <dgm:linClrLst meth="repeat">
+      <a:schemeClr val="accent1">
+        <a:shade val="80000"/>
+      </a:schemeClr>
+    </dgm:linClrLst>
+    <dgm:effectClrLst/>
+    <dgm:txLinClrLst/>
+    <dgm:txFillClrLst meth="repeat">
+      <a:schemeClr val="tx1"/>
+    </dgm:txFillClrLst>
+    <dgm:txEffectClrLst/>
+  </dgm:styleLbl>
+  <dgm:styleLbl name="fgAcc1">
+    <dgm:fillClrLst meth="repeat">
+      <a:schemeClr val="lt1">
+        <a:alpha val="90000"/>
+      </a:schemeClr>
+    </dgm:fillClrLst>
+    <dgm:linClrLst meth="repeat">
+      <a:schemeClr val="accent1"/>
+    </dgm:linClrLst>
+    <dgm:effectClrLst/>
+    <dgm:txLinClrLst/>
+    <dgm:txFillClrLst meth="repeat">
+      <a:schemeClr val="dk1"/>
+    </dgm:txFillClrLst>
+    <dgm:txEffectClrLst/>
+  </dgm:styleLbl>
+  <dgm:styleLbl name="conFgAcc1">
+    <dgm:fillClrLst meth="repeat">
+      <a:schemeClr val="lt1">
+        <a:alpha val="90000"/>
+      </a:schemeClr>
+    </dgm:fillClrLst>
+    <dgm:linClrLst meth="repeat">
+      <a:schemeClr val="accent1"/>
+    </dgm:linClrLst>
+    <dgm:effectClrLst/>
+    <dgm:txLinClrLst/>
+    <dgm:txFillClrLst meth="repeat">
+      <a:schemeClr val="dk1"/>
+    </dgm:txFillClrLst>
+    <dgm:txEffectClrLst/>
+  </dgm:styleLbl>
+  <dgm:styleLbl name="alignAcc1">
+    <dgm:fillClrLst meth="repeat">
+      <a:schemeClr val="lt1">
+        <a:alpha val="90000"/>
+      </a:schemeClr>
+    </dgm:fillClrLst>
+    <dgm:linClrLst meth="repeat">
+      <a:schemeClr val="accent1"/>
+    </dgm:linClrLst>
+    <dgm:effectClrLst/>
+    <dgm:txLinClrLst/>
+    <dgm:txFillClrLst meth="repeat">
+      <a:schemeClr val="dk1"/>
+    </dgm:txFillClrLst>
+    <dgm:txEffectClrLst/>
+  </dgm:styleLbl>
+  <dgm:styleLbl name="trAlignAcc1">
+    <dgm:fillClrLst meth="repeat">
+      <a:schemeClr val="lt1">
+        <a:alpha val="40000"/>
+      </a:schemeClr>
+    </dgm:fillClrLst>
+    <dgm:linClrLst meth="repeat">
+      <a:schemeClr val="accent1"/>
+    </dgm:linClrLst>
+    <dgm:effectClrLst/>
+    <dgm:txLinClrLst/>
+    <dgm:txFillClrLst meth="repeat">
+      <a:schemeClr val="dk1"/>
+    </dgm:txFillClrLst>
+    <dgm:txEffectClrLst/>
+  </dgm:styleLbl>
+  <dgm:styleLbl name="bgAcc1">
+    <dgm:fillClrLst meth="repeat">
+      <a:schemeClr val="lt1">
+        <a:alpha val="90000"/>
+      </a:schemeClr>
+    </dgm:fillClrLst>
+    <dgm:linClrLst meth="repeat">
+      <a:schemeClr val="accent1"/>
+    </dgm:linClrLst>
+    <dgm:effectClrLst/>
+    <dgm:txLinClrLst/>
+    <dgm:txFillClrLst meth="repeat">
+      <a:schemeClr val="dk1"/>
+    </dgm:txFillClrLst>
+    <dgm:txEffectClrLst/>
+  </dgm:styleLbl>
+  <dgm:styleLbl name="solidFgAcc1">
+    <dgm:fillClrLst meth="repeat">
+      <a:schemeClr val="lt1"/>
+    </dgm:fillClrLst>
+    <dgm:linClrLst meth="repeat">
+      <a:schemeClr val="accent1"/>
+    </dgm:linClrLst>
+    <dgm:effectClrLst/>
+    <dgm:txLinClrLst/>
+    <dgm:txFillClrLst meth="repeat">
+      <a:schemeClr val="dk1"/>
+    </dgm:txFillClrLst>
+    <dgm:txEffectClrLst/>
+  </dgm:styleLbl>
+  <dgm:styleLbl name="solidAlignAcc1">
+    <dgm:fillClrLst meth="repeat">
+      <a:schemeClr val="lt1"/>
+    </dgm:fillClrLst>
+    <dgm:linClrLst meth="repeat">
+      <a:schemeClr val="accent1"/>
+    </dgm:linClrLst>
+    <dgm:effectClrLst/>
+    <dgm:txLinClrLst/>
+    <dgm:txFillClrLst meth="repeat">
+      <a:schemeClr val="dk1"/>
+    </dgm:txFillClrLst>
+    <dgm:txEffectClrLst/>
+  </dgm:styleLbl>
+  <dgm:styleLbl name="solidBgAcc1">
+    <dgm:fillClrLst meth="repeat">
+      <a:schemeClr val="lt1"/>
+    </dgm:fillClrLst>
+    <dgm:linClrLst meth="repeat">
+      <a:schemeClr val="accent1"/>
+    </dgm:linClrLst>
+    <dgm:effectClrLst/>
+    <dgm:txLinClrLst/>
+    <dgm:txFillClrLst meth="repeat">
+      <a:schemeClr val="dk1"/>
+    </dgm:txFillClrLst>
+    <dgm:txEffectClrLst/>
+  </dgm:styleLbl>
+  <dgm:styleLbl name="fgAccFollowNode1">
+    <dgm:fillClrLst meth="repeat">
+      <a:schemeClr val="accent1">
+        <a:alpha val="90000"/>
+        <a:tint val="40000"/>
+      </a:schemeClr>
+    </dgm:fillClrLst>
+    <dgm:linClrLst meth="repeat">
+      <a:schemeClr val="accent1">
+        <a:alpha val="90000"/>
+        <a:tint val="40000"/>
+      </a:schemeClr>
+    </dgm:linClrLst>
+    <dgm:effectClrLst/>
+    <dgm:txLinClrLst/>
+    <dgm:txFillClrLst meth="repeat">
+      <a:schemeClr val="dk1"/>
+    </dgm:txFillClrLst>
+    <dgm:txEffectClrLst/>
+  </dgm:styleLbl>
+  <dgm:styleLbl name="alignAccFollowNode1">
+    <dgm:fillClrLst meth="repeat">
+      <a:schemeClr val="accent1">
+        <a:alpha val="90000"/>
+        <a:tint val="40000"/>
+      </a:schemeClr>
+    </dgm:fillClrLst>
+    <dgm:linClrLst meth="repeat">
+      <a:schemeClr val="accent1">
+        <a:alpha val="90000"/>
+        <a:tint val="40000"/>
+      </a:schemeClr>
+    </dgm:linClrLst>
+    <dgm:effectClrLst/>
+    <dgm:txLinClrLst/>
+    <dgm:txFillClrLst meth="repeat">
+      <a:schemeClr val="dk1"/>
+    </dgm:txFillClrLst>
+    <dgm:txEffectClrLst/>
+  </dgm:styleLbl>
+  <dgm:styleLbl name="bgAccFollowNode1">
+    <dgm:fillClrLst meth="repeat">
+      <a:schemeClr val="accent1">
+        <a:alpha val="90000"/>
+        <a:tint val="40000"/>
+      </a:schemeClr>
+    </dgm:fillClrLst>
+    <dgm:linClrLst meth="repeat">
+      <a:schemeClr val="accent1">
+        <a:alpha val="90000"/>
+        <a:tint val="40000"/>
+      </a:schemeClr>
+    </dgm:linClrLst>
+    <dgm:effectClrLst/>
+    <dgm:txLinClrLst/>
+    <dgm:txFillClrLst meth="repeat">
+      <a:schemeClr val="dk1"/>
+    </dgm:txFillClrLst>
+    <dgm:txEffectClrLst/>
+  </dgm:styleLbl>
+  <dgm:styleLbl name="fgAcc0">
+    <dgm:fillClrLst meth="repeat">
+      <a:schemeClr val="lt1">
+        <a:alpha val="90000"/>
+      </a:schemeClr>
+    </dgm:fillClrLst>
+    <dgm:linClrLst meth="repeat">
+      <a:schemeClr val="accent1"/>
+    </dgm:linClrLst>
+    <dgm:effectClrLst/>
+    <dgm:txLinClrLst/>
+    <dgm:txFillClrLst meth="repeat">
+      <a:schemeClr val="dk1"/>
+    </dgm:txFillClrLst>
+    <dgm:txEffectClrLst/>
+  </dgm:styleLbl>
+  <dgm:styleLbl name="fgAcc2">
+    <dgm:fillClrLst meth="repeat">
+      <a:schemeClr val="lt1">
+        <a:alpha val="90000"/>
+      </a:schemeClr>
+    </dgm:fillClrLst>
+    <dgm:linClrLst meth="repeat">
+      <a:schemeClr val="accent1"/>
+    </dgm:linClrLst>
+    <dgm:effectClrLst/>
+    <dgm:txLinClrLst/>
+    <dgm:txFillClrLst meth="repeat">
+      <a:schemeClr val="dk1"/>
+    </dgm:txFillClrLst>
+    <dgm:txEffectClrLst/>
+  </dgm:styleLbl>
+  <dgm:styleLbl name="fgAcc3">
+    <dgm:fillClrLst meth="repeat">
+      <a:schemeClr val="lt1">
+        <a:alpha val="90000"/>
+      </a:schemeClr>
+    </dgm:fillClrLst>
+    <dgm:linClrLst meth="repeat">
+      <a:schemeClr val="accent1"/>
+    </dgm:linClrLst>
+    <dgm:effectClrLst/>
+    <dgm:txLinClrLst/>
+    <dgm:txFillClrLst meth="repeat">
+      <a:schemeClr val="dk1"/>
+    </dgm:txFillClrLst>
+    <dgm:txEffectClrLst/>
+  </dgm:styleLbl>
+  <dgm:styleLbl name="fgAcc4">
+    <dgm:fillClrLst meth="repeat">
+      <a:schemeClr val="lt1">
+        <a:alpha val="90000"/>
+      </a:schemeClr>
+    </dgm:fillClrLst>
+    <dgm:linClrLst meth="repeat">
+      <a:schemeClr val="accent1"/>
+    </dgm:linClrLst>
+    <dgm:effectClrLst/>
+    <dgm:txLinClrLst/>
+    <dgm:txFillClrLst meth="repeat">
+      <a:schemeClr val="dk1"/>
+    </dgm:txFillClrLst>
+    <dgm:txEffectClrLst/>
+  </dgm:styleLbl>
+  <dgm:styleLbl name="bgShp">
+    <dgm:fillClrLst meth="repeat">
+      <a:schemeClr val="accent1">
+        <a:tint val="40000"/>
+      </a:schemeClr>
+    </dgm:fillClrLst>
+    <dgm:linClrLst meth="repeat">
+      <a:schemeClr val="accent1"/>
+    </dgm:linClrLst>
+    <dgm:effectClrLst/>
+    <dgm:txLinClrLst/>
+    <dgm:txFillClrLst meth="repeat">
+      <a:schemeClr val="dk1"/>
+    </dgm:txFillClrLst>
+    <dgm:txEffectClrLst/>
+  </dgm:styleLbl>
+  <dgm:styleLbl name="dkBgShp">
+    <dgm:fillClrLst meth="repeat">
+      <a:schemeClr val="accent1">
+        <a:shade val="80000"/>
+      </a:schemeClr>
+    </dgm:fillClrLst>
+    <dgm:linClrLst meth="repeat">
+      <a:schemeClr val="accent1"/>
+    </dgm:linClrLst>
+    <dgm:effectClrLst/>
+    <dgm:txLinClrLst/>
+    <dgm:txFillClrLst meth="repeat">
+      <a:schemeClr val="lt1"/>
+    </dgm:txFillClrLst>
+    <dgm:txEffectClrLst/>
+  </dgm:styleLbl>
+  <dgm:styleLbl name="trBgShp">
+    <dgm:fillClrLst meth="repeat">
+      <a:schemeClr val="accent1">
+        <a:tint val="50000"/>
+        <a:alpha val="40000"/>
+      </a:schemeClr>
+    </dgm:fillClrLst>
+    <dgm:linClrLst meth="repeat">
+      <a:schemeClr val="accent1"/>
+    </dgm:linClrLst>
+    <dgm:effectClrLst/>
+    <dgm:txLinClrLst/>
+    <dgm:txFillClrLst meth="repeat">
+      <a:schemeClr val="lt1"/>
+    </dgm:txFillClrLst>
+    <dgm:txEffectClrLst/>
+  </dgm:styleLbl>
+  <dgm:styleLbl name="fgShp">
+    <dgm:fillClrLst meth="repeat">
+      <a:schemeClr val="accent1">
+        <a:tint val="60000"/>
+      </a:schemeClr>
+    </dgm:fillClrLst>
+    <dgm:linClrLst meth="repeat">
+      <a:schemeClr val="lt1"/>
+    </dgm:linClrLst>
+    <dgm:effectClrLst/>
+    <dgm:txLinClrLst/>
+    <dgm:txFillClrLst meth="repeat">
+      <a:schemeClr val="dk1"/>
+    </dgm:txFillClrLst>
+    <dgm:txEffectClrLst/>
+  </dgm:styleLbl>
+  <dgm:styleLbl name="revTx">
+    <dgm:fillClrLst meth="repeat">
+      <a:schemeClr val="lt1">
+        <a:alpha val="0"/>
+      </a:schemeClr>
+    </dgm:fillClrLst>
+    <dgm:linClrLst meth="repeat">
+      <a:schemeClr val="dk1">
+        <a:alpha val="0"/>
+      </a:schemeClr>
+    </dgm:linClrLst>
+    <dgm:effectClrLst/>
+    <dgm:txLinClrLst/>
+    <dgm:txFillClrLst meth="repeat">
+      <a:schemeClr val="tx1"/>
+    </dgm:txFillClrLst>
+    <dgm:txEffectClrLst/>
+  </dgm:styleLbl>
+</dgm:colorsDef>
+</file>
+
 <file path=ppt/diagrams/data1.xml><?xml version="1.0" encoding="utf-8"?>
 <dgm:dataModel xmlns:dgm="http://schemas.openxmlformats.org/drawingml/2006/diagram" xmlns:a="http://schemas.openxmlformats.org/drawingml/2006/main">
   <dgm:ptLst>
@@ -4925,7 +5673,25 @@
             <a:rPr lang="en-US" dirty="0">
               <a:latin typeface="+mn-lt"/>
             </a:rPr>
-            <a:t>Developed hyperparameter tuning functions (cartesian product and simplified tuning).</a:t>
+            <a:t>Developed hyperparameter tuning functions (cartesian product and </a:t>
+          </a:r>
+          <a:r>
+            <a:rPr lang="pl-PL" dirty="0" err="1">
+              <a:latin typeface="+mn-lt"/>
+            </a:rPr>
+            <a:t>Bayesian</a:t>
+          </a:r>
+          <a:r>
+            <a:rPr lang="pl-PL" dirty="0">
+              <a:latin typeface="+mn-lt"/>
+            </a:rPr>
+            <a:t> </a:t>
+          </a:r>
+          <a:r>
+            <a:rPr lang="en-US" dirty="0">
+              <a:latin typeface="+mn-lt"/>
+            </a:rPr>
+            <a:t>tuning).</a:t>
           </a:r>
         </a:p>
       </dgm:t>
@@ -5474,7 +6240,19 @@
             <a:rPr lang="en-US" dirty="0">
               <a:latin typeface="+mn-lt"/>
             </a:rPr>
-            <a:t>Created a front-end skeleton and connected it to the API for predictions.</a:t>
+            <a:t>Created a front-end</a:t>
+          </a:r>
+          <a:r>
+            <a:rPr lang="pl-PL" dirty="0">
+              <a:latin typeface="+mn-lt"/>
+            </a:rPr>
+            <a:t> </a:t>
+          </a:r>
+          <a:r>
+            <a:rPr lang="en-US" dirty="0">
+              <a:latin typeface="+mn-lt"/>
+            </a:rPr>
+            <a:t>and connected it to the API for predictions.</a:t>
           </a:r>
         </a:p>
       </dgm:t>
@@ -5611,7 +6389,7 @@
             <a:rPr lang="en-US" dirty="0">
               <a:latin typeface="+mn-lt"/>
             </a:rPr>
-            <a:t> skeleton for prediction services with endpoints and routing.</a:t>
+            <a:t> for prediction services with endpoints and routing.</a:t>
           </a:r>
         </a:p>
       </dgm:t>
@@ -5828,19 +6606,19 @@
       </dgm:t>
     </dgm:pt>
     <dgm:pt modelId="{C406AD28-4D29-4CF1-80E5-5D9356859687}">
-      <dgm:prSet phldrT="[Tekst]" phldr="0"/>
+      <dgm:prSet phldrT="[Tekst]" phldr="0" custT="1"/>
       <dgm:spPr/>
       <dgm:t>
         <a:bodyPr/>
         <a:lstStyle/>
         <a:p>
+          <a:pPr algn="ctr"/>
           <a:r>
-            <a:rPr lang="pl-PL" dirty="0">
-              <a:latin typeface="Aptos Display" panose="020F0302020204030204"/>
+            <a:rPr lang="pl-PL" sz="3600" b="0" dirty="0">
+              <a:latin typeface="+mn-lt"/>
             </a:rPr>
             <a:t>Bartek</a:t>
           </a:r>
-          <a:endParaRPr lang="pl-PL" dirty="0"/>
         </a:p>
       </dgm:t>
     </dgm:pt>
@@ -5867,19 +6645,19 @@
       </dgm:t>
     </dgm:pt>
     <dgm:pt modelId="{AE372C5A-AFB5-44AA-BEEC-EAE868907E02}">
-      <dgm:prSet phldrT="[Tekst]" phldr="0"/>
+      <dgm:prSet phldrT="[Tekst]" phldr="0" custT="1"/>
       <dgm:spPr/>
       <dgm:t>
         <a:bodyPr/>
         <a:lstStyle/>
         <a:p>
+          <a:pPr algn="ctr"/>
           <a:r>
-            <a:rPr lang="pl-PL" dirty="0" err="1">
-              <a:latin typeface="Aptos Display" panose="020F0302020204030204"/>
+            <a:rPr lang="pl-PL" sz="3600" b="0" dirty="0" err="1">
+              <a:latin typeface="+mn-lt"/>
             </a:rPr>
             <a:t>Yaryna</a:t>
           </a:r>
-          <a:endParaRPr lang="pl-PL" dirty="0" err="1"/>
         </a:p>
       </dgm:t>
     </dgm:pt>
@@ -5906,15 +6684,16 @@
       </dgm:t>
     </dgm:pt>
     <dgm:pt modelId="{C469D321-5C33-4AFD-B0B6-9817BDF6ED97}">
-      <dgm:prSet phldr="0"/>
+      <dgm:prSet phldr="0" custT="1"/>
       <dgm:spPr/>
       <dgm:t>
         <a:bodyPr/>
         <a:lstStyle/>
         <a:p>
+          <a:pPr algn="ctr"/>
           <a:r>
-            <a:rPr lang="pl-PL" dirty="0">
-              <a:latin typeface="Aptos Display" panose="020F0302020204030204"/>
+            <a:rPr lang="pl-PL" sz="3600" b="0" dirty="0">
+              <a:latin typeface="+mn-lt"/>
             </a:rPr>
             <a:t>Maciek</a:t>
           </a:r>
@@ -5924,21 +6703,36 @@
     <dgm:pt modelId="{52B804B9-EAA0-456C-98B7-9AC949E44379}" type="parTrans" cxnId="{0E2C8D10-A44F-4290-8D29-30A593412C1C}">
       <dgm:prSet/>
       <dgm:spPr/>
-    </dgm:pt>
-    <dgm:pt modelId="{24570BCD-560A-4421-83D7-51B745DEF138}" type="sibTrans" cxnId="{0E2C8D10-A44F-4290-8D29-30A593412C1C}">
-      <dgm:prSet/>
-      <dgm:spPr/>
-    </dgm:pt>
-    <dgm:pt modelId="{46DA3405-14AE-4789-AA05-D030DB18D8E9}">
-      <dgm:prSet phldr="0"/>
-      <dgm:spPr/>
       <dgm:t>
         <a:bodyPr/>
         <a:lstStyle/>
         <a:p>
+          <a:endParaRPr lang="pl-PL"/>
+        </a:p>
+      </dgm:t>
+    </dgm:pt>
+    <dgm:pt modelId="{24570BCD-560A-4421-83D7-51B745DEF138}" type="sibTrans" cxnId="{0E2C8D10-A44F-4290-8D29-30A593412C1C}">
+      <dgm:prSet/>
+      <dgm:spPr/>
+      <dgm:t>
+        <a:bodyPr/>
+        <a:lstStyle/>
+        <a:p>
+          <a:endParaRPr lang="pl-PL"/>
+        </a:p>
+      </dgm:t>
+    </dgm:pt>
+    <dgm:pt modelId="{46DA3405-14AE-4789-AA05-D030DB18D8E9}">
+      <dgm:prSet phldr="0" custT="1"/>
+      <dgm:spPr/>
+      <dgm:t>
+        <a:bodyPr/>
+        <a:lstStyle/>
+        <a:p>
+          <a:pPr algn="ctr"/>
           <a:r>
-            <a:rPr lang="pl-PL" dirty="0">
-              <a:latin typeface="Aptos Display" panose="020F0302020204030204"/>
+            <a:rPr lang="pl-PL" sz="3600" b="0" dirty="0">
+              <a:latin typeface="+mn-lt"/>
             </a:rPr>
             <a:t>Marcin</a:t>
           </a:r>
@@ -5948,142 +6742,229 @@
     <dgm:pt modelId="{CC0AC60B-477D-450E-AF2B-DAE29759ADC0}" type="parTrans" cxnId="{3ED42163-E688-4C26-BD63-42F392A70868}">
       <dgm:prSet/>
       <dgm:spPr/>
-    </dgm:pt>
-    <dgm:pt modelId="{D749325C-B0F1-48B3-BC3C-C16BA3FE2F86}" type="sibTrans" cxnId="{3ED42163-E688-4C26-BD63-42F392A70868}">
-      <dgm:prSet/>
-      <dgm:spPr/>
-    </dgm:pt>
-    <dgm:pt modelId="{6858E1A9-E74F-4566-9878-429EA750AD55}">
-      <dgm:prSet phldr="0"/>
-      <dgm:spPr/>
       <dgm:t>
         <a:bodyPr/>
         <a:lstStyle/>
         <a:p>
-          <a:pPr algn="l" rtl="0"/>
-          <a:r>
-            <a:rPr lang="pl-PL" dirty="0"/>
-            <a:t>Training </a:t>
-          </a:r>
-          <a:r>
-            <a:rPr lang="pl-PL" dirty="0" err="1"/>
-            <a:t>processes</a:t>
-          </a:r>
-          <a:r>
-            <a:rPr lang="pl-PL" dirty="0"/>
-            <a:t> with </a:t>
-          </a:r>
-          <a:r>
-            <a:rPr lang="pl-PL" dirty="0" err="1"/>
-            <a:t>bootstrapping</a:t>
-          </a:r>
-          <a:r>
-            <a:rPr lang="pl-PL" dirty="0"/>
-            <a:t> and cross-</a:t>
-          </a:r>
-          <a:r>
-            <a:rPr lang="pl-PL" dirty="0" err="1"/>
-            <a:t>validation</a:t>
-          </a:r>
-          <a:endParaRPr lang="pl-PL" dirty="0" err="1">
-            <a:latin typeface="Aptos Display" panose="020F0302020204030204"/>
-          </a:endParaRPr>
+          <a:endParaRPr lang="pl-PL"/>
         </a:p>
       </dgm:t>
     </dgm:pt>
-    <dgm:pt modelId="{C691CAB0-7093-4FFC-A2D8-FB2346D2484C}" type="parTrans" cxnId="{3FA888A4-566C-4591-8815-653032549258}">
+    <dgm:pt modelId="{D749325C-B0F1-48B3-BC3C-C16BA3FE2F86}" type="sibTrans" cxnId="{3ED42163-E688-4C26-BD63-42F392A70868}">
       <dgm:prSet/>
-      <dgm:spPr/>
-    </dgm:pt>
-    <dgm:pt modelId="{5FFA94C2-93C0-430B-922D-C50A73BEA50E}" type="sibTrans" cxnId="{3FA888A4-566C-4591-8815-653032549258}">
-      <dgm:prSet/>
-      <dgm:spPr/>
-    </dgm:pt>
-    <dgm:pt modelId="{8D62DA7F-30E5-46EE-8F2C-2572D0A36040}">
-      <dgm:prSet phldr="0"/>
       <dgm:spPr/>
       <dgm:t>
         <a:bodyPr/>
         <a:lstStyle/>
         <a:p>
-          <a:pPr rtl="0"/>
-          <a:r>
-            <a:rPr lang="pl-PL" dirty="0"/>
-            <a:t>Project structure setup</a:t>
-          </a:r>
-          <a:endParaRPr lang="pl-PL" dirty="0">
-            <a:latin typeface="Aptos Display" panose="020F0302020204030204"/>
-          </a:endParaRPr>
+          <a:endParaRPr lang="pl-PL"/>
         </a:p>
       </dgm:t>
     </dgm:pt>
-    <dgm:pt modelId="{6E206F76-F237-4FAC-A89C-B46BD7597DAC}" type="parTrans" cxnId="{2BDF34BD-744A-4169-9515-AD3D0709C904}">
-      <dgm:prSet/>
-      <dgm:spPr/>
-    </dgm:pt>
-    <dgm:pt modelId="{64BAB261-6EA3-4C9E-8B18-1248D1B58610}" type="sibTrans" cxnId="{2BDF34BD-744A-4169-9515-AD3D0709C904}">
-      <dgm:prSet/>
-      <dgm:spPr/>
-    </dgm:pt>
-    <dgm:pt modelId="{510D7B76-F632-4133-BF90-8452690AC75C}">
+    <dgm:pt modelId="{6858E1A9-E74F-4566-9878-429EA750AD55}">
       <dgm:prSet phldr="0"/>
       <dgm:spPr/>
       <dgm:t>
         <a:bodyPr/>
         <a:lstStyle/>
         <a:p>
-          <a:pPr algn="l" rtl="0"/>
+          <a:pPr algn="ctr" rtl="0"/>
           <a:r>
-            <a:rPr lang="pl-PL" dirty="0"/>
-            <a:t>Research and implementation of metrics</a:t>
+            <a:rPr lang="pl-PL" b="0" dirty="0">
+              <a:latin typeface="+mn-lt"/>
+            </a:rPr>
+            <a:t>Training </a:t>
           </a:r>
-          <a:endParaRPr lang="pl-PL" dirty="0">
-            <a:latin typeface="Aptos Display" panose="020F0302020204030204"/>
-          </a:endParaRPr>
+          <a:r>
+            <a:rPr lang="pl-PL" b="0" dirty="0" err="1">
+              <a:latin typeface="+mn-lt"/>
+            </a:rPr>
+            <a:t>processes</a:t>
+          </a:r>
+          <a:r>
+            <a:rPr lang="pl-PL" b="0" dirty="0">
+              <a:latin typeface="+mn-lt"/>
+            </a:rPr>
+            <a:t> with </a:t>
+          </a:r>
+          <a:r>
+            <a:rPr lang="pl-PL" b="0" dirty="0" err="1">
+              <a:latin typeface="+mn-lt"/>
+            </a:rPr>
+            <a:t>bootstrapping</a:t>
+          </a:r>
+          <a:r>
+            <a:rPr lang="pl-PL" b="0" dirty="0">
+              <a:latin typeface="+mn-lt"/>
+            </a:rPr>
+            <a:t> and cross-</a:t>
+          </a:r>
+          <a:r>
+            <a:rPr lang="pl-PL" b="0" dirty="0" err="1">
+              <a:latin typeface="+mn-lt"/>
+            </a:rPr>
+            <a:t>validation</a:t>
+          </a:r>
         </a:p>
       </dgm:t>
     </dgm:pt>
-    <dgm:pt modelId="{EB2E3CB9-7893-469F-A3C8-9192FFB1924A}" type="parTrans" cxnId="{C5DA4E97-598F-4930-9893-AA4FB627CEC6}">
+    <dgm:pt modelId="{C691CAB0-7093-4FFC-A2D8-FB2346D2484C}" type="parTrans" cxnId="{3FA888A4-566C-4591-8815-653032549258}">
       <dgm:prSet/>
-      <dgm:spPr/>
-    </dgm:pt>
-    <dgm:pt modelId="{C2A9911A-566C-4C2D-8EF0-F4A705C108A1}" type="sibTrans" cxnId="{C5DA4E97-598F-4930-9893-AA4FB627CEC6}">
-      <dgm:prSet/>
-      <dgm:spPr/>
-    </dgm:pt>
-    <dgm:pt modelId="{58D9701A-1DBA-40E3-8AD2-7638E7CB25F8}">
-      <dgm:prSet phldr="0"/>
       <dgm:spPr/>
       <dgm:t>
         <a:bodyPr/>
         <a:lstStyle/>
         <a:p>
-          <a:pPr algn="l"/>
-          <a:r>
-            <a:rPr lang="pl-PL" dirty="0"/>
-            <a:t>FastAPI skeleton with prediction endpoints</a:t>
-          </a:r>
+          <a:endParaRPr lang="pl-PL"/>
         </a:p>
       </dgm:t>
     </dgm:pt>
-    <dgm:pt modelId="{0FEEBE5B-EDE8-4533-947F-6CBB0D5679BF}" type="parTrans" cxnId="{2865E971-B314-4C54-81B5-252BB331BFDA}">
+    <dgm:pt modelId="{5FFA94C2-93C0-430B-922D-C50A73BEA50E}" type="sibTrans" cxnId="{3FA888A4-566C-4591-8815-653032549258}">
       <dgm:prSet/>
-      <dgm:spPr/>
-    </dgm:pt>
-    <dgm:pt modelId="{D5ED61D0-2AF2-4392-BE62-B663F3E52594}" type="sibTrans" cxnId="{2865E971-B314-4C54-81B5-252BB331BFDA}">
-      <dgm:prSet/>
-      <dgm:spPr/>
-    </dgm:pt>
-    <dgm:pt modelId="{9CE0DE0D-2D90-41CF-8FAE-ACD4072B4A21}">
-      <dgm:prSet phldr="0"/>
       <dgm:spPr/>
       <dgm:t>
         <a:bodyPr/>
         <a:lstStyle/>
         <a:p>
-          <a:pPr algn="l"/>
+          <a:endParaRPr lang="pl-PL"/>
+        </a:p>
+      </dgm:t>
+    </dgm:pt>
+    <dgm:pt modelId="{8D62DA7F-30E5-46EE-8F2C-2572D0A36040}">
+      <dgm:prSet phldr="0"/>
+      <dgm:spPr/>
+      <dgm:t>
+        <a:bodyPr/>
+        <a:lstStyle/>
+        <a:p>
+          <a:pPr algn="ctr" rtl="0"/>
           <a:r>
-            <a:rPr lang="pl-PL" dirty="0"/>
+            <a:rPr lang="pl-PL" b="0" dirty="0">
+              <a:latin typeface="+mn-lt"/>
+            </a:rPr>
+            <a:t>Project structure setup</a:t>
+          </a:r>
+        </a:p>
+      </dgm:t>
+    </dgm:pt>
+    <dgm:pt modelId="{6E206F76-F237-4FAC-A89C-B46BD7597DAC}" type="parTrans" cxnId="{2BDF34BD-744A-4169-9515-AD3D0709C904}">
+      <dgm:prSet/>
+      <dgm:spPr/>
+      <dgm:t>
+        <a:bodyPr/>
+        <a:lstStyle/>
+        <a:p>
+          <a:endParaRPr lang="pl-PL"/>
+        </a:p>
+      </dgm:t>
+    </dgm:pt>
+    <dgm:pt modelId="{64BAB261-6EA3-4C9E-8B18-1248D1B58610}" type="sibTrans" cxnId="{2BDF34BD-744A-4169-9515-AD3D0709C904}">
+      <dgm:prSet/>
+      <dgm:spPr/>
+      <dgm:t>
+        <a:bodyPr/>
+        <a:lstStyle/>
+        <a:p>
+          <a:endParaRPr lang="pl-PL"/>
+        </a:p>
+      </dgm:t>
+    </dgm:pt>
+    <dgm:pt modelId="{510D7B76-F632-4133-BF90-8452690AC75C}">
+      <dgm:prSet phldr="0"/>
+      <dgm:spPr/>
+      <dgm:t>
+        <a:bodyPr/>
+        <a:lstStyle/>
+        <a:p>
+          <a:pPr algn="ctr" rtl="0"/>
+          <a:r>
+            <a:rPr lang="pl-PL" b="0" dirty="0">
+              <a:latin typeface="+mn-lt"/>
+            </a:rPr>
+            <a:t>Research and implementation of metrics</a:t>
+          </a:r>
+        </a:p>
+      </dgm:t>
+    </dgm:pt>
+    <dgm:pt modelId="{EB2E3CB9-7893-469F-A3C8-9192FFB1924A}" type="parTrans" cxnId="{C5DA4E97-598F-4930-9893-AA4FB627CEC6}">
+      <dgm:prSet/>
+      <dgm:spPr/>
+      <dgm:t>
+        <a:bodyPr/>
+        <a:lstStyle/>
+        <a:p>
+          <a:endParaRPr lang="pl-PL"/>
+        </a:p>
+      </dgm:t>
+    </dgm:pt>
+    <dgm:pt modelId="{C2A9911A-566C-4C2D-8EF0-F4A705C108A1}" type="sibTrans" cxnId="{C5DA4E97-598F-4930-9893-AA4FB627CEC6}">
+      <dgm:prSet/>
+      <dgm:spPr/>
+      <dgm:t>
+        <a:bodyPr/>
+        <a:lstStyle/>
+        <a:p>
+          <a:endParaRPr lang="pl-PL"/>
+        </a:p>
+      </dgm:t>
+    </dgm:pt>
+    <dgm:pt modelId="{58D9701A-1DBA-40E3-8AD2-7638E7CB25F8}">
+      <dgm:prSet phldr="0"/>
+      <dgm:spPr/>
+      <dgm:t>
+        <a:bodyPr/>
+        <a:lstStyle/>
+        <a:p>
+          <a:pPr algn="ctr"/>
+          <a:r>
+            <a:rPr lang="pl-PL" b="0" dirty="0" err="1">
+              <a:latin typeface="+mn-lt"/>
+            </a:rPr>
+            <a:t>FastAPI</a:t>
+          </a:r>
+          <a:r>
+            <a:rPr lang="pl-PL" b="0" dirty="0">
+              <a:latin typeface="+mn-lt"/>
+            </a:rPr>
+            <a:t> with prediction endpoints</a:t>
+          </a:r>
+        </a:p>
+      </dgm:t>
+    </dgm:pt>
+    <dgm:pt modelId="{0FEEBE5B-EDE8-4533-947F-6CBB0D5679BF}" type="parTrans" cxnId="{2865E971-B314-4C54-81B5-252BB331BFDA}">
+      <dgm:prSet/>
+      <dgm:spPr/>
+      <dgm:t>
+        <a:bodyPr/>
+        <a:lstStyle/>
+        <a:p>
+          <a:endParaRPr lang="pl-PL"/>
+        </a:p>
+      </dgm:t>
+    </dgm:pt>
+    <dgm:pt modelId="{D5ED61D0-2AF2-4392-BE62-B663F3E52594}" type="sibTrans" cxnId="{2865E971-B314-4C54-81B5-252BB331BFDA}">
+      <dgm:prSet/>
+      <dgm:spPr/>
+      <dgm:t>
+        <a:bodyPr/>
+        <a:lstStyle/>
+        <a:p>
+          <a:endParaRPr lang="pl-PL"/>
+        </a:p>
+      </dgm:t>
+    </dgm:pt>
+    <dgm:pt modelId="{9CE0DE0D-2D90-41CF-8FAE-ACD4072B4A21}">
+      <dgm:prSet phldr="0"/>
+      <dgm:spPr/>
+      <dgm:t>
+        <a:bodyPr/>
+        <a:lstStyle/>
+        <a:p>
+          <a:pPr algn="ctr"/>
+          <a:r>
+            <a:rPr lang="pl-PL" b="0" dirty="0">
+              <a:latin typeface="+mn-lt"/>
+            </a:rPr>
             <a:t>Parameter analysis and metric visualization</a:t>
           </a:r>
         </a:p>
@@ -6092,148 +6973,211 @@
     <dgm:pt modelId="{4016AB26-B4C4-456C-9320-7B22EA6F5AED}" type="parTrans" cxnId="{EA186BBD-25D8-4114-959E-86D8C717C43D}">
       <dgm:prSet/>
       <dgm:spPr/>
-    </dgm:pt>
-    <dgm:pt modelId="{6538F55A-AC7B-43F7-971C-07E9D671A8CD}" type="sibTrans" cxnId="{EA186BBD-25D8-4114-959E-86D8C717C43D}">
-      <dgm:prSet/>
-      <dgm:spPr/>
-    </dgm:pt>
-    <dgm:pt modelId="{3F948ABA-DDF9-44E7-AEB0-2C853D9819F1}">
-      <dgm:prSet phldr="0"/>
-      <dgm:spPr/>
       <dgm:t>
         <a:bodyPr/>
         <a:lstStyle/>
         <a:p>
-          <a:pPr algn="l" rtl="0"/>
-          <a:r>
-            <a:rPr lang="pl-PL" dirty="0"/>
-            <a:t>Data </a:t>
-          </a:r>
-          <a:r>
-            <a:rPr lang="pl-PL" dirty="0">
-              <a:latin typeface="Aptos Display" panose="020F0302020204030204"/>
-            </a:rPr>
-            <a:t>processing</a:t>
-          </a:r>
+          <a:endParaRPr lang="pl-PL"/>
         </a:p>
       </dgm:t>
     </dgm:pt>
-    <dgm:pt modelId="{CF4FC048-CDBE-4637-8B24-95EE5BFFC752}" type="parTrans" cxnId="{EEEA8263-BD57-4D37-BED2-8D99C96498DB}">
+    <dgm:pt modelId="{6538F55A-AC7B-43F7-971C-07E9D671A8CD}" type="sibTrans" cxnId="{EA186BBD-25D8-4114-959E-86D8C717C43D}">
       <dgm:prSet/>
-      <dgm:spPr/>
-    </dgm:pt>
-    <dgm:pt modelId="{2724C9C7-BB19-4B3C-B0E3-E31634C90359}" type="sibTrans" cxnId="{EEEA8263-BD57-4D37-BED2-8D99C96498DB}">
-      <dgm:prSet/>
-      <dgm:spPr/>
-    </dgm:pt>
-    <dgm:pt modelId="{03EC1D4A-91A1-41D4-BE9D-75F29DF7B18C}">
-      <dgm:prSet phldr="0"/>
       <dgm:spPr/>
       <dgm:t>
         <a:bodyPr/>
         <a:lstStyle/>
         <a:p>
-          <a:pPr algn="l" rtl="0"/>
+          <a:endParaRPr lang="pl-PL"/>
+        </a:p>
+      </dgm:t>
+    </dgm:pt>
+    <dgm:pt modelId="{3F948ABA-DDF9-44E7-AEB0-2C853D9819F1}">
+      <dgm:prSet phldr="0"/>
+      <dgm:spPr/>
+      <dgm:t>
+        <a:bodyPr/>
+        <a:lstStyle/>
+        <a:p>
+          <a:pPr algn="ctr" rtl="0"/>
           <a:r>
-            <a:rPr lang="pl-PL" dirty="0">
-              <a:latin typeface="Aptos Display" panose="020F0302020204030204"/>
+            <a:rPr lang="pl-PL" b="0" dirty="0">
+              <a:latin typeface="+mn-lt"/>
+            </a:rPr>
+            <a:t>Data processing</a:t>
+          </a:r>
+        </a:p>
+      </dgm:t>
+    </dgm:pt>
+    <dgm:pt modelId="{CF4FC048-CDBE-4637-8B24-95EE5BFFC752}" type="parTrans" cxnId="{EEEA8263-BD57-4D37-BED2-8D99C96498DB}">
+      <dgm:prSet/>
+      <dgm:spPr/>
+      <dgm:t>
+        <a:bodyPr/>
+        <a:lstStyle/>
+        <a:p>
+          <a:endParaRPr lang="pl-PL"/>
+        </a:p>
+      </dgm:t>
+    </dgm:pt>
+    <dgm:pt modelId="{2724C9C7-BB19-4B3C-B0E3-E31634C90359}" type="sibTrans" cxnId="{EEEA8263-BD57-4D37-BED2-8D99C96498DB}">
+      <dgm:prSet/>
+      <dgm:spPr/>
+      <dgm:t>
+        <a:bodyPr/>
+        <a:lstStyle/>
+        <a:p>
+          <a:endParaRPr lang="pl-PL"/>
+        </a:p>
+      </dgm:t>
+    </dgm:pt>
+    <dgm:pt modelId="{03EC1D4A-91A1-41D4-BE9D-75F29DF7B18C}">
+      <dgm:prSet phldr="0"/>
+      <dgm:spPr/>
+      <dgm:t>
+        <a:bodyPr/>
+        <a:lstStyle/>
+        <a:p>
+          <a:pPr algn="ctr" rtl="0"/>
+          <a:r>
+            <a:rPr lang="pl-PL" b="0" dirty="0">
+              <a:latin typeface="+mn-lt"/>
             </a:rPr>
             <a:t>Training </a:t>
           </a:r>
           <a:r>
-            <a:rPr lang="pl-PL" dirty="0" err="1">
-              <a:latin typeface="Aptos Display" panose="020F0302020204030204"/>
+            <a:rPr lang="pl-PL" b="0" dirty="0" err="1">
+              <a:latin typeface="+mn-lt"/>
             </a:rPr>
             <a:t>models</a:t>
           </a:r>
           <a:r>
-            <a:rPr lang="pl-PL" dirty="0">
-              <a:latin typeface="Aptos Display" panose="020F0302020204030204"/>
+            <a:rPr lang="pl-PL" b="0" dirty="0">
+              <a:latin typeface="+mn-lt"/>
             </a:rPr>
             <a:t> on GPU</a:t>
           </a:r>
-          <a:endParaRPr lang="pl-PL" dirty="0"/>
         </a:p>
       </dgm:t>
     </dgm:pt>
     <dgm:pt modelId="{9D1E7E38-4E64-4625-A7A0-871EAA978C53}" type="parTrans" cxnId="{0B8E2FA8-E52A-4902-A653-6F2BA7AD6764}">
       <dgm:prSet/>
-      <dgm:spPr/>
-    </dgm:pt>
-    <dgm:pt modelId="{800728AB-09F9-4BAA-B935-7D7196C04D70}" type="sibTrans" cxnId="{0B8E2FA8-E52A-4902-A653-6F2BA7AD6764}">
-      <dgm:prSet/>
-      <dgm:spPr/>
-    </dgm:pt>
-    <dgm:pt modelId="{7AF972FD-71C3-4E64-90C8-1E95F8A89B1B}">
-      <dgm:prSet phldr="0"/>
       <dgm:spPr/>
       <dgm:t>
         <a:bodyPr/>
         <a:lstStyle/>
         <a:p>
-          <a:pPr algn="l" rtl="0"/>
-          <a:r>
-            <a:rPr lang="pl-PL" dirty="0" err="1"/>
-            <a:t>Frontend</a:t>
-          </a:r>
-          <a:r>
-            <a:rPr lang="pl-PL" dirty="0"/>
-            <a:t> skeleton </a:t>
-          </a:r>
-          <a:r>
-            <a:rPr lang="pl-PL" dirty="0">
-              <a:latin typeface="Aptos Display" panose="020F0302020204030204"/>
-            </a:rPr>
-            <a:t>and application setup</a:t>
-          </a:r>
-          <a:endParaRPr lang="pl-PL" dirty="0"/>
+          <a:endParaRPr lang="pl-PL"/>
         </a:p>
       </dgm:t>
     </dgm:pt>
-    <dgm:pt modelId="{9F5DD052-FA46-41EB-89E9-B3D663BA40F7}" type="parTrans" cxnId="{F1275F39-76E8-4B5B-8846-E2CD3714B06F}">
+    <dgm:pt modelId="{800728AB-09F9-4BAA-B935-7D7196C04D70}" type="sibTrans" cxnId="{0B8E2FA8-E52A-4902-A653-6F2BA7AD6764}">
       <dgm:prSet/>
-      <dgm:spPr/>
-    </dgm:pt>
-    <dgm:pt modelId="{249BA15A-BB31-4962-A2C0-717DE7E9892D}" type="sibTrans" cxnId="{F1275F39-76E8-4B5B-8846-E2CD3714B06F}">
-      <dgm:prSet/>
-      <dgm:spPr/>
-    </dgm:pt>
-    <dgm:pt modelId="{0DFE3BD8-AA30-4209-8269-599F035E5AE2}">
-      <dgm:prSet phldr="0"/>
       <dgm:spPr/>
       <dgm:t>
         <a:bodyPr/>
         <a:lstStyle/>
         <a:p>
-          <a:pPr algn="l" rtl="0"/>
-          <a:r>
-            <a:rPr lang="pl-PL" dirty="0"/>
-            <a:t>Hyperparameter tuning functions and dataclasses</a:t>
-          </a:r>
-          <a:endParaRPr lang="pl-PL" dirty="0">
-            <a:latin typeface="Aptos Display" panose="020F0302020204030204"/>
-          </a:endParaRPr>
+          <a:endParaRPr lang="pl-PL"/>
         </a:p>
       </dgm:t>
     </dgm:pt>
-    <dgm:pt modelId="{4C321FB1-4FE7-44AD-BD96-36991FF88A26}" type="parTrans" cxnId="{6596318C-7239-48CB-A49D-9356DEC02FAA}">
-      <dgm:prSet/>
-      <dgm:spPr/>
-    </dgm:pt>
-    <dgm:pt modelId="{84825A7E-B942-4A1F-858B-B6C520028F46}" type="sibTrans" cxnId="{6596318C-7239-48CB-A49D-9356DEC02FAA}">
-      <dgm:prSet/>
-      <dgm:spPr/>
-    </dgm:pt>
-    <dgm:pt modelId="{B34F98F9-402F-4109-8E1D-FA2EAE8DE845}">
+    <dgm:pt modelId="{7AF972FD-71C3-4E64-90C8-1E95F8A89B1B}">
       <dgm:prSet phldr="0"/>
       <dgm:spPr/>
       <dgm:t>
         <a:bodyPr/>
         <a:lstStyle/>
         <a:p>
-          <a:pPr algn="l"/>
+          <a:pPr algn="ctr" rtl="0"/>
           <a:r>
-            <a:rPr lang="pl-PL" dirty="0"/>
+            <a:rPr lang="pl-PL" b="0" dirty="0" err="1">
+              <a:latin typeface="+mn-lt"/>
+            </a:rPr>
+            <a:t>Frontend</a:t>
+          </a:r>
+          <a:r>
+            <a:rPr lang="pl-PL" b="0" dirty="0">
+              <a:latin typeface="+mn-lt"/>
+            </a:rPr>
+            <a:t> and application setup</a:t>
+          </a:r>
+        </a:p>
+      </dgm:t>
+    </dgm:pt>
+    <dgm:pt modelId="{9F5DD052-FA46-41EB-89E9-B3D663BA40F7}" type="parTrans" cxnId="{F1275F39-76E8-4B5B-8846-E2CD3714B06F}">
+      <dgm:prSet/>
+      <dgm:spPr/>
+      <dgm:t>
+        <a:bodyPr/>
+        <a:lstStyle/>
+        <a:p>
+          <a:endParaRPr lang="pl-PL"/>
+        </a:p>
+      </dgm:t>
+    </dgm:pt>
+    <dgm:pt modelId="{249BA15A-BB31-4962-A2C0-717DE7E9892D}" type="sibTrans" cxnId="{F1275F39-76E8-4B5B-8846-E2CD3714B06F}">
+      <dgm:prSet/>
+      <dgm:spPr/>
+      <dgm:t>
+        <a:bodyPr/>
+        <a:lstStyle/>
+        <a:p>
+          <a:endParaRPr lang="pl-PL"/>
+        </a:p>
+      </dgm:t>
+    </dgm:pt>
+    <dgm:pt modelId="{0DFE3BD8-AA30-4209-8269-599F035E5AE2}">
+      <dgm:prSet phldr="0"/>
+      <dgm:spPr/>
+      <dgm:t>
+        <a:bodyPr/>
+        <a:lstStyle/>
+        <a:p>
+          <a:pPr algn="ctr" rtl="0"/>
+          <a:r>
+            <a:rPr lang="pl-PL" b="0" dirty="0">
+              <a:latin typeface="+mn-lt"/>
+            </a:rPr>
+            <a:t>Hyperparameter tuning functions and dataclasses</a:t>
+          </a:r>
+        </a:p>
+      </dgm:t>
+    </dgm:pt>
+    <dgm:pt modelId="{4C321FB1-4FE7-44AD-BD96-36991FF88A26}" type="parTrans" cxnId="{6596318C-7239-48CB-A49D-9356DEC02FAA}">
+      <dgm:prSet/>
+      <dgm:spPr/>
+      <dgm:t>
+        <a:bodyPr/>
+        <a:lstStyle/>
+        <a:p>
+          <a:endParaRPr lang="pl-PL"/>
+        </a:p>
+      </dgm:t>
+    </dgm:pt>
+    <dgm:pt modelId="{84825A7E-B942-4A1F-858B-B6C520028F46}" type="sibTrans" cxnId="{6596318C-7239-48CB-A49D-9356DEC02FAA}">
+      <dgm:prSet/>
+      <dgm:spPr/>
+      <dgm:t>
+        <a:bodyPr/>
+        <a:lstStyle/>
+        <a:p>
+          <a:endParaRPr lang="pl-PL"/>
+        </a:p>
+      </dgm:t>
+    </dgm:pt>
+    <dgm:pt modelId="{B34F98F9-402F-4109-8E1D-FA2EAE8DE845}">
+      <dgm:prSet phldr="0"/>
+      <dgm:spPr/>
+      <dgm:t>
+        <a:bodyPr/>
+        <a:lstStyle/>
+        <a:p>
+          <a:pPr algn="ctr"/>
+          <a:r>
+            <a:rPr lang="pl-PL" b="0" dirty="0">
+              <a:latin typeface="+mn-lt"/>
+            </a:rPr>
             <a:t>Research on hyperparameter importance</a:t>
           </a:r>
         </a:p>
@@ -6242,85 +7186,126 @@
     <dgm:pt modelId="{240E316D-A834-47F0-94C6-2241C22225F4}" type="parTrans" cxnId="{FB24A8A3-DE41-4009-991B-AD3ECB7FCD91}">
       <dgm:prSet/>
       <dgm:spPr/>
-    </dgm:pt>
-    <dgm:pt modelId="{B10A1636-E924-4867-BBCF-DB00AD750FB1}" type="sibTrans" cxnId="{FB24A8A3-DE41-4009-991B-AD3ECB7FCD91}">
-      <dgm:prSet/>
-      <dgm:spPr/>
-    </dgm:pt>
-    <dgm:pt modelId="{1EB0FB91-4E8A-40AA-A79F-D2F52B23CE0D}">
-      <dgm:prSet phldr="0"/>
-      <dgm:spPr/>
       <dgm:t>
         <a:bodyPr/>
         <a:lstStyle/>
         <a:p>
-          <a:r>
-            <a:rPr lang="pl-PL" dirty="0">
-              <a:latin typeface="Aptos Display" panose="020F0302020204030204"/>
-            </a:rPr>
-            <a:t>GPU</a:t>
-          </a:r>
-          <a:r>
-            <a:rPr lang="pl-PL" dirty="0"/>
-            <a:t> research and hyperparameter tuning improvements</a:t>
-          </a:r>
+          <a:endParaRPr lang="pl-PL"/>
         </a:p>
       </dgm:t>
     </dgm:pt>
-    <dgm:pt modelId="{4930604F-6EA3-4690-B04E-AE506CEBC6B0}" type="parTrans" cxnId="{458422C7-FE33-4772-A6CE-734A14AB82E5}">
+    <dgm:pt modelId="{B10A1636-E924-4867-BBCF-DB00AD750FB1}" type="sibTrans" cxnId="{FB24A8A3-DE41-4009-991B-AD3ECB7FCD91}">
       <dgm:prSet/>
-      <dgm:spPr/>
-    </dgm:pt>
-    <dgm:pt modelId="{25F73F1B-65C3-4744-BA3A-058D75CD2C43}" type="sibTrans" cxnId="{458422C7-FE33-4772-A6CE-734A14AB82E5}">
-      <dgm:prSet/>
-      <dgm:spPr/>
-    </dgm:pt>
-    <dgm:pt modelId="{9C3A86E2-8FC7-4E3B-9657-B68365B1697A}">
-      <dgm:prSet phldr="0"/>
       <dgm:spPr/>
       <dgm:t>
         <a:bodyPr/>
         <a:lstStyle/>
         <a:p>
-          <a:pPr algn="l"/>
+          <a:endParaRPr lang="pl-PL"/>
+        </a:p>
+      </dgm:t>
+    </dgm:pt>
+    <dgm:pt modelId="{1EB0FB91-4E8A-40AA-A79F-D2F52B23CE0D}">
+      <dgm:prSet phldr="0"/>
+      <dgm:spPr/>
+      <dgm:t>
+        <a:bodyPr/>
+        <a:lstStyle/>
+        <a:p>
+          <a:pPr algn="ctr"/>
           <a:r>
-            <a:rPr lang="pl-PL" dirty="0">
-              <a:latin typeface="Calibri"/>
+            <a:rPr lang="pl-PL" b="0" dirty="0">
+              <a:latin typeface="+mn-lt"/>
+            </a:rPr>
+            <a:t>GPU research and hyperparameter tuning improvements</a:t>
+          </a:r>
+        </a:p>
+      </dgm:t>
+    </dgm:pt>
+    <dgm:pt modelId="{4930604F-6EA3-4690-B04E-AE506CEBC6B0}" type="parTrans" cxnId="{458422C7-FE33-4772-A6CE-734A14AB82E5}">
+      <dgm:prSet/>
+      <dgm:spPr/>
+      <dgm:t>
+        <a:bodyPr/>
+        <a:lstStyle/>
+        <a:p>
+          <a:endParaRPr lang="pl-PL"/>
+        </a:p>
+      </dgm:t>
+    </dgm:pt>
+    <dgm:pt modelId="{25F73F1B-65C3-4744-BA3A-058D75CD2C43}" type="sibTrans" cxnId="{458422C7-FE33-4772-A6CE-734A14AB82E5}">
+      <dgm:prSet/>
+      <dgm:spPr/>
+      <dgm:t>
+        <a:bodyPr/>
+        <a:lstStyle/>
+        <a:p>
+          <a:endParaRPr lang="pl-PL"/>
+        </a:p>
+      </dgm:t>
+    </dgm:pt>
+    <dgm:pt modelId="{9C3A86E2-8FC7-4E3B-9657-B68365B1697A}">
+      <dgm:prSet phldr="0"/>
+      <dgm:spPr/>
+      <dgm:t>
+        <a:bodyPr/>
+        <a:lstStyle/>
+        <a:p>
+          <a:pPr algn="ctr"/>
+          <a:r>
+            <a:rPr lang="pl-PL" b="0" dirty="0">
+              <a:latin typeface="+mn-lt"/>
               <a:ea typeface="Calibri"/>
               <a:cs typeface="Calibri"/>
             </a:rPr>
             <a:t>Project managment and documentation</a:t>
           </a:r>
-          <a:endParaRPr lang="pl-PL" dirty="0"/>
+          <a:endParaRPr lang="pl-PL" b="0" dirty="0">
+            <a:latin typeface="+mn-lt"/>
+          </a:endParaRPr>
         </a:p>
       </dgm:t>
     </dgm:pt>
     <dgm:pt modelId="{8021C654-F7C7-4C08-991A-90F98B7EA657}" type="parTrans" cxnId="{011F6B1C-0C14-4795-9D94-E3906517F775}">
       <dgm:prSet/>
-      <dgm:spPr/>
-    </dgm:pt>
-    <dgm:pt modelId="{DDB3A3BC-5CB5-496C-B77B-6E4E96FCA641}" type="sibTrans" cxnId="{011F6B1C-0C14-4795-9D94-E3906517F775}">
-      <dgm:prSet/>
-      <dgm:spPr/>
-    </dgm:pt>
-    <dgm:pt modelId="{ECA3E980-CD25-4092-A75E-D9FE6DBD6FA7}">
-      <dgm:prSet phldr="0"/>
       <dgm:spPr/>
       <dgm:t>
         <a:bodyPr/>
         <a:lstStyle/>
         <a:p>
-          <a:pPr algn="l" rtl="0"/>
+          <a:endParaRPr lang="pl-PL"/>
+        </a:p>
+      </dgm:t>
+    </dgm:pt>
+    <dgm:pt modelId="{DDB3A3BC-5CB5-496C-B77B-6E4E96FCA641}" type="sibTrans" cxnId="{011F6B1C-0C14-4795-9D94-E3906517F775}">
+      <dgm:prSet/>
+      <dgm:spPr/>
+      <dgm:t>
+        <a:bodyPr/>
+        <a:lstStyle/>
+        <a:p>
+          <a:endParaRPr lang="pl-PL"/>
+        </a:p>
+      </dgm:t>
+    </dgm:pt>
+    <dgm:pt modelId="{ECA3E980-CD25-4092-A75E-D9FE6DBD6FA7}">
+      <dgm:prSet phldr="0"/>
+      <dgm:spPr/>
+      <dgm:t>
+        <a:bodyPr/>
+        <a:lstStyle/>
+        <a:p>
+          <a:pPr algn="ctr" rtl="0"/>
           <a:r>
-            <a:rPr lang="pl-PL" dirty="0">
-              <a:latin typeface="Calibri"/>
+            <a:rPr lang="pl-PL" b="0" dirty="0">
+              <a:latin typeface="+mn-lt"/>
               <a:ea typeface="Calibri"/>
               <a:cs typeface="Calibri"/>
             </a:rPr>
             <a:t>Models classes</a:t>
           </a:r>
-          <a:endParaRPr lang="en-US" dirty="0">
-            <a:latin typeface="Calibri"/>
+          <a:endParaRPr lang="en-US" b="0" dirty="0">
+            <a:latin typeface="+mn-lt"/>
             <a:ea typeface="Calibri"/>
             <a:cs typeface="Calibri"/>
           </a:endParaRPr>
@@ -6330,64 +7315,92 @@
     <dgm:pt modelId="{AF79789A-F3AD-4D83-8DA9-CB56FE40A160}" type="parTrans" cxnId="{9CA44A54-8A09-415B-9CD2-A9EA1EE861CA}">
       <dgm:prSet/>
       <dgm:spPr/>
-    </dgm:pt>
-    <dgm:pt modelId="{B66D031E-324C-465C-8B46-2303E51C6336}" type="sibTrans" cxnId="{9CA44A54-8A09-415B-9CD2-A9EA1EE861CA}">
-      <dgm:prSet/>
-      <dgm:spPr/>
-    </dgm:pt>
-    <dgm:pt modelId="{E8E56C0F-09CC-41F6-AC5E-318FF568E24B}">
-      <dgm:prSet phldr="0"/>
-      <dgm:spPr/>
       <dgm:t>
         <a:bodyPr/>
         <a:lstStyle/>
         <a:p>
-          <a:pPr rtl="0"/>
+          <a:endParaRPr lang="pl-PL"/>
+        </a:p>
+      </dgm:t>
+    </dgm:pt>
+    <dgm:pt modelId="{B66D031E-324C-465C-8B46-2303E51C6336}" type="sibTrans" cxnId="{9CA44A54-8A09-415B-9CD2-A9EA1EE861CA}">
+      <dgm:prSet/>
+      <dgm:spPr/>
+      <dgm:t>
+        <a:bodyPr/>
+        <a:lstStyle/>
+        <a:p>
+          <a:endParaRPr lang="pl-PL"/>
+        </a:p>
+      </dgm:t>
+    </dgm:pt>
+    <dgm:pt modelId="{E8E56C0F-09CC-41F6-AC5E-318FF568E24B}">
+      <dgm:prSet phldr="0"/>
+      <dgm:spPr/>
+      <dgm:t>
+        <a:bodyPr/>
+        <a:lstStyle/>
+        <a:p>
+          <a:pPr algn="ctr" rtl="0"/>
           <a:r>
-            <a:rPr lang="pl-PL" dirty="0">
-              <a:latin typeface="Calibri"/>
+            <a:rPr lang="pl-PL" b="0" dirty="0">
+              <a:latin typeface="+mn-lt"/>
               <a:ea typeface="Calibri"/>
               <a:cs typeface="Calibri"/>
             </a:rPr>
             <a:t>Evaluation dataclasses and functions</a:t>
           </a:r>
-          <a:endParaRPr lang="pl-PL" dirty="0">
-            <a:latin typeface="Aptos Display" panose="020F0302020204030204"/>
+          <a:endParaRPr lang="pl-PL" b="0" dirty="0">
+            <a:latin typeface="+mn-lt"/>
           </a:endParaRPr>
         </a:p>
       </dgm:t>
     </dgm:pt>
     <dgm:pt modelId="{4E320BBC-FB93-4E8B-A350-31B45827C5F0}" type="parTrans" cxnId="{68ADE30A-6D71-493E-9371-EC386B454752}">
       <dgm:prSet/>
-      <dgm:spPr/>
-    </dgm:pt>
-    <dgm:pt modelId="{30B9C6BB-6182-45E1-ADE2-FF08B81C1BD4}" type="sibTrans" cxnId="{68ADE30A-6D71-493E-9371-EC386B454752}">
-      <dgm:prSet/>
-      <dgm:spPr/>
-    </dgm:pt>
-    <dgm:pt modelId="{DC8099A0-94B5-4C5E-A247-449A0CA3EB67}">
-      <dgm:prSet phldr="0"/>
       <dgm:spPr/>
       <dgm:t>
         <a:bodyPr/>
         <a:lstStyle/>
         <a:p>
-          <a:pPr algn="l" rtl="0"/>
+          <a:endParaRPr lang="pl-PL"/>
+        </a:p>
+      </dgm:t>
+    </dgm:pt>
+    <dgm:pt modelId="{30B9C6BB-6182-45E1-ADE2-FF08B81C1BD4}" type="sibTrans" cxnId="{68ADE30A-6D71-493E-9371-EC386B454752}">
+      <dgm:prSet/>
+      <dgm:spPr/>
+      <dgm:t>
+        <a:bodyPr/>
+        <a:lstStyle/>
+        <a:p>
+          <a:endParaRPr lang="pl-PL"/>
+        </a:p>
+      </dgm:t>
+    </dgm:pt>
+    <dgm:pt modelId="{DC8099A0-94B5-4C5E-A247-449A0CA3EB67}">
+      <dgm:prSet phldr="0"/>
+      <dgm:spPr/>
+      <dgm:t>
+        <a:bodyPr/>
+        <a:lstStyle/>
+        <a:p>
+          <a:pPr algn="ctr" rtl="0"/>
           <a:r>
-            <a:rPr lang="pl-PL" dirty="0" err="1">
-              <a:latin typeface="Aptos Display" panose="020F0302020204030204"/>
+            <a:rPr lang="pl-PL" b="0" dirty="0" err="1">
+              <a:latin typeface="+mn-lt"/>
             </a:rPr>
             <a:t>Models</a:t>
           </a:r>
           <a:r>
-            <a:rPr lang="pl-PL" dirty="0">
-              <a:latin typeface="Aptos Display" panose="020F0302020204030204"/>
+            <a:rPr lang="pl-PL" b="0" dirty="0">
+              <a:latin typeface="+mn-lt"/>
             </a:rPr>
             <a:t> </a:t>
           </a:r>
           <a:r>
-            <a:rPr lang="pl-PL" dirty="0" err="1">
-              <a:latin typeface="Aptos Display" panose="020F0302020204030204"/>
+            <a:rPr lang="pl-PL" b="0" dirty="0" err="1">
+              <a:latin typeface="+mn-lt"/>
             </a:rPr>
             <a:t>comparison</a:t>
           </a:r>
@@ -6397,22 +7410,36 @@
     <dgm:pt modelId="{220023C4-1DB4-4039-A499-45AAFB2CFCD3}" type="parTrans" cxnId="{32C30148-62E6-44B1-96DE-BEF8BBF5350D}">
       <dgm:prSet/>
       <dgm:spPr/>
-    </dgm:pt>
-    <dgm:pt modelId="{762F20E6-65FE-4C7E-93EA-45CAA34E0502}" type="sibTrans" cxnId="{32C30148-62E6-44B1-96DE-BEF8BBF5350D}">
-      <dgm:prSet/>
-      <dgm:spPr/>
-    </dgm:pt>
-    <dgm:pt modelId="{6CD546D3-203C-48F3-B2EA-D6BB6610B501}">
-      <dgm:prSet phldr="0"/>
-      <dgm:spPr/>
       <dgm:t>
         <a:bodyPr/>
         <a:lstStyle/>
         <a:p>
-          <a:pPr rtl="0"/>
+          <a:endParaRPr lang="pl-PL"/>
+        </a:p>
+      </dgm:t>
+    </dgm:pt>
+    <dgm:pt modelId="{762F20E6-65FE-4C7E-93EA-45CAA34E0502}" type="sibTrans" cxnId="{32C30148-62E6-44B1-96DE-BEF8BBF5350D}">
+      <dgm:prSet/>
+      <dgm:spPr/>
+      <dgm:t>
+        <a:bodyPr/>
+        <a:lstStyle/>
+        <a:p>
+          <a:endParaRPr lang="pl-PL"/>
+        </a:p>
+      </dgm:t>
+    </dgm:pt>
+    <dgm:pt modelId="{6CD546D3-203C-48F3-B2EA-D6BB6610B501}">
+      <dgm:prSet phldr="0"/>
+      <dgm:spPr/>
+      <dgm:t>
+        <a:bodyPr/>
+        <a:lstStyle/>
+        <a:p>
+          <a:pPr algn="ctr" rtl="0"/>
           <a:r>
-            <a:rPr lang="pl-PL" dirty="0">
-              <a:latin typeface="Aptos Display" panose="020F0302020204030204"/>
+            <a:rPr lang="pl-PL" b="0" dirty="0">
+              <a:latin typeface="+mn-lt"/>
             </a:rPr>
             <a:t>Training techniques research</a:t>
           </a:r>
@@ -6422,10 +7449,24 @@
     <dgm:pt modelId="{CA8CAF5B-5575-4032-842F-A20DAD54BB26}" type="parTrans" cxnId="{91D49BC3-4B11-40BE-81B7-B61F6011E962}">
       <dgm:prSet/>
       <dgm:spPr/>
+      <dgm:t>
+        <a:bodyPr/>
+        <a:lstStyle/>
+        <a:p>
+          <a:endParaRPr lang="pl-PL"/>
+        </a:p>
+      </dgm:t>
     </dgm:pt>
     <dgm:pt modelId="{0C10A5FE-78F1-49B5-B088-910A5E0DEA51}" type="sibTrans" cxnId="{91D49BC3-4B11-40BE-81B7-B61F6011E962}">
       <dgm:prSet/>
       <dgm:spPr/>
+      <dgm:t>
+        <a:bodyPr/>
+        <a:lstStyle/>
+        <a:p>
+          <a:endParaRPr lang="pl-PL"/>
+        </a:p>
+      </dgm:t>
     </dgm:pt>
     <dgm:pt modelId="{5DD60E87-DBEA-400E-9CF4-F2813EDA2868}" type="pres">
       <dgm:prSet presAssocID="{CA983284-45DC-45E7-A8A9-A9C7ECA53A05}" presName="diagram" presStyleCnt="0">
@@ -6826,6 +7867,370 @@
     <dgm:cxn modelId="{004E13B0-4DEE-43A4-A11D-2ED25DB6EDF7}" type="presParOf" srcId="{546C6E1E-295F-48E9-B82B-153FE87FA037}" destId="{67276903-0E74-42AB-943D-C1E61CF5E978}" srcOrd="5" destOrd="0" presId="urn:microsoft.com/office/officeart/2005/8/layout/hierarchy3"/>
     <dgm:cxn modelId="{0E61F77E-B1B5-48A8-9321-927605D60B16}" type="presParOf" srcId="{546C6E1E-295F-48E9-B82B-153FE87FA037}" destId="{B41D50C8-F12B-4F1E-A0FE-F78B5958C5B8}" srcOrd="6" destOrd="0" presId="urn:microsoft.com/office/officeart/2005/8/layout/hierarchy3"/>
     <dgm:cxn modelId="{0DF205E3-F5AD-4BDE-B54E-DED3241BCADE}" type="presParOf" srcId="{546C6E1E-295F-48E9-B82B-153FE87FA037}" destId="{2115D70C-3671-41A9-9076-5B0451F1D255}" srcOrd="7" destOrd="0" presId="urn:microsoft.com/office/officeart/2005/8/layout/hierarchy3"/>
+  </dgm:cxnLst>
+  <dgm:bg/>
+  <dgm:whole/>
+  <dgm:extLst>
+    <a:ext uri="http://schemas.microsoft.com/office/drawing/2008/diagram">
+      <dsp:dataModelExt xmlns:dsp="http://schemas.microsoft.com/office/drawing/2008/diagram" relId="rId6" minVer="http://schemas.openxmlformats.org/drawingml/2006/diagram"/>
+    </a:ext>
+  </dgm:extLst>
+</dgm:dataModel>
+</file>
+
+<file path=ppt/diagrams/data5.xml><?xml version="1.0" encoding="utf-8"?>
+<dgm:dataModel xmlns:dgm="http://schemas.openxmlformats.org/drawingml/2006/diagram" xmlns:a="http://schemas.openxmlformats.org/drawingml/2006/main">
+  <dgm:ptLst>
+    <dgm:pt modelId="{B72F7286-36D8-4F13-89EE-702EA4DB2822}" type="doc">
+      <dgm:prSet loTypeId="urn:microsoft.com/office/officeart/2005/8/layout/vList2" loCatId="list" qsTypeId="urn:microsoft.com/office/officeart/2005/8/quickstyle/simple1" qsCatId="simple" csTypeId="urn:microsoft.com/office/officeart/2005/8/colors/accent1_2" csCatId="accent1" phldr="1"/>
+      <dgm:spPr/>
+      <dgm:t>
+        <a:bodyPr/>
+        <a:lstStyle/>
+        <a:p>
+          <a:endParaRPr lang="pl-PL"/>
+        </a:p>
+      </dgm:t>
+    </dgm:pt>
+    <dgm:pt modelId="{49F324C5-7B57-4C61-AF53-A701152B8D3D}">
+      <dgm:prSet/>
+      <dgm:spPr/>
+      <dgm:t>
+        <a:bodyPr/>
+        <a:lstStyle/>
+        <a:p>
+          <a:r>
+            <a:rPr lang="pl-PL" dirty="0"/>
+            <a:t>18,3%</a:t>
+          </a:r>
+        </a:p>
+      </dgm:t>
+    </dgm:pt>
+    <dgm:pt modelId="{0C50455F-5F1C-4FAA-8169-BE434A386401}" type="parTrans" cxnId="{3723F05D-44E9-49BE-918C-025985291F49}">
+      <dgm:prSet/>
+      <dgm:spPr/>
+      <dgm:t>
+        <a:bodyPr/>
+        <a:lstStyle/>
+        <a:p>
+          <a:endParaRPr lang="pl-PL"/>
+        </a:p>
+      </dgm:t>
+    </dgm:pt>
+    <dgm:pt modelId="{587D0543-6485-438E-9CD9-74634555EB84}" type="sibTrans" cxnId="{3723F05D-44E9-49BE-918C-025985291F49}">
+      <dgm:prSet/>
+      <dgm:spPr/>
+      <dgm:t>
+        <a:bodyPr/>
+        <a:lstStyle/>
+        <a:p>
+          <a:endParaRPr lang="pl-PL"/>
+        </a:p>
+      </dgm:t>
+    </dgm:pt>
+    <dgm:pt modelId="{D1BF51A8-8DA5-4DA2-AAD3-B23179FF18AD}">
+      <dgm:prSet/>
+      <dgm:spPr/>
+      <dgm:t>
+        <a:bodyPr/>
+        <a:lstStyle/>
+        <a:p>
+          <a:r>
+            <a:rPr lang="pl-PL" dirty="0"/>
+            <a:t>Basic </a:t>
+          </a:r>
+          <a:r>
+            <a:rPr lang="pl-PL" dirty="0" err="1"/>
+            <a:t>Classification</a:t>
+          </a:r>
+          <a:r>
+            <a:rPr lang="pl-PL" dirty="0"/>
+            <a:t> + Basic </a:t>
+          </a:r>
+          <a:r>
+            <a:rPr lang="pl-PL" dirty="0" err="1"/>
+            <a:t>Regression</a:t>
+          </a:r>
+          <a:endParaRPr lang="pl-PL" dirty="0"/>
+        </a:p>
+      </dgm:t>
+    </dgm:pt>
+    <dgm:pt modelId="{D1C83170-258D-4300-A578-ABA2B1F87BE9}" type="parTrans" cxnId="{03EC7AE5-C0DE-4862-B3FE-838169525A0B}">
+      <dgm:prSet/>
+      <dgm:spPr/>
+      <dgm:t>
+        <a:bodyPr/>
+        <a:lstStyle/>
+        <a:p>
+          <a:endParaRPr lang="pl-PL"/>
+        </a:p>
+      </dgm:t>
+    </dgm:pt>
+    <dgm:pt modelId="{4FF4CCD0-CBA6-40E0-8F84-5E21E1E0A4FB}" type="sibTrans" cxnId="{03EC7AE5-C0DE-4862-B3FE-838169525A0B}">
+      <dgm:prSet/>
+      <dgm:spPr/>
+      <dgm:t>
+        <a:bodyPr/>
+        <a:lstStyle/>
+        <a:p>
+          <a:endParaRPr lang="pl-PL"/>
+        </a:p>
+      </dgm:t>
+    </dgm:pt>
+    <dgm:pt modelId="{E3B23F86-8CC3-4ADC-B46C-41844564B252}">
+      <dgm:prSet/>
+      <dgm:spPr/>
+      <dgm:t>
+        <a:bodyPr/>
+        <a:lstStyle/>
+        <a:p>
+          <a:r>
+            <a:rPr lang="pl-PL" dirty="0"/>
+            <a:t>53,4%</a:t>
+          </a:r>
+        </a:p>
+      </dgm:t>
+    </dgm:pt>
+    <dgm:pt modelId="{430CBF6E-E513-44E8-AB9D-70703A038446}" type="parTrans" cxnId="{75CB26AA-5611-4221-86A0-3C02CEEF31E3}">
+      <dgm:prSet/>
+      <dgm:spPr/>
+      <dgm:t>
+        <a:bodyPr/>
+        <a:lstStyle/>
+        <a:p>
+          <a:endParaRPr lang="pl-PL"/>
+        </a:p>
+      </dgm:t>
+    </dgm:pt>
+    <dgm:pt modelId="{FE416D7C-7B2C-4CD8-99CD-B646F1BC2E59}" type="sibTrans" cxnId="{75CB26AA-5611-4221-86A0-3C02CEEF31E3}">
+      <dgm:prSet/>
+      <dgm:spPr/>
+      <dgm:t>
+        <a:bodyPr/>
+        <a:lstStyle/>
+        <a:p>
+          <a:endParaRPr lang="pl-PL"/>
+        </a:p>
+      </dgm:t>
+    </dgm:pt>
+    <dgm:pt modelId="{5075DC64-B043-411D-A081-7917D2AA8637}">
+      <dgm:prSet/>
+      <dgm:spPr/>
+      <dgm:t>
+        <a:bodyPr/>
+        <a:lstStyle/>
+        <a:p>
+          <a:r>
+            <a:rPr lang="pl-PL" dirty="0"/>
+            <a:t>Advanced </a:t>
+          </a:r>
+          <a:r>
+            <a:rPr lang="pl-PL" dirty="0" err="1"/>
+            <a:t>Classification</a:t>
+          </a:r>
+          <a:r>
+            <a:rPr lang="pl-PL" dirty="0"/>
+            <a:t> + Advanced </a:t>
+          </a:r>
+          <a:r>
+            <a:rPr lang="pl-PL" dirty="0" err="1"/>
+            <a:t>Regression</a:t>
+          </a:r>
+          <a:endParaRPr lang="pl-PL" dirty="0"/>
+        </a:p>
+      </dgm:t>
+    </dgm:pt>
+    <dgm:pt modelId="{5B8AC06B-6213-45ED-A472-3B0A76FA0DF3}" type="parTrans" cxnId="{E5223887-8969-4D32-A7E9-16CA3BDD4E17}">
+      <dgm:prSet/>
+      <dgm:spPr/>
+      <dgm:t>
+        <a:bodyPr/>
+        <a:lstStyle/>
+        <a:p>
+          <a:endParaRPr lang="pl-PL"/>
+        </a:p>
+      </dgm:t>
+    </dgm:pt>
+    <dgm:pt modelId="{3CAC87A6-5746-4469-B946-65E62C649245}" type="sibTrans" cxnId="{E5223887-8969-4D32-A7E9-16CA3BDD4E17}">
+      <dgm:prSet/>
+      <dgm:spPr/>
+      <dgm:t>
+        <a:bodyPr/>
+        <a:lstStyle/>
+        <a:p>
+          <a:endParaRPr lang="pl-PL"/>
+        </a:p>
+      </dgm:t>
+    </dgm:pt>
+    <dgm:pt modelId="{2484C0BE-3139-4034-81F9-C4A999B46217}">
+      <dgm:prSet/>
+      <dgm:spPr/>
+      <dgm:t>
+        <a:bodyPr/>
+        <a:lstStyle/>
+        <a:p>
+          <a:r>
+            <a:rPr lang="pl-PL" dirty="0"/>
+            <a:t>54,4%</a:t>
+          </a:r>
+        </a:p>
+      </dgm:t>
+    </dgm:pt>
+    <dgm:pt modelId="{8154EA72-5E4D-4EB2-A414-4838A8CB366E}" type="parTrans" cxnId="{78DD19B9-FE9C-47C4-977F-D4ED5E254B07}">
+      <dgm:prSet/>
+      <dgm:spPr/>
+      <dgm:t>
+        <a:bodyPr/>
+        <a:lstStyle/>
+        <a:p>
+          <a:endParaRPr lang="pl-PL"/>
+        </a:p>
+      </dgm:t>
+    </dgm:pt>
+    <dgm:pt modelId="{B9920D0F-2EE3-4A56-B9D8-2309B90F4AF4}" type="sibTrans" cxnId="{78DD19B9-FE9C-47C4-977F-D4ED5E254B07}">
+      <dgm:prSet/>
+      <dgm:spPr/>
+      <dgm:t>
+        <a:bodyPr/>
+        <a:lstStyle/>
+        <a:p>
+          <a:endParaRPr lang="pl-PL"/>
+        </a:p>
+      </dgm:t>
+    </dgm:pt>
+    <dgm:pt modelId="{E10C4EFB-FACD-46E8-943A-445BB2AA79A8}">
+      <dgm:prSet/>
+      <dgm:spPr/>
+      <dgm:t>
+        <a:bodyPr/>
+        <a:lstStyle/>
+        <a:p>
+          <a:r>
+            <a:rPr lang="pl-PL" dirty="0"/>
+            <a:t>Advanced </a:t>
+          </a:r>
+          <a:r>
+            <a:rPr lang="pl-PL" dirty="0" err="1"/>
+            <a:t>Classification</a:t>
+          </a:r>
+          <a:r>
+            <a:rPr lang="pl-PL" dirty="0"/>
+            <a:t> + Basic </a:t>
+          </a:r>
+          <a:r>
+            <a:rPr lang="pl-PL" dirty="0" err="1"/>
+            <a:t>Regression</a:t>
+          </a:r>
+          <a:r>
+            <a:rPr lang="pl-PL" dirty="0"/>
+            <a:t> </a:t>
+          </a:r>
+        </a:p>
+      </dgm:t>
+    </dgm:pt>
+    <dgm:pt modelId="{14D615BB-9E57-4137-9888-23B951B35AE5}" type="parTrans" cxnId="{87D2EC69-6A58-4653-9E7D-3FFAD7480145}">
+      <dgm:prSet/>
+      <dgm:spPr/>
+      <dgm:t>
+        <a:bodyPr/>
+        <a:lstStyle/>
+        <a:p>
+          <a:endParaRPr lang="pl-PL"/>
+        </a:p>
+      </dgm:t>
+    </dgm:pt>
+    <dgm:pt modelId="{436A3427-9A33-4F35-8C67-709A97638E97}" type="sibTrans" cxnId="{87D2EC69-6A58-4653-9E7D-3FFAD7480145}">
+      <dgm:prSet/>
+      <dgm:spPr/>
+      <dgm:t>
+        <a:bodyPr/>
+        <a:lstStyle/>
+        <a:p>
+          <a:endParaRPr lang="pl-PL"/>
+        </a:p>
+      </dgm:t>
+    </dgm:pt>
+    <dgm:pt modelId="{7EF7723E-4E75-495C-98A7-D39F39EC25D3}" type="pres">
+      <dgm:prSet presAssocID="{B72F7286-36D8-4F13-89EE-702EA4DB2822}" presName="linear" presStyleCnt="0">
+        <dgm:presLayoutVars>
+          <dgm:animLvl val="lvl"/>
+          <dgm:resizeHandles val="exact"/>
+        </dgm:presLayoutVars>
+      </dgm:prSet>
+      <dgm:spPr/>
+    </dgm:pt>
+    <dgm:pt modelId="{F58E5EBB-DBE5-46FF-862A-E8DF41D684BD}" type="pres">
+      <dgm:prSet presAssocID="{49F324C5-7B57-4C61-AF53-A701152B8D3D}" presName="parentText" presStyleLbl="node1" presStyleIdx="0" presStyleCnt="3">
+        <dgm:presLayoutVars>
+          <dgm:chMax val="0"/>
+          <dgm:bulletEnabled val="1"/>
+        </dgm:presLayoutVars>
+      </dgm:prSet>
+      <dgm:spPr/>
+    </dgm:pt>
+    <dgm:pt modelId="{1ECB3839-45EF-4D4B-80B8-CC79CDAF4E67}" type="pres">
+      <dgm:prSet presAssocID="{49F324C5-7B57-4C61-AF53-A701152B8D3D}" presName="childText" presStyleLbl="revTx" presStyleIdx="0" presStyleCnt="3">
+        <dgm:presLayoutVars>
+          <dgm:bulletEnabled val="1"/>
+        </dgm:presLayoutVars>
+      </dgm:prSet>
+      <dgm:spPr/>
+    </dgm:pt>
+    <dgm:pt modelId="{EDD6185D-5450-478B-9AD2-491044AFA776}" type="pres">
+      <dgm:prSet presAssocID="{E3B23F86-8CC3-4ADC-B46C-41844564B252}" presName="parentText" presStyleLbl="node1" presStyleIdx="1" presStyleCnt="3">
+        <dgm:presLayoutVars>
+          <dgm:chMax val="0"/>
+          <dgm:bulletEnabled val="1"/>
+        </dgm:presLayoutVars>
+      </dgm:prSet>
+      <dgm:spPr/>
+    </dgm:pt>
+    <dgm:pt modelId="{A2DB6E0E-5DB4-487C-BA40-2DC57F0E4ACA}" type="pres">
+      <dgm:prSet presAssocID="{E3B23F86-8CC3-4ADC-B46C-41844564B252}" presName="childText" presStyleLbl="revTx" presStyleIdx="1" presStyleCnt="3">
+        <dgm:presLayoutVars>
+          <dgm:bulletEnabled val="1"/>
+        </dgm:presLayoutVars>
+      </dgm:prSet>
+      <dgm:spPr/>
+    </dgm:pt>
+    <dgm:pt modelId="{DD10984E-9D76-490D-A0AB-08BFA24295C0}" type="pres">
+      <dgm:prSet presAssocID="{2484C0BE-3139-4034-81F9-C4A999B46217}" presName="parentText" presStyleLbl="node1" presStyleIdx="2" presStyleCnt="3">
+        <dgm:presLayoutVars>
+          <dgm:chMax val="0"/>
+          <dgm:bulletEnabled val="1"/>
+        </dgm:presLayoutVars>
+      </dgm:prSet>
+      <dgm:spPr/>
+    </dgm:pt>
+    <dgm:pt modelId="{BD9F1597-E502-4461-A4C3-9A2F70E8836A}" type="pres">
+      <dgm:prSet presAssocID="{2484C0BE-3139-4034-81F9-C4A999B46217}" presName="childText" presStyleLbl="revTx" presStyleIdx="2" presStyleCnt="3">
+        <dgm:presLayoutVars>
+          <dgm:bulletEnabled val="1"/>
+        </dgm:presLayoutVars>
+      </dgm:prSet>
+      <dgm:spPr/>
+    </dgm:pt>
+  </dgm:ptLst>
+  <dgm:cxnLst>
+    <dgm:cxn modelId="{2BDD6109-192D-4ADD-A347-4458FE4D2747}" type="presOf" srcId="{E10C4EFB-FACD-46E8-943A-445BB2AA79A8}" destId="{BD9F1597-E502-4461-A4C3-9A2F70E8836A}" srcOrd="0" destOrd="0" presId="urn:microsoft.com/office/officeart/2005/8/layout/vList2"/>
+    <dgm:cxn modelId="{142BE81F-4F6D-4557-BE11-1C4EC1EC55E7}" type="presOf" srcId="{D1BF51A8-8DA5-4DA2-AAD3-B23179FF18AD}" destId="{1ECB3839-45EF-4D4B-80B8-CC79CDAF4E67}" srcOrd="0" destOrd="0" presId="urn:microsoft.com/office/officeart/2005/8/layout/vList2"/>
+    <dgm:cxn modelId="{DCDD9236-80EB-42E0-B0D7-27F6141C9EBD}" type="presOf" srcId="{2484C0BE-3139-4034-81F9-C4A999B46217}" destId="{DD10984E-9D76-490D-A0AB-08BFA24295C0}" srcOrd="0" destOrd="0" presId="urn:microsoft.com/office/officeart/2005/8/layout/vList2"/>
+    <dgm:cxn modelId="{3723F05D-44E9-49BE-918C-025985291F49}" srcId="{B72F7286-36D8-4F13-89EE-702EA4DB2822}" destId="{49F324C5-7B57-4C61-AF53-A701152B8D3D}" srcOrd="0" destOrd="0" parTransId="{0C50455F-5F1C-4FAA-8169-BE434A386401}" sibTransId="{587D0543-6485-438E-9CD9-74634555EB84}"/>
+    <dgm:cxn modelId="{87D2EC69-6A58-4653-9E7D-3FFAD7480145}" srcId="{2484C0BE-3139-4034-81F9-C4A999B46217}" destId="{E10C4EFB-FACD-46E8-943A-445BB2AA79A8}" srcOrd="0" destOrd="0" parTransId="{14D615BB-9E57-4137-9888-23B951B35AE5}" sibTransId="{436A3427-9A33-4F35-8C67-709A97638E97}"/>
+    <dgm:cxn modelId="{E5223887-8969-4D32-A7E9-16CA3BDD4E17}" srcId="{E3B23F86-8CC3-4ADC-B46C-41844564B252}" destId="{5075DC64-B043-411D-A081-7917D2AA8637}" srcOrd="0" destOrd="0" parTransId="{5B8AC06B-6213-45ED-A472-3B0A76FA0DF3}" sibTransId="{3CAC87A6-5746-4469-B946-65E62C649245}"/>
+    <dgm:cxn modelId="{75CB26AA-5611-4221-86A0-3C02CEEF31E3}" srcId="{B72F7286-36D8-4F13-89EE-702EA4DB2822}" destId="{E3B23F86-8CC3-4ADC-B46C-41844564B252}" srcOrd="1" destOrd="0" parTransId="{430CBF6E-E513-44E8-AB9D-70703A038446}" sibTransId="{FE416D7C-7B2C-4CD8-99CD-B646F1BC2E59}"/>
+    <dgm:cxn modelId="{FA340BAD-4B79-4FD2-BEAF-2E3AD56FCBE3}" type="presOf" srcId="{B72F7286-36D8-4F13-89EE-702EA4DB2822}" destId="{7EF7723E-4E75-495C-98A7-D39F39EC25D3}" srcOrd="0" destOrd="0" presId="urn:microsoft.com/office/officeart/2005/8/layout/vList2"/>
+    <dgm:cxn modelId="{FFDF4FB1-E64D-4E6C-ACED-D0F259393C22}" type="presOf" srcId="{5075DC64-B043-411D-A081-7917D2AA8637}" destId="{A2DB6E0E-5DB4-487C-BA40-2DC57F0E4ACA}" srcOrd="0" destOrd="0" presId="urn:microsoft.com/office/officeart/2005/8/layout/vList2"/>
+    <dgm:cxn modelId="{546839B3-533D-44BB-9F7D-D7CAC174E191}" type="presOf" srcId="{E3B23F86-8CC3-4ADC-B46C-41844564B252}" destId="{EDD6185D-5450-478B-9AD2-491044AFA776}" srcOrd="0" destOrd="0" presId="urn:microsoft.com/office/officeart/2005/8/layout/vList2"/>
+    <dgm:cxn modelId="{78DD19B9-FE9C-47C4-977F-D4ED5E254B07}" srcId="{B72F7286-36D8-4F13-89EE-702EA4DB2822}" destId="{2484C0BE-3139-4034-81F9-C4A999B46217}" srcOrd="2" destOrd="0" parTransId="{8154EA72-5E4D-4EB2-A414-4838A8CB366E}" sibTransId="{B9920D0F-2EE3-4A56-B9D8-2309B90F4AF4}"/>
+    <dgm:cxn modelId="{91C32BD5-DABC-4E2E-B4D4-04215AE70FE8}" type="presOf" srcId="{49F324C5-7B57-4C61-AF53-A701152B8D3D}" destId="{F58E5EBB-DBE5-46FF-862A-E8DF41D684BD}" srcOrd="0" destOrd="0" presId="urn:microsoft.com/office/officeart/2005/8/layout/vList2"/>
+    <dgm:cxn modelId="{03EC7AE5-C0DE-4862-B3FE-838169525A0B}" srcId="{49F324C5-7B57-4C61-AF53-A701152B8D3D}" destId="{D1BF51A8-8DA5-4DA2-AAD3-B23179FF18AD}" srcOrd="0" destOrd="0" parTransId="{D1C83170-258D-4300-A578-ABA2B1F87BE9}" sibTransId="{4FF4CCD0-CBA6-40E0-8F84-5E21E1E0A4FB}"/>
+    <dgm:cxn modelId="{C225FAD6-8C67-43C4-816C-6DB4E97DB8C8}" type="presParOf" srcId="{7EF7723E-4E75-495C-98A7-D39F39EC25D3}" destId="{F58E5EBB-DBE5-46FF-862A-E8DF41D684BD}" srcOrd="0" destOrd="0" presId="urn:microsoft.com/office/officeart/2005/8/layout/vList2"/>
+    <dgm:cxn modelId="{032176A7-7AD5-49EC-A8BC-E1D6BDAD8883}" type="presParOf" srcId="{7EF7723E-4E75-495C-98A7-D39F39EC25D3}" destId="{1ECB3839-45EF-4D4B-80B8-CC79CDAF4E67}" srcOrd="1" destOrd="0" presId="urn:microsoft.com/office/officeart/2005/8/layout/vList2"/>
+    <dgm:cxn modelId="{CB7DD198-826B-40B2-BC49-558A55801DF4}" type="presParOf" srcId="{7EF7723E-4E75-495C-98A7-D39F39EC25D3}" destId="{EDD6185D-5450-478B-9AD2-491044AFA776}" srcOrd="2" destOrd="0" presId="urn:microsoft.com/office/officeart/2005/8/layout/vList2"/>
+    <dgm:cxn modelId="{56D4E4B5-29A1-4920-A715-D89FA1328E20}" type="presParOf" srcId="{7EF7723E-4E75-495C-98A7-D39F39EC25D3}" destId="{A2DB6E0E-5DB4-487C-BA40-2DC57F0E4ACA}" srcOrd="3" destOrd="0" presId="urn:microsoft.com/office/officeart/2005/8/layout/vList2"/>
+    <dgm:cxn modelId="{3D2E3332-651D-431E-88C3-54A8A134E9B4}" type="presParOf" srcId="{7EF7723E-4E75-495C-98A7-D39F39EC25D3}" destId="{DD10984E-9D76-490D-A0AB-08BFA24295C0}" srcOrd="4" destOrd="0" presId="urn:microsoft.com/office/officeart/2005/8/layout/vList2"/>
+    <dgm:cxn modelId="{D2D17B70-7EDF-4888-92FC-9D0CE0E1C3CC}" type="presParOf" srcId="{7EF7723E-4E75-495C-98A7-D39F39EC25D3}" destId="{BD9F1597-E502-4461-A4C3-9A2F70E8836A}" srcOrd="5" destOrd="0" presId="urn:microsoft.com/office/officeart/2005/8/layout/vList2"/>
   </dgm:cxnLst>
   <dgm:bg/>
   <dgm:whole/>
@@ -9526,7 +10931,25 @@
             <a:rPr lang="en-US" sz="1800" kern="1200" dirty="0">
               <a:latin typeface="+mn-lt"/>
             </a:rPr>
-            <a:t>Developed hyperparameter tuning functions (cartesian product and simplified tuning).</a:t>
+            <a:t>Developed hyperparameter tuning functions (cartesian product and </a:t>
+          </a:r>
+          <a:r>
+            <a:rPr lang="pl-PL" sz="1800" kern="1200" dirty="0" err="1">
+              <a:latin typeface="+mn-lt"/>
+            </a:rPr>
+            <a:t>Bayesian</a:t>
+          </a:r>
+          <a:r>
+            <a:rPr lang="pl-PL" sz="1800" kern="1200" dirty="0">
+              <a:latin typeface="+mn-lt"/>
+            </a:rPr>
+            <a:t> </a:t>
+          </a:r>
+          <a:r>
+            <a:rPr lang="en-US" sz="1800" kern="1200" dirty="0">
+              <a:latin typeface="+mn-lt"/>
+            </a:rPr>
+            <a:t>tuning).</a:t>
           </a:r>
         </a:p>
         <a:p>
@@ -9953,12 +11376,12 @@
         <a:fontRef idx="minor"/>
       </dsp:style>
       <dsp:txBody>
-        <a:bodyPr spcFirstLastPara="0" vert="horz" wrap="square" lIns="156464" tIns="13970" rIns="13970" bIns="13970" numCol="1" spcCol="1270" anchor="ctr" anchorCtr="0">
+        <a:bodyPr spcFirstLastPara="0" vert="horz" wrap="square" lIns="163576" tIns="14605" rIns="14605" bIns="14605" numCol="1" spcCol="1270" anchor="ctr" anchorCtr="0">
           <a:noAutofit/>
         </a:bodyPr>
         <a:lstStyle/>
         <a:p>
-          <a:pPr marL="228600" lvl="1" indent="-228600" algn="l" defTabSz="977900">
+          <a:pPr marL="228600" lvl="1" indent="-228600" algn="l" defTabSz="1022350">
             <a:lnSpc>
               <a:spcPct val="90000"/>
             </a:lnSpc>
@@ -9972,26 +11395,26 @@
             <a:buChar char="•"/>
           </a:pPr>
           <a:r>
-            <a:rPr lang="en-US" sz="2200" kern="1200" dirty="0">
+            <a:rPr lang="en-US" sz="2300" kern="1200" dirty="0">
               <a:latin typeface="+mn-lt"/>
             </a:rPr>
             <a:t>Built a </a:t>
           </a:r>
           <a:r>
-            <a:rPr lang="en-US" sz="2200" kern="1200" dirty="0" err="1">
+            <a:rPr lang="en-US" sz="2300" kern="1200" dirty="0" err="1">
               <a:latin typeface="+mn-lt"/>
             </a:rPr>
             <a:t>FastAPI</a:t>
           </a:r>
           <a:r>
-            <a:rPr lang="en-US" sz="2200" kern="1200" dirty="0">
+            <a:rPr lang="en-US" sz="2300" kern="1200" dirty="0">
               <a:latin typeface="+mn-lt"/>
             </a:rPr>
-            <a:t> skeleton for prediction services with endpoints and routing.</a:t>
+            <a:t> for prediction services with endpoints and routing.</a:t>
           </a:r>
         </a:p>
         <a:p>
-          <a:pPr marL="228600" lvl="1" indent="-228600" algn="l" defTabSz="977900">
+          <a:pPr marL="228600" lvl="1" indent="-228600" algn="l" defTabSz="1022350">
             <a:lnSpc>
               <a:spcPct val="90000"/>
             </a:lnSpc>
@@ -10005,14 +11428,14 @@
             <a:buChar char="•"/>
           </a:pPr>
           <a:r>
-            <a:rPr lang="en-US" sz="2200" kern="1200" dirty="0">
+            <a:rPr lang="en-US" sz="2300" kern="1200" dirty="0">
               <a:latin typeface="+mn-lt"/>
             </a:rPr>
             <a:t>Designed classes to convert front-end data to model input format.</a:t>
           </a:r>
         </a:p>
         <a:p>
-          <a:pPr marL="228600" lvl="1" indent="-228600" algn="l" defTabSz="977900">
+          <a:pPr marL="228600" lvl="1" indent="-228600" algn="l" defTabSz="1022350">
             <a:lnSpc>
               <a:spcPct val="90000"/>
             </a:lnSpc>
@@ -10026,7 +11449,7 @@
             <a:buChar char="•"/>
           </a:pPr>
           <a:r>
-            <a:rPr lang="en-US" sz="2200" kern="1200" dirty="0">
+            <a:rPr lang="en-US" sz="2300" kern="1200" dirty="0">
               <a:latin typeface="+mn-lt"/>
             </a:rPr>
             <a:t>Integrated models with the API, supporting dynamic or preloaded model loading.</a:t>
@@ -10170,12 +11593,12 @@
         <a:fontRef idx="minor"/>
       </dsp:style>
       <dsp:txBody>
-        <a:bodyPr spcFirstLastPara="0" vert="horz" wrap="square" lIns="156464" tIns="13970" rIns="13970" bIns="13970" numCol="1" spcCol="1270" anchor="ctr" anchorCtr="0">
+        <a:bodyPr spcFirstLastPara="0" vert="horz" wrap="square" lIns="163576" tIns="14605" rIns="14605" bIns="14605" numCol="1" spcCol="1270" anchor="ctr" anchorCtr="0">
           <a:noAutofit/>
         </a:bodyPr>
         <a:lstStyle/>
         <a:p>
-          <a:pPr marL="228600" lvl="1" indent="-228600" algn="l" defTabSz="977900">
+          <a:pPr marL="228600" lvl="1" indent="-228600" algn="l" defTabSz="1022350">
             <a:lnSpc>
               <a:spcPct val="90000"/>
             </a:lnSpc>
@@ -10189,14 +11612,26 @@
             <a:buChar char="•"/>
           </a:pPr>
           <a:r>
-            <a:rPr lang="en-US" sz="2200" kern="1200" dirty="0">
+            <a:rPr lang="en-US" sz="2300" kern="1200" dirty="0">
               <a:latin typeface="+mn-lt"/>
             </a:rPr>
-            <a:t>Created a front-end skeleton and connected it to the API for predictions.</a:t>
+            <a:t>Created a front-end</a:t>
+          </a:r>
+          <a:r>
+            <a:rPr lang="pl-PL" sz="2300" kern="1200" dirty="0">
+              <a:latin typeface="+mn-lt"/>
+            </a:rPr>
+            <a:t> </a:t>
+          </a:r>
+          <a:r>
+            <a:rPr lang="en-US" sz="2300" kern="1200" dirty="0">
+              <a:latin typeface="+mn-lt"/>
+            </a:rPr>
+            <a:t>and connected it to the API for predictions.</a:t>
           </a:r>
         </a:p>
         <a:p>
-          <a:pPr marL="228600" lvl="1" indent="-228600" algn="l" defTabSz="977900">
+          <a:pPr marL="228600" lvl="1" indent="-228600" algn="l" defTabSz="1022350">
             <a:lnSpc>
               <a:spcPct val="90000"/>
             </a:lnSpc>
@@ -10210,7 +11645,7 @@
             <a:buChar char="•"/>
           </a:pPr>
           <a:r>
-            <a:rPr lang="en-US" sz="2200" kern="1200" dirty="0">
+            <a:rPr lang="en-US" sz="2300" kern="1200" dirty="0">
               <a:latin typeface="+mn-lt"/>
             </a:rPr>
             <a:t>Designed the interface to support user-friendly interactions with the model.</a:t>
@@ -10316,12 +11751,12 @@
         </a:fontRef>
       </dsp:style>
       <dsp:txBody>
-        <a:bodyPr spcFirstLastPara="0" vert="horz" wrap="square" lIns="87630" tIns="58420" rIns="87630" bIns="58420" numCol="1" spcCol="1270" anchor="ctr" anchorCtr="0">
+        <a:bodyPr spcFirstLastPara="0" vert="horz" wrap="square" lIns="68580" tIns="45720" rIns="68580" bIns="45720" numCol="1" spcCol="1270" anchor="ctr" anchorCtr="0">
           <a:noAutofit/>
         </a:bodyPr>
         <a:lstStyle/>
         <a:p>
-          <a:pPr marL="0" lvl="0" indent="0" algn="ctr" defTabSz="2044700">
+          <a:pPr marL="0" lvl="0" indent="0" algn="ctr" defTabSz="1600200">
             <a:lnSpc>
               <a:spcPct val="90000"/>
             </a:lnSpc>
@@ -10334,12 +11769,11 @@
             <a:buNone/>
           </a:pPr>
           <a:r>
-            <a:rPr lang="pl-PL" sz="4600" kern="1200" dirty="0">
-              <a:latin typeface="Aptos Display" panose="020F0302020204030204"/>
+            <a:rPr lang="pl-PL" sz="3600" b="0" kern="1200" dirty="0">
+              <a:latin typeface="+mn-lt"/>
             </a:rPr>
             <a:t>Bartek</a:t>
           </a:r>
-          <a:endParaRPr lang="pl-PL" sz="4600" kern="1200" dirty="0"/>
         </a:p>
       </dsp:txBody>
       <dsp:txXfrm>
@@ -10476,12 +11910,11 @@
             <a:buNone/>
           </a:pPr>
           <a:r>
-            <a:rPr lang="pl-PL" sz="1400" kern="1200" dirty="0"/>
+            <a:rPr lang="pl-PL" sz="1400" b="0" kern="1200" dirty="0">
+              <a:latin typeface="+mn-lt"/>
+            </a:rPr>
             <a:t>Project structure setup</a:t>
           </a:r>
-          <a:endParaRPr lang="pl-PL" sz="1400" kern="1200" dirty="0">
-            <a:latin typeface="Aptos Display" panose="020F0302020204030204"/>
-          </a:endParaRPr>
         </a:p>
       </dsp:txBody>
       <dsp:txXfrm>
@@ -10605,7 +12038,7 @@
         </a:bodyPr>
         <a:lstStyle/>
         <a:p>
-          <a:pPr marL="0" lvl="0" indent="0" algn="l" defTabSz="622300" rtl="0">
+          <a:pPr marL="0" lvl="0" indent="0" algn="ctr" defTabSz="622300" rtl="0">
             <a:lnSpc>
               <a:spcPct val="90000"/>
             </a:lnSpc>
@@ -10618,15 +12051,15 @@
             <a:buNone/>
           </a:pPr>
           <a:r>
-            <a:rPr lang="pl-PL" sz="1400" kern="1200" dirty="0">
-              <a:latin typeface="Calibri"/>
+            <a:rPr lang="pl-PL" sz="1400" b="0" kern="1200" dirty="0">
+              <a:latin typeface="+mn-lt"/>
               <a:ea typeface="Calibri"/>
               <a:cs typeface="Calibri"/>
             </a:rPr>
             <a:t>Models classes</a:t>
           </a:r>
-          <a:endParaRPr lang="en-US" sz="1400" kern="1200" dirty="0">
-            <a:latin typeface="Calibri"/>
+          <a:endParaRPr lang="en-US" sz="1400" b="0" kern="1200" dirty="0">
+            <a:latin typeface="+mn-lt"/>
             <a:ea typeface="Calibri"/>
             <a:cs typeface="Calibri"/>
           </a:endParaRPr>
@@ -10753,7 +12186,7 @@
         </a:bodyPr>
         <a:lstStyle/>
         <a:p>
-          <a:pPr marL="0" lvl="0" indent="0" algn="l" defTabSz="622300">
+          <a:pPr marL="0" lvl="0" indent="0" algn="ctr" defTabSz="622300">
             <a:lnSpc>
               <a:spcPct val="90000"/>
             </a:lnSpc>
@@ -10766,14 +12199,16 @@
             <a:buNone/>
           </a:pPr>
           <a:r>
-            <a:rPr lang="pl-PL" sz="1400" kern="1200" dirty="0">
-              <a:latin typeface="Calibri"/>
+            <a:rPr lang="pl-PL" sz="1400" b="0" kern="1200" dirty="0">
+              <a:latin typeface="+mn-lt"/>
               <a:ea typeface="Calibri"/>
               <a:cs typeface="Calibri"/>
             </a:rPr>
             <a:t>Project managment and documentation</a:t>
           </a:r>
-          <a:endParaRPr lang="pl-PL" sz="1400" kern="1200" dirty="0"/>
+          <a:endParaRPr lang="pl-PL" sz="1400" b="0" kern="1200" dirty="0">
+            <a:latin typeface="+mn-lt"/>
+          </a:endParaRPr>
         </a:p>
       </dsp:txBody>
       <dsp:txXfrm>
@@ -10897,7 +12332,7 @@
         </a:bodyPr>
         <a:lstStyle/>
         <a:p>
-          <a:pPr marL="0" lvl="0" indent="0" algn="l" defTabSz="622300" rtl="0">
+          <a:pPr marL="0" lvl="0" indent="0" algn="ctr" defTabSz="622300" rtl="0">
             <a:lnSpc>
               <a:spcPct val="90000"/>
             </a:lnSpc>
@@ -10910,32 +12345,41 @@
             <a:buNone/>
           </a:pPr>
           <a:r>
-            <a:rPr lang="pl-PL" sz="1400" kern="1200" dirty="0"/>
+            <a:rPr lang="pl-PL" sz="1400" b="0" kern="1200" dirty="0">
+              <a:latin typeface="+mn-lt"/>
+            </a:rPr>
             <a:t>Training </a:t>
           </a:r>
           <a:r>
-            <a:rPr lang="pl-PL" sz="1400" kern="1200" dirty="0" err="1"/>
+            <a:rPr lang="pl-PL" sz="1400" b="0" kern="1200" dirty="0" err="1">
+              <a:latin typeface="+mn-lt"/>
+            </a:rPr>
             <a:t>processes</a:t>
           </a:r>
           <a:r>
-            <a:rPr lang="pl-PL" sz="1400" kern="1200" dirty="0"/>
+            <a:rPr lang="pl-PL" sz="1400" b="0" kern="1200" dirty="0">
+              <a:latin typeface="+mn-lt"/>
+            </a:rPr>
             <a:t> with </a:t>
           </a:r>
           <a:r>
-            <a:rPr lang="pl-PL" sz="1400" kern="1200" dirty="0" err="1"/>
+            <a:rPr lang="pl-PL" sz="1400" b="0" kern="1200" dirty="0" err="1">
+              <a:latin typeface="+mn-lt"/>
+            </a:rPr>
             <a:t>bootstrapping</a:t>
           </a:r>
           <a:r>
-            <a:rPr lang="pl-PL" sz="1400" kern="1200" dirty="0"/>
+            <a:rPr lang="pl-PL" sz="1400" b="0" kern="1200" dirty="0">
+              <a:latin typeface="+mn-lt"/>
+            </a:rPr>
             <a:t> and cross-</a:t>
           </a:r>
           <a:r>
-            <a:rPr lang="pl-PL" sz="1400" kern="1200" dirty="0" err="1"/>
+            <a:rPr lang="pl-PL" sz="1400" b="0" kern="1200" dirty="0" err="1">
+              <a:latin typeface="+mn-lt"/>
+            </a:rPr>
             <a:t>validation</a:t>
           </a:r>
-          <a:endParaRPr lang="pl-PL" sz="1400" kern="1200" dirty="0" err="1">
-            <a:latin typeface="Aptos Display" panose="020F0302020204030204"/>
-          </a:endParaRPr>
         </a:p>
       </dsp:txBody>
       <dsp:txXfrm>
@@ -11025,12 +12469,12 @@
         </a:fontRef>
       </dsp:style>
       <dsp:txBody>
-        <a:bodyPr spcFirstLastPara="0" vert="horz" wrap="square" lIns="87630" tIns="58420" rIns="87630" bIns="58420" numCol="1" spcCol="1270" anchor="ctr" anchorCtr="0">
+        <a:bodyPr spcFirstLastPara="0" vert="horz" wrap="square" lIns="68580" tIns="45720" rIns="68580" bIns="45720" numCol="1" spcCol="1270" anchor="ctr" anchorCtr="0">
           <a:noAutofit/>
         </a:bodyPr>
         <a:lstStyle/>
         <a:p>
-          <a:pPr marL="0" lvl="0" indent="0" algn="ctr" defTabSz="2044700">
+          <a:pPr marL="0" lvl="0" indent="0" algn="ctr" defTabSz="1600200">
             <a:lnSpc>
               <a:spcPct val="90000"/>
             </a:lnSpc>
@@ -11043,12 +12487,11 @@
             <a:buNone/>
           </a:pPr>
           <a:r>
-            <a:rPr lang="pl-PL" sz="4600" kern="1200" dirty="0" err="1">
-              <a:latin typeface="Aptos Display" panose="020F0302020204030204"/>
+            <a:rPr lang="pl-PL" sz="3600" b="0" kern="1200" dirty="0" err="1">
+              <a:latin typeface="+mn-lt"/>
             </a:rPr>
             <a:t>Yaryna</a:t>
           </a:r>
-          <a:endParaRPr lang="pl-PL" sz="4600" kern="1200" dirty="0" err="1"/>
         </a:p>
       </dsp:txBody>
       <dsp:txXfrm>
@@ -11185,15 +12628,15 @@
             <a:buNone/>
           </a:pPr>
           <a:r>
-            <a:rPr lang="pl-PL" sz="1400" kern="1200" dirty="0">
-              <a:latin typeface="Calibri"/>
+            <a:rPr lang="pl-PL" sz="1400" b="0" kern="1200" dirty="0">
+              <a:latin typeface="+mn-lt"/>
               <a:ea typeface="Calibri"/>
               <a:cs typeface="Calibri"/>
             </a:rPr>
             <a:t>Evaluation dataclasses and functions</a:t>
           </a:r>
-          <a:endParaRPr lang="pl-PL" sz="1400" kern="1200" dirty="0">
-            <a:latin typeface="Aptos Display" panose="020F0302020204030204"/>
+          <a:endParaRPr lang="pl-PL" sz="1400" b="0" kern="1200" dirty="0">
+            <a:latin typeface="+mn-lt"/>
           </a:endParaRPr>
         </a:p>
       </dsp:txBody>
@@ -11318,7 +12761,7 @@
         </a:bodyPr>
         <a:lstStyle/>
         <a:p>
-          <a:pPr marL="0" lvl="0" indent="0" algn="l" defTabSz="622300" rtl="0">
+          <a:pPr marL="0" lvl="0" indent="0" algn="ctr" defTabSz="622300" rtl="0">
             <a:lnSpc>
               <a:spcPct val="90000"/>
             </a:lnSpc>
@@ -11331,12 +12774,11 @@
             <a:buNone/>
           </a:pPr>
           <a:r>
-            <a:rPr lang="pl-PL" sz="1400" kern="1200" dirty="0"/>
+            <a:rPr lang="pl-PL" sz="1400" b="0" kern="1200" dirty="0">
+              <a:latin typeface="+mn-lt"/>
+            </a:rPr>
             <a:t>Research and implementation of metrics</a:t>
           </a:r>
-          <a:endParaRPr lang="pl-PL" sz="1400" kern="1200" dirty="0">
-            <a:latin typeface="Aptos Display" panose="020F0302020204030204"/>
-          </a:endParaRPr>
         </a:p>
       </dsp:txBody>
       <dsp:txXfrm>
@@ -11460,7 +12902,7 @@
         </a:bodyPr>
         <a:lstStyle/>
         <a:p>
-          <a:pPr marL="0" lvl="0" indent="0" algn="l" defTabSz="622300">
+          <a:pPr marL="0" lvl="0" indent="0" algn="ctr" defTabSz="622300">
             <a:lnSpc>
               <a:spcPct val="90000"/>
             </a:lnSpc>
@@ -11473,8 +12915,16 @@
             <a:buNone/>
           </a:pPr>
           <a:r>
-            <a:rPr lang="pl-PL" sz="1400" kern="1200" dirty="0"/>
-            <a:t>FastAPI skeleton with prediction endpoints</a:t>
+            <a:rPr lang="pl-PL" sz="1400" b="0" kern="1200" dirty="0" err="1">
+              <a:latin typeface="+mn-lt"/>
+            </a:rPr>
+            <a:t>FastAPI</a:t>
+          </a:r>
+          <a:r>
+            <a:rPr lang="pl-PL" sz="1400" b="0" kern="1200" dirty="0">
+              <a:latin typeface="+mn-lt"/>
+            </a:rPr>
+            <a:t> with prediction endpoints</a:t>
           </a:r>
         </a:p>
       </dsp:txBody>
@@ -11599,7 +13049,7 @@
         </a:bodyPr>
         <a:lstStyle/>
         <a:p>
-          <a:pPr marL="0" lvl="0" indent="0" algn="l" defTabSz="622300">
+          <a:pPr marL="0" lvl="0" indent="0" algn="ctr" defTabSz="622300">
             <a:lnSpc>
               <a:spcPct val="90000"/>
             </a:lnSpc>
@@ -11612,7 +13062,9 @@
             <a:buNone/>
           </a:pPr>
           <a:r>
-            <a:rPr lang="pl-PL" sz="1400" kern="1200" dirty="0"/>
+            <a:rPr lang="pl-PL" sz="1400" b="0" kern="1200" dirty="0">
+              <a:latin typeface="+mn-lt"/>
+            </a:rPr>
             <a:t>Parameter analysis and metric visualization</a:t>
           </a:r>
         </a:p>
@@ -11704,12 +13156,12 @@
         </a:fontRef>
       </dsp:style>
       <dsp:txBody>
-        <a:bodyPr spcFirstLastPara="0" vert="horz" wrap="square" lIns="87630" tIns="58420" rIns="87630" bIns="58420" numCol="1" spcCol="1270" anchor="ctr" anchorCtr="0">
+        <a:bodyPr spcFirstLastPara="0" vert="horz" wrap="square" lIns="68580" tIns="45720" rIns="68580" bIns="45720" numCol="1" spcCol="1270" anchor="ctr" anchorCtr="0">
           <a:noAutofit/>
         </a:bodyPr>
         <a:lstStyle/>
         <a:p>
-          <a:pPr marL="0" lvl="0" indent="0" algn="ctr" defTabSz="2044700">
+          <a:pPr marL="0" lvl="0" indent="0" algn="ctr" defTabSz="1600200">
             <a:lnSpc>
               <a:spcPct val="90000"/>
             </a:lnSpc>
@@ -11722,8 +13174,8 @@
             <a:buNone/>
           </a:pPr>
           <a:r>
-            <a:rPr lang="pl-PL" sz="4600" kern="1200" dirty="0">
-              <a:latin typeface="Aptos Display" panose="020F0302020204030204"/>
+            <a:rPr lang="pl-PL" sz="3600" b="0" kern="1200" dirty="0">
+              <a:latin typeface="+mn-lt"/>
             </a:rPr>
             <a:t>Maciek</a:t>
           </a:r>
@@ -11850,7 +13302,7 @@
         </a:bodyPr>
         <a:lstStyle/>
         <a:p>
-          <a:pPr marL="0" lvl="0" indent="0" algn="l" defTabSz="622300" rtl="0">
+          <a:pPr marL="0" lvl="0" indent="0" algn="ctr" defTabSz="622300" rtl="0">
             <a:lnSpc>
               <a:spcPct val="90000"/>
             </a:lnSpc>
@@ -11863,14 +13315,10 @@
             <a:buNone/>
           </a:pPr>
           <a:r>
-            <a:rPr lang="pl-PL" sz="1400" kern="1200" dirty="0"/>
-            <a:t>Data </a:t>
-          </a:r>
-          <a:r>
-            <a:rPr lang="pl-PL" sz="1400" kern="1200" dirty="0">
-              <a:latin typeface="Aptos Display" panose="020F0302020204030204"/>
+            <a:rPr lang="pl-PL" sz="1400" b="0" kern="1200" dirty="0">
+              <a:latin typeface="+mn-lt"/>
             </a:rPr>
-            <a:t>processing</a:t>
+            <a:t>Data processing</a:t>
           </a:r>
         </a:p>
       </dsp:txBody>
@@ -12008,14 +13456,10 @@
             <a:buNone/>
           </a:pPr>
           <a:r>
-            <a:rPr lang="pl-PL" sz="1400" kern="1200" dirty="0">
-              <a:latin typeface="Aptos Display" panose="020F0302020204030204"/>
+            <a:rPr lang="pl-PL" sz="1400" b="0" kern="1200" dirty="0">
+              <a:latin typeface="+mn-lt"/>
             </a:rPr>
-            <a:t>GPU</a:t>
-          </a:r>
-          <a:r>
-            <a:rPr lang="pl-PL" sz="1400" kern="1200" dirty="0"/>
-            <a:t> research and hyperparameter tuning improvements</a:t>
+            <a:t>GPU research and hyperparameter tuning improvements</a:t>
           </a:r>
         </a:p>
       </dsp:txBody>
@@ -12140,7 +13584,7 @@
         </a:bodyPr>
         <a:lstStyle/>
         <a:p>
-          <a:pPr marL="0" lvl="0" indent="0" algn="l" defTabSz="622300" rtl="0">
+          <a:pPr marL="0" lvl="0" indent="0" algn="ctr" defTabSz="622300" rtl="0">
             <a:lnSpc>
               <a:spcPct val="90000"/>
             </a:lnSpc>
@@ -12153,24 +13597,23 @@
             <a:buNone/>
           </a:pPr>
           <a:r>
-            <a:rPr lang="pl-PL" sz="1400" kern="1200" dirty="0">
-              <a:latin typeface="Aptos Display" panose="020F0302020204030204"/>
+            <a:rPr lang="pl-PL" sz="1400" b="0" kern="1200" dirty="0">
+              <a:latin typeface="+mn-lt"/>
             </a:rPr>
             <a:t>Training </a:t>
           </a:r>
           <a:r>
-            <a:rPr lang="pl-PL" sz="1400" kern="1200" dirty="0" err="1">
-              <a:latin typeface="Aptos Display" panose="020F0302020204030204"/>
+            <a:rPr lang="pl-PL" sz="1400" b="0" kern="1200" dirty="0" err="1">
+              <a:latin typeface="+mn-lt"/>
             </a:rPr>
             <a:t>models</a:t>
           </a:r>
           <a:r>
-            <a:rPr lang="pl-PL" sz="1400" kern="1200" dirty="0">
-              <a:latin typeface="Aptos Display" panose="020F0302020204030204"/>
+            <a:rPr lang="pl-PL" sz="1400" b="0" kern="1200" dirty="0">
+              <a:latin typeface="+mn-lt"/>
             </a:rPr>
             <a:t> on GPU</a:t>
           </a:r>
-          <a:endParaRPr lang="pl-PL" sz="1400" kern="1200" dirty="0"/>
         </a:p>
       </dsp:txBody>
       <dsp:txXfrm>
@@ -12294,7 +13737,7 @@
         </a:bodyPr>
         <a:lstStyle/>
         <a:p>
-          <a:pPr marL="0" lvl="0" indent="0" algn="l" defTabSz="622300" rtl="0">
+          <a:pPr marL="0" lvl="0" indent="0" algn="ctr" defTabSz="622300" rtl="0">
             <a:lnSpc>
               <a:spcPct val="90000"/>
             </a:lnSpc>
@@ -12307,20 +13750,17 @@
             <a:buNone/>
           </a:pPr>
           <a:r>
-            <a:rPr lang="pl-PL" sz="1400" kern="1200" dirty="0" err="1"/>
+            <a:rPr lang="pl-PL" sz="1400" b="0" kern="1200" dirty="0" err="1">
+              <a:latin typeface="+mn-lt"/>
+            </a:rPr>
             <a:t>Frontend</a:t>
           </a:r>
           <a:r>
-            <a:rPr lang="pl-PL" sz="1400" kern="1200" dirty="0"/>
-            <a:t> skeleton </a:t>
+            <a:rPr lang="pl-PL" sz="1400" b="0" kern="1200" dirty="0">
+              <a:latin typeface="+mn-lt"/>
+            </a:rPr>
+            <a:t> and application setup</a:t>
           </a:r>
-          <a:r>
-            <a:rPr lang="pl-PL" sz="1400" kern="1200" dirty="0">
-              <a:latin typeface="Aptos Display" panose="020F0302020204030204"/>
-            </a:rPr>
-            <a:t>and application setup</a:t>
-          </a:r>
-          <a:endParaRPr lang="pl-PL" sz="1400" kern="1200" dirty="0"/>
         </a:p>
       </dsp:txBody>
       <dsp:txXfrm>
@@ -12410,12 +13850,12 @@
         </a:fontRef>
       </dsp:style>
       <dsp:txBody>
-        <a:bodyPr spcFirstLastPara="0" vert="horz" wrap="square" lIns="87630" tIns="58420" rIns="87630" bIns="58420" numCol="1" spcCol="1270" anchor="ctr" anchorCtr="0">
+        <a:bodyPr spcFirstLastPara="0" vert="horz" wrap="square" lIns="68580" tIns="45720" rIns="68580" bIns="45720" numCol="1" spcCol="1270" anchor="ctr" anchorCtr="0">
           <a:noAutofit/>
         </a:bodyPr>
         <a:lstStyle/>
         <a:p>
-          <a:pPr marL="0" lvl="0" indent="0" algn="ctr" defTabSz="2044700">
+          <a:pPr marL="0" lvl="0" indent="0" algn="ctr" defTabSz="1600200">
             <a:lnSpc>
               <a:spcPct val="90000"/>
             </a:lnSpc>
@@ -12428,8 +13868,8 @@
             <a:buNone/>
           </a:pPr>
           <a:r>
-            <a:rPr lang="pl-PL" sz="4600" kern="1200" dirty="0">
-              <a:latin typeface="Aptos Display" panose="020F0302020204030204"/>
+            <a:rPr lang="pl-PL" sz="3600" b="0" kern="1200" dirty="0">
+              <a:latin typeface="+mn-lt"/>
             </a:rPr>
             <a:t>Marcin</a:t>
           </a:r>
@@ -12569,8 +14009,8 @@
             <a:buNone/>
           </a:pPr>
           <a:r>
-            <a:rPr lang="pl-PL" sz="1400" kern="1200" dirty="0">
-              <a:latin typeface="Aptos Display" panose="020F0302020204030204"/>
+            <a:rPr lang="pl-PL" sz="1400" b="0" kern="1200" dirty="0">
+              <a:latin typeface="+mn-lt"/>
             </a:rPr>
             <a:t>Training techniques research</a:t>
           </a:r>
@@ -12697,7 +14137,7 @@
         </a:bodyPr>
         <a:lstStyle/>
         <a:p>
-          <a:pPr marL="0" lvl="0" indent="0" algn="l" defTabSz="622300" rtl="0">
+          <a:pPr marL="0" lvl="0" indent="0" algn="ctr" defTabSz="622300" rtl="0">
             <a:lnSpc>
               <a:spcPct val="90000"/>
             </a:lnSpc>
@@ -12710,12 +14150,11 @@
             <a:buNone/>
           </a:pPr>
           <a:r>
-            <a:rPr lang="pl-PL" sz="1400" kern="1200" dirty="0"/>
+            <a:rPr lang="pl-PL" sz="1400" b="0" kern="1200" dirty="0">
+              <a:latin typeface="+mn-lt"/>
+            </a:rPr>
             <a:t>Hyperparameter tuning functions and dataclasses</a:t>
           </a:r>
-          <a:endParaRPr lang="pl-PL" sz="1400" kern="1200" dirty="0">
-            <a:latin typeface="Aptos Display" panose="020F0302020204030204"/>
-          </a:endParaRPr>
         </a:p>
       </dsp:txBody>
       <dsp:txXfrm>
@@ -12839,7 +14278,7 @@
         </a:bodyPr>
         <a:lstStyle/>
         <a:p>
-          <a:pPr marL="0" lvl="0" indent="0" algn="l" defTabSz="622300">
+          <a:pPr marL="0" lvl="0" indent="0" algn="ctr" defTabSz="622300">
             <a:lnSpc>
               <a:spcPct val="90000"/>
             </a:lnSpc>
@@ -12852,7 +14291,9 @@
             <a:buNone/>
           </a:pPr>
           <a:r>
-            <a:rPr lang="pl-PL" sz="1400" kern="1200" dirty="0"/>
+            <a:rPr lang="pl-PL" sz="1400" b="0" kern="1200" dirty="0">
+              <a:latin typeface="+mn-lt"/>
+            </a:rPr>
             <a:t>Research on hyperparameter importance</a:t>
           </a:r>
         </a:p>
@@ -12978,7 +14419,7 @@
         </a:bodyPr>
         <a:lstStyle/>
         <a:p>
-          <a:pPr marL="0" lvl="0" indent="0" algn="l" defTabSz="622300" rtl="0">
+          <a:pPr marL="0" lvl="0" indent="0" algn="ctr" defTabSz="622300" rtl="0">
             <a:lnSpc>
               <a:spcPct val="90000"/>
             </a:lnSpc>
@@ -12991,20 +14432,20 @@
             <a:buNone/>
           </a:pPr>
           <a:r>
-            <a:rPr lang="pl-PL" sz="1400" kern="1200" dirty="0" err="1">
-              <a:latin typeface="Aptos Display" panose="020F0302020204030204"/>
+            <a:rPr lang="pl-PL" sz="1400" b="0" kern="1200" dirty="0" err="1">
+              <a:latin typeface="+mn-lt"/>
             </a:rPr>
             <a:t>Models</a:t>
           </a:r>
           <a:r>
-            <a:rPr lang="pl-PL" sz="1400" kern="1200" dirty="0">
-              <a:latin typeface="Aptos Display" panose="020F0302020204030204"/>
+            <a:rPr lang="pl-PL" sz="1400" b="0" kern="1200" dirty="0">
+              <a:latin typeface="+mn-lt"/>
             </a:rPr>
             <a:t> </a:t>
           </a:r>
           <a:r>
-            <a:rPr lang="pl-PL" sz="1400" kern="1200" dirty="0" err="1">
-              <a:latin typeface="Aptos Display" panose="020F0302020204030204"/>
+            <a:rPr lang="pl-PL" sz="1400" b="0" kern="1200" dirty="0" err="1">
+              <a:latin typeface="+mn-lt"/>
             </a:rPr>
             <a:t>comparison</a:t>
           </a:r>
@@ -13013,6 +14454,474 @@
       <dsp:txXfrm>
         <a:off x="9176319" y="4873219"/>
         <a:ext cx="1493439" cy="912116"/>
+      </dsp:txXfrm>
+    </dsp:sp>
+  </dsp:spTree>
+</dsp:drawing>
+</file>
+
+<file path=ppt/diagrams/drawing5.xml><?xml version="1.0" encoding="utf-8"?>
+<dsp:drawing xmlns:dgm="http://schemas.openxmlformats.org/drawingml/2006/diagram" xmlns:dsp="http://schemas.microsoft.com/office/drawing/2008/diagram" xmlns:a="http://schemas.openxmlformats.org/drawingml/2006/main">
+  <dsp:spTree>
+    <dsp:nvGrpSpPr>
+      <dsp:cNvPr id="0" name=""/>
+      <dsp:cNvGrpSpPr/>
+    </dsp:nvGrpSpPr>
+    <dsp:grpSpPr/>
+    <dsp:sp modelId="{F58E5EBB-DBE5-46FF-862A-E8DF41D684BD}">
+      <dsp:nvSpPr>
+        <dsp:cNvPr id="0" name=""/>
+        <dsp:cNvSpPr/>
+      </dsp:nvSpPr>
+      <dsp:spPr>
+        <a:xfrm>
+          <a:off x="0" y="2802"/>
+          <a:ext cx="10366612" cy="884520"/>
+        </a:xfrm>
+        <a:prstGeom prst="roundRect">
+          <a:avLst/>
+        </a:prstGeom>
+        <a:solidFill>
+          <a:schemeClr val="accent1">
+            <a:hueOff val="0"/>
+            <a:satOff val="0"/>
+            <a:lumOff val="0"/>
+            <a:alphaOff val="0"/>
+          </a:schemeClr>
+        </a:solidFill>
+        <a:ln w="19050" cap="flat" cmpd="sng" algn="ctr">
+          <a:solidFill>
+            <a:schemeClr val="lt1">
+              <a:hueOff val="0"/>
+              <a:satOff val="0"/>
+              <a:lumOff val="0"/>
+              <a:alphaOff val="0"/>
+            </a:schemeClr>
+          </a:solidFill>
+          <a:prstDash val="solid"/>
+          <a:miter lim="800000"/>
+        </a:ln>
+        <a:effectLst/>
+      </dsp:spPr>
+      <dsp:style>
+        <a:lnRef idx="2">
+          <a:scrgbClr r="0" g="0" b="0"/>
+        </a:lnRef>
+        <a:fillRef idx="1">
+          <a:scrgbClr r="0" g="0" b="0"/>
+        </a:fillRef>
+        <a:effectRef idx="0">
+          <a:scrgbClr r="0" g="0" b="0"/>
+        </a:effectRef>
+        <a:fontRef idx="minor">
+          <a:schemeClr val="lt1"/>
+        </a:fontRef>
+      </dsp:style>
+      <dsp:txBody>
+        <a:bodyPr spcFirstLastPara="0" vert="horz" wrap="square" lIns="137160" tIns="137160" rIns="137160" bIns="137160" numCol="1" spcCol="1270" anchor="ctr" anchorCtr="0">
+          <a:noAutofit/>
+        </a:bodyPr>
+        <a:lstStyle/>
+        <a:p>
+          <a:pPr marL="0" lvl="0" indent="0" algn="l" defTabSz="1600200">
+            <a:lnSpc>
+              <a:spcPct val="90000"/>
+            </a:lnSpc>
+            <a:spcBef>
+              <a:spcPct val="0"/>
+            </a:spcBef>
+            <a:spcAft>
+              <a:spcPct val="35000"/>
+            </a:spcAft>
+            <a:buNone/>
+          </a:pPr>
+          <a:r>
+            <a:rPr lang="pl-PL" sz="3600" kern="1200" dirty="0"/>
+            <a:t>18,3%</a:t>
+          </a:r>
+        </a:p>
+      </dsp:txBody>
+      <dsp:txXfrm>
+        <a:off x="43179" y="45981"/>
+        <a:ext cx="10280254" cy="798162"/>
+      </dsp:txXfrm>
+    </dsp:sp>
+    <dsp:sp modelId="{1ECB3839-45EF-4D4B-80B8-CC79CDAF4E67}">
+      <dsp:nvSpPr>
+        <dsp:cNvPr id="0" name=""/>
+        <dsp:cNvSpPr/>
+      </dsp:nvSpPr>
+      <dsp:spPr>
+        <a:xfrm>
+          <a:off x="0" y="887322"/>
+          <a:ext cx="10366612" cy="596160"/>
+        </a:xfrm>
+        <a:prstGeom prst="rect">
+          <a:avLst/>
+        </a:prstGeom>
+        <a:noFill/>
+        <a:ln>
+          <a:noFill/>
+        </a:ln>
+        <a:effectLst/>
+      </dsp:spPr>
+      <dsp:style>
+        <a:lnRef idx="0">
+          <a:scrgbClr r="0" g="0" b="0"/>
+        </a:lnRef>
+        <a:fillRef idx="0">
+          <a:scrgbClr r="0" g="0" b="0"/>
+        </a:fillRef>
+        <a:effectRef idx="0">
+          <a:scrgbClr r="0" g="0" b="0"/>
+        </a:effectRef>
+        <a:fontRef idx="minor"/>
+      </dsp:style>
+      <dsp:txBody>
+        <a:bodyPr spcFirstLastPara="0" vert="horz" wrap="square" lIns="329140" tIns="45720" rIns="256032" bIns="45720" numCol="1" spcCol="1270" anchor="t" anchorCtr="0">
+          <a:noAutofit/>
+        </a:bodyPr>
+        <a:lstStyle/>
+        <a:p>
+          <a:pPr marL="285750" lvl="1" indent="-285750" algn="l" defTabSz="1244600">
+            <a:lnSpc>
+              <a:spcPct val="90000"/>
+            </a:lnSpc>
+            <a:spcBef>
+              <a:spcPct val="0"/>
+            </a:spcBef>
+            <a:spcAft>
+              <a:spcPct val="20000"/>
+            </a:spcAft>
+            <a:buChar char="•"/>
+          </a:pPr>
+          <a:r>
+            <a:rPr lang="pl-PL" sz="2800" kern="1200" dirty="0"/>
+            <a:t>Basic </a:t>
+          </a:r>
+          <a:r>
+            <a:rPr lang="pl-PL" sz="2800" kern="1200" dirty="0" err="1"/>
+            <a:t>Classification</a:t>
+          </a:r>
+          <a:r>
+            <a:rPr lang="pl-PL" sz="2800" kern="1200" dirty="0"/>
+            <a:t> + Basic </a:t>
+          </a:r>
+          <a:r>
+            <a:rPr lang="pl-PL" sz="2800" kern="1200" dirty="0" err="1"/>
+            <a:t>Regression</a:t>
+          </a:r>
+          <a:endParaRPr lang="pl-PL" sz="2800" kern="1200" dirty="0"/>
+        </a:p>
+      </dsp:txBody>
+      <dsp:txXfrm>
+        <a:off x="0" y="887322"/>
+        <a:ext cx="10366612" cy="596160"/>
+      </dsp:txXfrm>
+    </dsp:sp>
+    <dsp:sp modelId="{EDD6185D-5450-478B-9AD2-491044AFA776}">
+      <dsp:nvSpPr>
+        <dsp:cNvPr id="0" name=""/>
+        <dsp:cNvSpPr/>
+      </dsp:nvSpPr>
+      <dsp:spPr>
+        <a:xfrm>
+          <a:off x="0" y="1483482"/>
+          <a:ext cx="10366612" cy="884520"/>
+        </a:xfrm>
+        <a:prstGeom prst="roundRect">
+          <a:avLst/>
+        </a:prstGeom>
+        <a:solidFill>
+          <a:schemeClr val="accent1">
+            <a:hueOff val="0"/>
+            <a:satOff val="0"/>
+            <a:lumOff val="0"/>
+            <a:alphaOff val="0"/>
+          </a:schemeClr>
+        </a:solidFill>
+        <a:ln w="19050" cap="flat" cmpd="sng" algn="ctr">
+          <a:solidFill>
+            <a:schemeClr val="lt1">
+              <a:hueOff val="0"/>
+              <a:satOff val="0"/>
+              <a:lumOff val="0"/>
+              <a:alphaOff val="0"/>
+            </a:schemeClr>
+          </a:solidFill>
+          <a:prstDash val="solid"/>
+          <a:miter lim="800000"/>
+        </a:ln>
+        <a:effectLst/>
+      </dsp:spPr>
+      <dsp:style>
+        <a:lnRef idx="2">
+          <a:scrgbClr r="0" g="0" b="0"/>
+        </a:lnRef>
+        <a:fillRef idx="1">
+          <a:scrgbClr r="0" g="0" b="0"/>
+        </a:fillRef>
+        <a:effectRef idx="0">
+          <a:scrgbClr r="0" g="0" b="0"/>
+        </a:effectRef>
+        <a:fontRef idx="minor">
+          <a:schemeClr val="lt1"/>
+        </a:fontRef>
+      </dsp:style>
+      <dsp:txBody>
+        <a:bodyPr spcFirstLastPara="0" vert="horz" wrap="square" lIns="137160" tIns="137160" rIns="137160" bIns="137160" numCol="1" spcCol="1270" anchor="ctr" anchorCtr="0">
+          <a:noAutofit/>
+        </a:bodyPr>
+        <a:lstStyle/>
+        <a:p>
+          <a:pPr marL="0" lvl="0" indent="0" algn="l" defTabSz="1600200">
+            <a:lnSpc>
+              <a:spcPct val="90000"/>
+            </a:lnSpc>
+            <a:spcBef>
+              <a:spcPct val="0"/>
+            </a:spcBef>
+            <a:spcAft>
+              <a:spcPct val="35000"/>
+            </a:spcAft>
+            <a:buNone/>
+          </a:pPr>
+          <a:r>
+            <a:rPr lang="pl-PL" sz="3600" kern="1200" dirty="0"/>
+            <a:t>53,4%</a:t>
+          </a:r>
+        </a:p>
+      </dsp:txBody>
+      <dsp:txXfrm>
+        <a:off x="43179" y="1526661"/>
+        <a:ext cx="10280254" cy="798162"/>
+      </dsp:txXfrm>
+    </dsp:sp>
+    <dsp:sp modelId="{A2DB6E0E-5DB4-487C-BA40-2DC57F0E4ACA}">
+      <dsp:nvSpPr>
+        <dsp:cNvPr id="0" name=""/>
+        <dsp:cNvSpPr/>
+      </dsp:nvSpPr>
+      <dsp:spPr>
+        <a:xfrm>
+          <a:off x="0" y="2368002"/>
+          <a:ext cx="10366612" cy="596160"/>
+        </a:xfrm>
+        <a:prstGeom prst="rect">
+          <a:avLst/>
+        </a:prstGeom>
+        <a:noFill/>
+        <a:ln>
+          <a:noFill/>
+        </a:ln>
+        <a:effectLst/>
+      </dsp:spPr>
+      <dsp:style>
+        <a:lnRef idx="0">
+          <a:scrgbClr r="0" g="0" b="0"/>
+        </a:lnRef>
+        <a:fillRef idx="0">
+          <a:scrgbClr r="0" g="0" b="0"/>
+        </a:fillRef>
+        <a:effectRef idx="0">
+          <a:scrgbClr r="0" g="0" b="0"/>
+        </a:effectRef>
+        <a:fontRef idx="minor"/>
+      </dsp:style>
+      <dsp:txBody>
+        <a:bodyPr spcFirstLastPara="0" vert="horz" wrap="square" lIns="329140" tIns="45720" rIns="256032" bIns="45720" numCol="1" spcCol="1270" anchor="t" anchorCtr="0">
+          <a:noAutofit/>
+        </a:bodyPr>
+        <a:lstStyle/>
+        <a:p>
+          <a:pPr marL="285750" lvl="1" indent="-285750" algn="l" defTabSz="1244600">
+            <a:lnSpc>
+              <a:spcPct val="90000"/>
+            </a:lnSpc>
+            <a:spcBef>
+              <a:spcPct val="0"/>
+            </a:spcBef>
+            <a:spcAft>
+              <a:spcPct val="20000"/>
+            </a:spcAft>
+            <a:buChar char="•"/>
+          </a:pPr>
+          <a:r>
+            <a:rPr lang="pl-PL" sz="2800" kern="1200" dirty="0"/>
+            <a:t>Advanced </a:t>
+          </a:r>
+          <a:r>
+            <a:rPr lang="pl-PL" sz="2800" kern="1200" dirty="0" err="1"/>
+            <a:t>Classification</a:t>
+          </a:r>
+          <a:r>
+            <a:rPr lang="pl-PL" sz="2800" kern="1200" dirty="0"/>
+            <a:t> + Advanced </a:t>
+          </a:r>
+          <a:r>
+            <a:rPr lang="pl-PL" sz="2800" kern="1200" dirty="0" err="1"/>
+            <a:t>Regression</a:t>
+          </a:r>
+          <a:endParaRPr lang="pl-PL" sz="2800" kern="1200" dirty="0"/>
+        </a:p>
+      </dsp:txBody>
+      <dsp:txXfrm>
+        <a:off x="0" y="2368002"/>
+        <a:ext cx="10366612" cy="596160"/>
+      </dsp:txXfrm>
+    </dsp:sp>
+    <dsp:sp modelId="{DD10984E-9D76-490D-A0AB-08BFA24295C0}">
+      <dsp:nvSpPr>
+        <dsp:cNvPr id="0" name=""/>
+        <dsp:cNvSpPr/>
+      </dsp:nvSpPr>
+      <dsp:spPr>
+        <a:xfrm>
+          <a:off x="0" y="2964162"/>
+          <a:ext cx="10366612" cy="884520"/>
+        </a:xfrm>
+        <a:prstGeom prst="roundRect">
+          <a:avLst/>
+        </a:prstGeom>
+        <a:solidFill>
+          <a:schemeClr val="accent1">
+            <a:hueOff val="0"/>
+            <a:satOff val="0"/>
+            <a:lumOff val="0"/>
+            <a:alphaOff val="0"/>
+          </a:schemeClr>
+        </a:solidFill>
+        <a:ln w="19050" cap="flat" cmpd="sng" algn="ctr">
+          <a:solidFill>
+            <a:schemeClr val="lt1">
+              <a:hueOff val="0"/>
+              <a:satOff val="0"/>
+              <a:lumOff val="0"/>
+              <a:alphaOff val="0"/>
+            </a:schemeClr>
+          </a:solidFill>
+          <a:prstDash val="solid"/>
+          <a:miter lim="800000"/>
+        </a:ln>
+        <a:effectLst/>
+      </dsp:spPr>
+      <dsp:style>
+        <a:lnRef idx="2">
+          <a:scrgbClr r="0" g="0" b="0"/>
+        </a:lnRef>
+        <a:fillRef idx="1">
+          <a:scrgbClr r="0" g="0" b="0"/>
+        </a:fillRef>
+        <a:effectRef idx="0">
+          <a:scrgbClr r="0" g="0" b="0"/>
+        </a:effectRef>
+        <a:fontRef idx="minor">
+          <a:schemeClr val="lt1"/>
+        </a:fontRef>
+      </dsp:style>
+      <dsp:txBody>
+        <a:bodyPr spcFirstLastPara="0" vert="horz" wrap="square" lIns="137160" tIns="137160" rIns="137160" bIns="137160" numCol="1" spcCol="1270" anchor="ctr" anchorCtr="0">
+          <a:noAutofit/>
+        </a:bodyPr>
+        <a:lstStyle/>
+        <a:p>
+          <a:pPr marL="0" lvl="0" indent="0" algn="l" defTabSz="1600200">
+            <a:lnSpc>
+              <a:spcPct val="90000"/>
+            </a:lnSpc>
+            <a:spcBef>
+              <a:spcPct val="0"/>
+            </a:spcBef>
+            <a:spcAft>
+              <a:spcPct val="35000"/>
+            </a:spcAft>
+            <a:buNone/>
+          </a:pPr>
+          <a:r>
+            <a:rPr lang="pl-PL" sz="3600" kern="1200" dirty="0"/>
+            <a:t>54,4%</a:t>
+          </a:r>
+        </a:p>
+      </dsp:txBody>
+      <dsp:txXfrm>
+        <a:off x="43179" y="3007341"/>
+        <a:ext cx="10280254" cy="798162"/>
+      </dsp:txXfrm>
+    </dsp:sp>
+    <dsp:sp modelId="{BD9F1597-E502-4461-A4C3-9A2F70E8836A}">
+      <dsp:nvSpPr>
+        <dsp:cNvPr id="0" name=""/>
+        <dsp:cNvSpPr/>
+      </dsp:nvSpPr>
+      <dsp:spPr>
+        <a:xfrm>
+          <a:off x="0" y="3848682"/>
+          <a:ext cx="10366612" cy="596160"/>
+        </a:xfrm>
+        <a:prstGeom prst="rect">
+          <a:avLst/>
+        </a:prstGeom>
+        <a:noFill/>
+        <a:ln>
+          <a:noFill/>
+        </a:ln>
+        <a:effectLst/>
+      </dsp:spPr>
+      <dsp:style>
+        <a:lnRef idx="0">
+          <a:scrgbClr r="0" g="0" b="0"/>
+        </a:lnRef>
+        <a:fillRef idx="0">
+          <a:scrgbClr r="0" g="0" b="0"/>
+        </a:fillRef>
+        <a:effectRef idx="0">
+          <a:scrgbClr r="0" g="0" b="0"/>
+        </a:effectRef>
+        <a:fontRef idx="minor"/>
+      </dsp:style>
+      <dsp:txBody>
+        <a:bodyPr spcFirstLastPara="0" vert="horz" wrap="square" lIns="329140" tIns="45720" rIns="256032" bIns="45720" numCol="1" spcCol="1270" anchor="t" anchorCtr="0">
+          <a:noAutofit/>
+        </a:bodyPr>
+        <a:lstStyle/>
+        <a:p>
+          <a:pPr marL="285750" lvl="1" indent="-285750" algn="l" defTabSz="1244600">
+            <a:lnSpc>
+              <a:spcPct val="90000"/>
+            </a:lnSpc>
+            <a:spcBef>
+              <a:spcPct val="0"/>
+            </a:spcBef>
+            <a:spcAft>
+              <a:spcPct val="20000"/>
+            </a:spcAft>
+            <a:buChar char="•"/>
+          </a:pPr>
+          <a:r>
+            <a:rPr lang="pl-PL" sz="2800" kern="1200" dirty="0"/>
+            <a:t>Advanced </a:t>
+          </a:r>
+          <a:r>
+            <a:rPr lang="pl-PL" sz="2800" kern="1200" dirty="0" err="1"/>
+            <a:t>Classification</a:t>
+          </a:r>
+          <a:r>
+            <a:rPr lang="pl-PL" sz="2800" kern="1200" dirty="0"/>
+            <a:t> + Basic </a:t>
+          </a:r>
+          <a:r>
+            <a:rPr lang="pl-PL" sz="2800" kern="1200" dirty="0" err="1"/>
+            <a:t>Regression</a:t>
+          </a:r>
+          <a:r>
+            <a:rPr lang="pl-PL" sz="2800" kern="1200" dirty="0"/>
+            <a:t> </a:t>
+          </a:r>
+        </a:p>
+      </dsp:txBody>
+      <dsp:txXfrm>
+        <a:off x="0" y="3848682"/>
+        <a:ext cx="10366612" cy="596160"/>
       </dsp:txXfrm>
     </dsp:sp>
   </dsp:spTree>
@@ -14630,6 +16539,173 @@
 </dgm:layoutDef>
 </file>
 
+<file path=ppt/diagrams/layout5.xml><?xml version="1.0" encoding="utf-8"?>
+<dgm:layoutDef xmlns:dgm="http://schemas.openxmlformats.org/drawingml/2006/diagram" xmlns:a="http://schemas.openxmlformats.org/drawingml/2006/main" uniqueId="urn:microsoft.com/office/officeart/2005/8/layout/vList2">
+  <dgm:title val=""/>
+  <dgm:desc val=""/>
+  <dgm:catLst>
+    <dgm:cat type="list" pri="3000"/>
+    <dgm:cat type="convert" pri="1000"/>
+  </dgm:catLst>
+  <dgm:sampData>
+    <dgm:dataModel>
+      <dgm:ptLst>
+        <dgm:pt modelId="0" type="doc"/>
+        <dgm:pt modelId="1">
+          <dgm:prSet phldr="1"/>
+        </dgm:pt>
+        <dgm:pt modelId="11">
+          <dgm:prSet phldr="1"/>
+        </dgm:pt>
+        <dgm:pt modelId="2">
+          <dgm:prSet phldr="1"/>
+        </dgm:pt>
+        <dgm:pt modelId="21">
+          <dgm:prSet phldr="1"/>
+        </dgm:pt>
+      </dgm:ptLst>
+      <dgm:cxnLst>
+        <dgm:cxn modelId="4" srcId="0" destId="1" srcOrd="0" destOrd="0"/>
+        <dgm:cxn modelId="5" srcId="0" destId="2" srcOrd="1" destOrd="0"/>
+        <dgm:cxn modelId="12" srcId="1" destId="11" srcOrd="0" destOrd="0"/>
+        <dgm:cxn modelId="23" srcId="2" destId="21" srcOrd="0" destOrd="0"/>
+      </dgm:cxnLst>
+      <dgm:bg/>
+      <dgm:whole/>
+    </dgm:dataModel>
+  </dgm:sampData>
+  <dgm:styleData>
+    <dgm:dataModel>
+      <dgm:ptLst>
+        <dgm:pt modelId="0" type="doc"/>
+        <dgm:pt modelId="1"/>
+        <dgm:pt modelId="2"/>
+      </dgm:ptLst>
+      <dgm:cxnLst>
+        <dgm:cxn modelId="3" srcId="0" destId="1" srcOrd="0" destOrd="0"/>
+        <dgm:cxn modelId="4" srcId="0" destId="2" srcOrd="1" destOrd="0"/>
+      </dgm:cxnLst>
+      <dgm:bg/>
+      <dgm:whole/>
+    </dgm:dataModel>
+  </dgm:styleData>
+  <dgm:clrData>
+    <dgm:dataModel>
+      <dgm:ptLst>
+        <dgm:pt modelId="0" type="doc"/>
+        <dgm:pt modelId="1"/>
+        <dgm:pt modelId="2"/>
+        <dgm:pt modelId="3"/>
+        <dgm:pt modelId="4"/>
+      </dgm:ptLst>
+      <dgm:cxnLst>
+        <dgm:cxn modelId="5" srcId="0" destId="1" srcOrd="0" destOrd="0"/>
+        <dgm:cxn modelId="6" srcId="0" destId="2" srcOrd="1" destOrd="0"/>
+        <dgm:cxn modelId="7" srcId="0" destId="3" srcOrd="2" destOrd="0"/>
+        <dgm:cxn modelId="8" srcId="0" destId="4" srcOrd="3" destOrd="0"/>
+      </dgm:cxnLst>
+      <dgm:bg/>
+      <dgm:whole/>
+    </dgm:dataModel>
+  </dgm:clrData>
+  <dgm:layoutNode name="linear">
+    <dgm:varLst>
+      <dgm:animLvl val="lvl"/>
+      <dgm:resizeHandles val="exact"/>
+    </dgm:varLst>
+    <dgm:alg type="lin">
+      <dgm:param type="linDir" val="fromT"/>
+      <dgm:param type="vertAlign" val="mid"/>
+    </dgm:alg>
+    <dgm:shape xmlns:r="http://schemas.openxmlformats.org/officeDocument/2006/relationships" r:blip="">
+      <dgm:adjLst/>
+    </dgm:shape>
+    <dgm:presOf/>
+    <dgm:constrLst>
+      <dgm:constr type="w" for="ch" forName="parentText" refType="w"/>
+      <dgm:constr type="h" for="ch" forName="parentText" refType="primFontSz" refFor="ch" refForName="parentText" fact="0.52"/>
+      <dgm:constr type="w" for="ch" forName="childText" refType="w"/>
+      <dgm:constr type="h" for="ch" forName="childText" refType="primFontSz" refFor="ch" refForName="parentText" fact="0.46"/>
+      <dgm:constr type="h" for="ch" forName="parentText" op="equ"/>
+      <dgm:constr type="primFontSz" for="ch" forName="parentText" op="equ" val="65"/>
+      <dgm:constr type="primFontSz" for="ch" forName="childText" refType="primFontSz" refFor="ch" refForName="parentText" op="equ"/>
+      <dgm:constr type="h" for="ch" forName="spacer" refType="primFontSz" refFor="ch" refForName="parentText" fact="0.08"/>
+    </dgm:constrLst>
+    <dgm:ruleLst>
+      <dgm:rule type="primFontSz" for="ch" forName="parentText" val="5" fact="NaN" max="NaN"/>
+    </dgm:ruleLst>
+    <dgm:forEach name="Name0" axis="ch" ptType="node">
+      <dgm:layoutNode name="parentText" styleLbl="node1">
+        <dgm:varLst>
+          <dgm:chMax val="0"/>
+          <dgm:bulletEnabled val="1"/>
+        </dgm:varLst>
+        <dgm:alg type="tx">
+          <dgm:param type="parTxLTRAlign" val="l"/>
+          <dgm:param type="parTxRTLAlign" val="r"/>
+        </dgm:alg>
+        <dgm:shape xmlns:r="http://schemas.openxmlformats.org/officeDocument/2006/relationships" type="roundRect" r:blip="">
+          <dgm:adjLst/>
+        </dgm:shape>
+        <dgm:presOf axis="self"/>
+        <dgm:constrLst>
+          <dgm:constr type="tMarg" refType="primFontSz" fact="0.3"/>
+          <dgm:constr type="bMarg" refType="primFontSz" fact="0.3"/>
+          <dgm:constr type="lMarg" refType="primFontSz" fact="0.3"/>
+          <dgm:constr type="rMarg" refType="primFontSz" fact="0.3"/>
+        </dgm:constrLst>
+        <dgm:ruleLst>
+          <dgm:rule type="h" val="INF" fact="NaN" max="NaN"/>
+        </dgm:ruleLst>
+      </dgm:layoutNode>
+      <dgm:choose name="Name1">
+        <dgm:if name="Name2" axis="ch" ptType="node" func="cnt" op="gte" val="1">
+          <dgm:layoutNode name="childText" styleLbl="revTx">
+            <dgm:varLst>
+              <dgm:bulletEnabled val="1"/>
+            </dgm:varLst>
+            <dgm:alg type="tx">
+              <dgm:param type="stBulletLvl" val="1"/>
+              <dgm:param type="lnSpAfChP" val="20"/>
+            </dgm:alg>
+            <dgm:shape xmlns:r="http://schemas.openxmlformats.org/officeDocument/2006/relationships" type="rect" r:blip="">
+              <dgm:adjLst/>
+            </dgm:shape>
+            <dgm:presOf axis="des" ptType="node"/>
+            <dgm:constrLst>
+              <dgm:constr type="tMarg" refType="primFontSz" fact="0.1"/>
+              <dgm:constr type="bMarg" refType="primFontSz" fact="0.1"/>
+              <dgm:constr type="lMarg" refType="w" fact="0.09"/>
+            </dgm:constrLst>
+            <dgm:ruleLst>
+              <dgm:rule type="h" val="INF" fact="NaN" max="NaN"/>
+            </dgm:ruleLst>
+          </dgm:layoutNode>
+        </dgm:if>
+        <dgm:else name="Name3">
+          <dgm:choose name="Name4">
+            <dgm:if name="Name5" axis="par ch" ptType="doc node" func="cnt" op="gte" val="2">
+              <dgm:forEach name="Name6" axis="followSib" ptType="sibTrans" cnt="1">
+                <dgm:layoutNode name="spacer">
+                  <dgm:alg type="sp"/>
+                  <dgm:shape xmlns:r="http://schemas.openxmlformats.org/officeDocument/2006/relationships" r:blip="">
+                    <dgm:adjLst/>
+                  </dgm:shape>
+                  <dgm:presOf/>
+                  <dgm:constrLst/>
+                  <dgm:ruleLst/>
+                </dgm:layoutNode>
+              </dgm:forEach>
+            </dgm:if>
+            <dgm:else name="Name7"/>
+          </dgm:choose>
+        </dgm:else>
+      </dgm:choose>
+    </dgm:forEach>
+  </dgm:layoutNode>
+</dgm:layoutDef>
+</file>
+
 <file path=ppt/diagrams/quickStyle1.xml><?xml version="1.0" encoding="utf-8"?>
 <dgm:styleDef xmlns:dgm="http://schemas.openxmlformats.org/drawingml/2006/diagram" xmlns:a="http://schemas.openxmlformats.org/drawingml/2006/main" uniqueId="urn:microsoft.com/office/officeart/2005/8/quickstyle/simple4">
   <dgm:title val=""/>
@@ -18738,6 +20814,1040 @@
         <a:scrgbClr r="0" g="0" b="0"/>
       </a:fillRef>
       <a:effectRef idx="3">
+        <a:scrgbClr r="0" g="0" b="0"/>
+      </a:effectRef>
+      <a:fontRef idx="minor"/>
+    </dgm:style>
+  </dgm:styleLbl>
+  <dgm:styleLbl name="revTx">
+    <dgm:scene3d>
+      <a:camera prst="orthographicFront"/>
+      <a:lightRig rig="threePt" dir="t"/>
+    </dgm:scene3d>
+    <dgm:sp3d/>
+    <dgm:txPr/>
+    <dgm:style>
+      <a:lnRef idx="0">
+        <a:scrgbClr r="0" g="0" b="0"/>
+      </a:lnRef>
+      <a:fillRef idx="0">
+        <a:scrgbClr r="0" g="0" b="0"/>
+      </a:fillRef>
+      <a:effectRef idx="0">
+        <a:scrgbClr r="0" g="0" b="0"/>
+      </a:effectRef>
+      <a:fontRef idx="minor"/>
+    </dgm:style>
+  </dgm:styleLbl>
+</dgm:styleDef>
+</file>
+
+<file path=ppt/diagrams/quickStyle5.xml><?xml version="1.0" encoding="utf-8"?>
+<dgm:styleDef xmlns:dgm="http://schemas.openxmlformats.org/drawingml/2006/diagram" xmlns:a="http://schemas.openxmlformats.org/drawingml/2006/main" uniqueId="urn:microsoft.com/office/officeart/2005/8/quickstyle/simple1">
+  <dgm:title val=""/>
+  <dgm:desc val=""/>
+  <dgm:catLst>
+    <dgm:cat type="simple" pri="10100"/>
+  </dgm:catLst>
+  <dgm:scene3d>
+    <a:camera prst="orthographicFront"/>
+    <a:lightRig rig="threePt" dir="t"/>
+  </dgm:scene3d>
+  <dgm:styleLbl name="node0">
+    <dgm:scene3d>
+      <a:camera prst="orthographicFront"/>
+      <a:lightRig rig="threePt" dir="t"/>
+    </dgm:scene3d>
+    <dgm:sp3d/>
+    <dgm:txPr/>
+    <dgm:style>
+      <a:lnRef idx="2">
+        <a:scrgbClr r="0" g="0" b="0"/>
+      </a:lnRef>
+      <a:fillRef idx="1">
+        <a:scrgbClr r="0" g="0" b="0"/>
+      </a:fillRef>
+      <a:effectRef idx="0">
+        <a:scrgbClr r="0" g="0" b="0"/>
+      </a:effectRef>
+      <a:fontRef idx="minor">
+        <a:schemeClr val="lt1"/>
+      </a:fontRef>
+    </dgm:style>
+  </dgm:styleLbl>
+  <dgm:styleLbl name="lnNode1">
+    <dgm:scene3d>
+      <a:camera prst="orthographicFront"/>
+      <a:lightRig rig="threePt" dir="t"/>
+    </dgm:scene3d>
+    <dgm:sp3d/>
+    <dgm:txPr/>
+    <dgm:style>
+      <a:lnRef idx="2">
+        <a:scrgbClr r="0" g="0" b="0"/>
+      </a:lnRef>
+      <a:fillRef idx="1">
+        <a:scrgbClr r="0" g="0" b="0"/>
+      </a:fillRef>
+      <a:effectRef idx="0">
+        <a:scrgbClr r="0" g="0" b="0"/>
+      </a:effectRef>
+      <a:fontRef idx="minor">
+        <a:schemeClr val="lt1"/>
+      </a:fontRef>
+    </dgm:style>
+  </dgm:styleLbl>
+  <dgm:styleLbl name="vennNode1">
+    <dgm:scene3d>
+      <a:camera prst="orthographicFront"/>
+      <a:lightRig rig="threePt" dir="t"/>
+    </dgm:scene3d>
+    <dgm:sp3d/>
+    <dgm:txPr/>
+    <dgm:style>
+      <a:lnRef idx="2">
+        <a:scrgbClr r="0" g="0" b="0"/>
+      </a:lnRef>
+      <a:fillRef idx="1">
+        <a:scrgbClr r="0" g="0" b="0"/>
+      </a:fillRef>
+      <a:effectRef idx="0">
+        <a:scrgbClr r="0" g="0" b="0"/>
+      </a:effectRef>
+      <a:fontRef idx="minor">
+        <a:schemeClr val="tx1"/>
+      </a:fontRef>
+    </dgm:style>
+  </dgm:styleLbl>
+  <dgm:styleLbl name="alignNode1">
+    <dgm:scene3d>
+      <a:camera prst="orthographicFront"/>
+      <a:lightRig rig="threePt" dir="t"/>
+    </dgm:scene3d>
+    <dgm:sp3d/>
+    <dgm:txPr/>
+    <dgm:style>
+      <a:lnRef idx="2">
+        <a:scrgbClr r="0" g="0" b="0"/>
+      </a:lnRef>
+      <a:fillRef idx="1">
+        <a:scrgbClr r="0" g="0" b="0"/>
+      </a:fillRef>
+      <a:effectRef idx="0">
+        <a:scrgbClr r="0" g="0" b="0"/>
+      </a:effectRef>
+      <a:fontRef idx="minor">
+        <a:schemeClr val="lt1"/>
+      </a:fontRef>
+    </dgm:style>
+  </dgm:styleLbl>
+  <dgm:styleLbl name="node1">
+    <dgm:scene3d>
+      <a:camera prst="orthographicFront"/>
+      <a:lightRig rig="threePt" dir="t"/>
+    </dgm:scene3d>
+    <dgm:sp3d/>
+    <dgm:txPr/>
+    <dgm:style>
+      <a:lnRef idx="2">
+        <a:scrgbClr r="0" g="0" b="0"/>
+      </a:lnRef>
+      <a:fillRef idx="1">
+        <a:scrgbClr r="0" g="0" b="0"/>
+      </a:fillRef>
+      <a:effectRef idx="0">
+        <a:scrgbClr r="0" g="0" b="0"/>
+      </a:effectRef>
+      <a:fontRef idx="minor">
+        <a:schemeClr val="lt1"/>
+      </a:fontRef>
+    </dgm:style>
+  </dgm:styleLbl>
+  <dgm:styleLbl name="node2">
+    <dgm:scene3d>
+      <a:camera prst="orthographicFront"/>
+      <a:lightRig rig="threePt" dir="t"/>
+    </dgm:scene3d>
+    <dgm:sp3d/>
+    <dgm:txPr/>
+    <dgm:style>
+      <a:lnRef idx="2">
+        <a:scrgbClr r="0" g="0" b="0"/>
+      </a:lnRef>
+      <a:fillRef idx="1">
+        <a:scrgbClr r="0" g="0" b="0"/>
+      </a:fillRef>
+      <a:effectRef idx="0">
+        <a:scrgbClr r="0" g="0" b="0"/>
+      </a:effectRef>
+      <a:fontRef idx="minor">
+        <a:schemeClr val="lt1"/>
+      </a:fontRef>
+    </dgm:style>
+  </dgm:styleLbl>
+  <dgm:styleLbl name="node3">
+    <dgm:scene3d>
+      <a:camera prst="orthographicFront"/>
+      <a:lightRig rig="threePt" dir="t"/>
+    </dgm:scene3d>
+    <dgm:sp3d/>
+    <dgm:txPr/>
+    <dgm:style>
+      <a:lnRef idx="2">
+        <a:scrgbClr r="0" g="0" b="0"/>
+      </a:lnRef>
+      <a:fillRef idx="1">
+        <a:scrgbClr r="0" g="0" b="0"/>
+      </a:fillRef>
+      <a:effectRef idx="0">
+        <a:scrgbClr r="0" g="0" b="0"/>
+      </a:effectRef>
+      <a:fontRef idx="minor">
+        <a:schemeClr val="lt1"/>
+      </a:fontRef>
+    </dgm:style>
+  </dgm:styleLbl>
+  <dgm:styleLbl name="node4">
+    <dgm:scene3d>
+      <a:camera prst="orthographicFront"/>
+      <a:lightRig rig="threePt" dir="t"/>
+    </dgm:scene3d>
+    <dgm:sp3d/>
+    <dgm:txPr/>
+    <dgm:style>
+      <a:lnRef idx="2">
+        <a:scrgbClr r="0" g="0" b="0"/>
+      </a:lnRef>
+      <a:fillRef idx="1">
+        <a:scrgbClr r="0" g="0" b="0"/>
+      </a:fillRef>
+      <a:effectRef idx="0">
+        <a:scrgbClr r="0" g="0" b="0"/>
+      </a:effectRef>
+      <a:fontRef idx="minor">
+        <a:schemeClr val="lt1"/>
+      </a:fontRef>
+    </dgm:style>
+  </dgm:styleLbl>
+  <dgm:styleLbl name="fgImgPlace1">
+    <dgm:scene3d>
+      <a:camera prst="orthographicFront"/>
+      <a:lightRig rig="threePt" dir="t"/>
+    </dgm:scene3d>
+    <dgm:sp3d/>
+    <dgm:txPr/>
+    <dgm:style>
+      <a:lnRef idx="2">
+        <a:scrgbClr r="0" g="0" b="0"/>
+      </a:lnRef>
+      <a:fillRef idx="1">
+        <a:scrgbClr r="0" g="0" b="0"/>
+      </a:fillRef>
+      <a:effectRef idx="0">
+        <a:scrgbClr r="0" g="0" b="0"/>
+      </a:effectRef>
+      <a:fontRef idx="minor"/>
+    </dgm:style>
+  </dgm:styleLbl>
+  <dgm:styleLbl name="alignImgPlace1">
+    <dgm:scene3d>
+      <a:camera prst="orthographicFront"/>
+      <a:lightRig rig="threePt" dir="t"/>
+    </dgm:scene3d>
+    <dgm:sp3d/>
+    <dgm:txPr/>
+    <dgm:style>
+      <a:lnRef idx="2">
+        <a:scrgbClr r="0" g="0" b="0"/>
+      </a:lnRef>
+      <a:fillRef idx="1">
+        <a:scrgbClr r="0" g="0" b="0"/>
+      </a:fillRef>
+      <a:effectRef idx="0">
+        <a:scrgbClr r="0" g="0" b="0"/>
+      </a:effectRef>
+      <a:fontRef idx="minor"/>
+    </dgm:style>
+  </dgm:styleLbl>
+  <dgm:styleLbl name="bgImgPlace1">
+    <dgm:scene3d>
+      <a:camera prst="orthographicFront"/>
+      <a:lightRig rig="threePt" dir="t"/>
+    </dgm:scene3d>
+    <dgm:sp3d/>
+    <dgm:txPr/>
+    <dgm:style>
+      <a:lnRef idx="2">
+        <a:scrgbClr r="0" g="0" b="0"/>
+      </a:lnRef>
+      <a:fillRef idx="1">
+        <a:scrgbClr r="0" g="0" b="0"/>
+      </a:fillRef>
+      <a:effectRef idx="0">
+        <a:scrgbClr r="0" g="0" b="0"/>
+      </a:effectRef>
+      <a:fontRef idx="minor"/>
+    </dgm:style>
+  </dgm:styleLbl>
+  <dgm:styleLbl name="sibTrans2D1">
+    <dgm:scene3d>
+      <a:camera prst="orthographicFront"/>
+      <a:lightRig rig="threePt" dir="t"/>
+    </dgm:scene3d>
+    <dgm:sp3d/>
+    <dgm:txPr/>
+    <dgm:style>
+      <a:lnRef idx="0">
+        <a:scrgbClr r="0" g="0" b="0"/>
+      </a:lnRef>
+      <a:fillRef idx="1">
+        <a:scrgbClr r="0" g="0" b="0"/>
+      </a:fillRef>
+      <a:effectRef idx="0">
+        <a:scrgbClr r="0" g="0" b="0"/>
+      </a:effectRef>
+      <a:fontRef idx="minor">
+        <a:schemeClr val="lt1"/>
+      </a:fontRef>
+    </dgm:style>
+  </dgm:styleLbl>
+  <dgm:styleLbl name="fgSibTrans2D1">
+    <dgm:scene3d>
+      <a:camera prst="orthographicFront"/>
+      <a:lightRig rig="threePt" dir="t"/>
+    </dgm:scene3d>
+    <dgm:sp3d/>
+    <dgm:txPr/>
+    <dgm:style>
+      <a:lnRef idx="0">
+        <a:scrgbClr r="0" g="0" b="0"/>
+      </a:lnRef>
+      <a:fillRef idx="1">
+        <a:scrgbClr r="0" g="0" b="0"/>
+      </a:fillRef>
+      <a:effectRef idx="0">
+        <a:scrgbClr r="0" g="0" b="0"/>
+      </a:effectRef>
+      <a:fontRef idx="minor">
+        <a:schemeClr val="lt1"/>
+      </a:fontRef>
+    </dgm:style>
+  </dgm:styleLbl>
+  <dgm:styleLbl name="bgSibTrans2D1">
+    <dgm:scene3d>
+      <a:camera prst="orthographicFront"/>
+      <a:lightRig rig="threePt" dir="t"/>
+    </dgm:scene3d>
+    <dgm:sp3d/>
+    <dgm:txPr/>
+    <dgm:style>
+      <a:lnRef idx="0">
+        <a:scrgbClr r="0" g="0" b="0"/>
+      </a:lnRef>
+      <a:fillRef idx="1">
+        <a:scrgbClr r="0" g="0" b="0"/>
+      </a:fillRef>
+      <a:effectRef idx="0">
+        <a:scrgbClr r="0" g="0" b="0"/>
+      </a:effectRef>
+      <a:fontRef idx="minor">
+        <a:schemeClr val="lt1"/>
+      </a:fontRef>
+    </dgm:style>
+  </dgm:styleLbl>
+  <dgm:styleLbl name="sibTrans1D1">
+    <dgm:scene3d>
+      <a:camera prst="orthographicFront"/>
+      <a:lightRig rig="threePt" dir="t"/>
+    </dgm:scene3d>
+    <dgm:sp3d/>
+    <dgm:txPr/>
+    <dgm:style>
+      <a:lnRef idx="1">
+        <a:scrgbClr r="0" g="0" b="0"/>
+      </a:lnRef>
+      <a:fillRef idx="0">
+        <a:scrgbClr r="0" g="0" b="0"/>
+      </a:fillRef>
+      <a:effectRef idx="0">
+        <a:scrgbClr r="0" g="0" b="0"/>
+      </a:effectRef>
+      <a:fontRef idx="minor"/>
+    </dgm:style>
+  </dgm:styleLbl>
+  <dgm:styleLbl name="callout">
+    <dgm:scene3d>
+      <a:camera prst="orthographicFront"/>
+      <a:lightRig rig="threePt" dir="t"/>
+    </dgm:scene3d>
+    <dgm:sp3d/>
+    <dgm:txPr/>
+    <dgm:style>
+      <a:lnRef idx="2">
+        <a:scrgbClr r="0" g="0" b="0"/>
+      </a:lnRef>
+      <a:fillRef idx="1">
+        <a:scrgbClr r="0" g="0" b="0"/>
+      </a:fillRef>
+      <a:effectRef idx="0">
+        <a:scrgbClr r="0" g="0" b="0"/>
+      </a:effectRef>
+      <a:fontRef idx="minor"/>
+    </dgm:style>
+  </dgm:styleLbl>
+  <dgm:styleLbl name="asst0">
+    <dgm:scene3d>
+      <a:camera prst="orthographicFront"/>
+      <a:lightRig rig="threePt" dir="t"/>
+    </dgm:scene3d>
+    <dgm:sp3d/>
+    <dgm:txPr/>
+    <dgm:style>
+      <a:lnRef idx="2">
+        <a:scrgbClr r="0" g="0" b="0"/>
+      </a:lnRef>
+      <a:fillRef idx="1">
+        <a:scrgbClr r="0" g="0" b="0"/>
+      </a:fillRef>
+      <a:effectRef idx="0">
+        <a:scrgbClr r="0" g="0" b="0"/>
+      </a:effectRef>
+      <a:fontRef idx="minor">
+        <a:schemeClr val="lt1"/>
+      </a:fontRef>
+    </dgm:style>
+  </dgm:styleLbl>
+  <dgm:styleLbl name="asst1">
+    <dgm:scene3d>
+      <a:camera prst="orthographicFront"/>
+      <a:lightRig rig="threePt" dir="t"/>
+    </dgm:scene3d>
+    <dgm:sp3d/>
+    <dgm:txPr/>
+    <dgm:style>
+      <a:lnRef idx="2">
+        <a:scrgbClr r="0" g="0" b="0"/>
+      </a:lnRef>
+      <a:fillRef idx="1">
+        <a:scrgbClr r="0" g="0" b="0"/>
+      </a:fillRef>
+      <a:effectRef idx="0">
+        <a:scrgbClr r="0" g="0" b="0"/>
+      </a:effectRef>
+      <a:fontRef idx="minor">
+        <a:schemeClr val="lt1"/>
+      </a:fontRef>
+    </dgm:style>
+  </dgm:styleLbl>
+  <dgm:styleLbl name="asst2">
+    <dgm:scene3d>
+      <a:camera prst="orthographicFront"/>
+      <a:lightRig rig="threePt" dir="t"/>
+    </dgm:scene3d>
+    <dgm:sp3d/>
+    <dgm:txPr/>
+    <dgm:style>
+      <a:lnRef idx="2">
+        <a:scrgbClr r="0" g="0" b="0"/>
+      </a:lnRef>
+      <a:fillRef idx="1">
+        <a:scrgbClr r="0" g="0" b="0"/>
+      </a:fillRef>
+      <a:effectRef idx="0">
+        <a:scrgbClr r="0" g="0" b="0"/>
+      </a:effectRef>
+      <a:fontRef idx="minor">
+        <a:schemeClr val="lt1"/>
+      </a:fontRef>
+    </dgm:style>
+  </dgm:styleLbl>
+  <dgm:styleLbl name="asst3">
+    <dgm:scene3d>
+      <a:camera prst="orthographicFront"/>
+      <a:lightRig rig="threePt" dir="t"/>
+    </dgm:scene3d>
+    <dgm:sp3d/>
+    <dgm:txPr/>
+    <dgm:style>
+      <a:lnRef idx="2">
+        <a:scrgbClr r="0" g="0" b="0"/>
+      </a:lnRef>
+      <a:fillRef idx="1">
+        <a:scrgbClr r="0" g="0" b="0"/>
+      </a:fillRef>
+      <a:effectRef idx="0">
+        <a:scrgbClr r="0" g="0" b="0"/>
+      </a:effectRef>
+      <a:fontRef idx="minor">
+        <a:schemeClr val="lt1"/>
+      </a:fontRef>
+    </dgm:style>
+  </dgm:styleLbl>
+  <dgm:styleLbl name="asst4">
+    <dgm:scene3d>
+      <a:camera prst="orthographicFront"/>
+      <a:lightRig rig="threePt" dir="t"/>
+    </dgm:scene3d>
+    <dgm:sp3d/>
+    <dgm:txPr/>
+    <dgm:style>
+      <a:lnRef idx="2">
+        <a:scrgbClr r="0" g="0" b="0"/>
+      </a:lnRef>
+      <a:fillRef idx="1">
+        <a:scrgbClr r="0" g="0" b="0"/>
+      </a:fillRef>
+      <a:effectRef idx="0">
+        <a:scrgbClr r="0" g="0" b="0"/>
+      </a:effectRef>
+      <a:fontRef idx="minor">
+        <a:schemeClr val="lt1"/>
+      </a:fontRef>
+    </dgm:style>
+  </dgm:styleLbl>
+  <dgm:styleLbl name="parChTrans2D1">
+    <dgm:scene3d>
+      <a:camera prst="orthographicFront"/>
+      <a:lightRig rig="threePt" dir="t"/>
+    </dgm:scene3d>
+    <dgm:sp3d/>
+    <dgm:txPr/>
+    <dgm:style>
+      <a:lnRef idx="2">
+        <a:scrgbClr r="0" g="0" b="0"/>
+      </a:lnRef>
+      <a:fillRef idx="1">
+        <a:scrgbClr r="0" g="0" b="0"/>
+      </a:fillRef>
+      <a:effectRef idx="0">
+        <a:scrgbClr r="0" g="0" b="0"/>
+      </a:effectRef>
+      <a:fontRef idx="minor">
+        <a:schemeClr val="lt1"/>
+      </a:fontRef>
+    </dgm:style>
+  </dgm:styleLbl>
+  <dgm:styleLbl name="parChTrans2D2">
+    <dgm:scene3d>
+      <a:camera prst="orthographicFront"/>
+      <a:lightRig rig="threePt" dir="t"/>
+    </dgm:scene3d>
+    <dgm:sp3d/>
+    <dgm:txPr/>
+    <dgm:style>
+      <a:lnRef idx="2">
+        <a:scrgbClr r="0" g="0" b="0"/>
+      </a:lnRef>
+      <a:fillRef idx="1">
+        <a:scrgbClr r="0" g="0" b="0"/>
+      </a:fillRef>
+      <a:effectRef idx="0">
+        <a:scrgbClr r="0" g="0" b="0"/>
+      </a:effectRef>
+      <a:fontRef idx="minor">
+        <a:schemeClr val="lt1"/>
+      </a:fontRef>
+    </dgm:style>
+  </dgm:styleLbl>
+  <dgm:styleLbl name="parChTrans2D3">
+    <dgm:scene3d>
+      <a:camera prst="orthographicFront"/>
+      <a:lightRig rig="threePt" dir="t"/>
+    </dgm:scene3d>
+    <dgm:sp3d/>
+    <dgm:txPr/>
+    <dgm:style>
+      <a:lnRef idx="2">
+        <a:scrgbClr r="0" g="0" b="0"/>
+      </a:lnRef>
+      <a:fillRef idx="1">
+        <a:scrgbClr r="0" g="0" b="0"/>
+      </a:fillRef>
+      <a:effectRef idx="0">
+        <a:scrgbClr r="0" g="0" b="0"/>
+      </a:effectRef>
+      <a:fontRef idx="minor">
+        <a:schemeClr val="lt1"/>
+      </a:fontRef>
+    </dgm:style>
+  </dgm:styleLbl>
+  <dgm:styleLbl name="parChTrans2D4">
+    <dgm:scene3d>
+      <a:camera prst="orthographicFront"/>
+      <a:lightRig rig="threePt" dir="t"/>
+    </dgm:scene3d>
+    <dgm:sp3d/>
+    <dgm:txPr/>
+    <dgm:style>
+      <a:lnRef idx="2">
+        <a:scrgbClr r="0" g="0" b="0"/>
+      </a:lnRef>
+      <a:fillRef idx="1">
+        <a:scrgbClr r="0" g="0" b="0"/>
+      </a:fillRef>
+      <a:effectRef idx="0">
+        <a:scrgbClr r="0" g="0" b="0"/>
+      </a:effectRef>
+      <a:fontRef idx="minor">
+        <a:schemeClr val="lt1"/>
+      </a:fontRef>
+    </dgm:style>
+  </dgm:styleLbl>
+  <dgm:styleLbl name="parChTrans1D1">
+    <dgm:scene3d>
+      <a:camera prst="orthographicFront"/>
+      <a:lightRig rig="threePt" dir="t"/>
+    </dgm:scene3d>
+    <dgm:sp3d/>
+    <dgm:txPr/>
+    <dgm:style>
+      <a:lnRef idx="2">
+        <a:scrgbClr r="0" g="0" b="0"/>
+      </a:lnRef>
+      <a:fillRef idx="0">
+        <a:scrgbClr r="0" g="0" b="0"/>
+      </a:fillRef>
+      <a:effectRef idx="0">
+        <a:scrgbClr r="0" g="0" b="0"/>
+      </a:effectRef>
+      <a:fontRef idx="minor"/>
+    </dgm:style>
+  </dgm:styleLbl>
+  <dgm:styleLbl name="parChTrans1D2">
+    <dgm:scene3d>
+      <a:camera prst="orthographicFront"/>
+      <a:lightRig rig="threePt" dir="t"/>
+    </dgm:scene3d>
+    <dgm:sp3d/>
+    <dgm:txPr/>
+    <dgm:style>
+      <a:lnRef idx="2">
+        <a:scrgbClr r="0" g="0" b="0"/>
+      </a:lnRef>
+      <a:fillRef idx="0">
+        <a:scrgbClr r="0" g="0" b="0"/>
+      </a:fillRef>
+      <a:effectRef idx="0">
+        <a:scrgbClr r="0" g="0" b="0"/>
+      </a:effectRef>
+      <a:fontRef idx="minor"/>
+    </dgm:style>
+  </dgm:styleLbl>
+  <dgm:styleLbl name="parChTrans1D3">
+    <dgm:scene3d>
+      <a:camera prst="orthographicFront"/>
+      <a:lightRig rig="threePt" dir="t"/>
+    </dgm:scene3d>
+    <dgm:sp3d/>
+    <dgm:txPr/>
+    <dgm:style>
+      <a:lnRef idx="2">
+        <a:scrgbClr r="0" g="0" b="0"/>
+      </a:lnRef>
+      <a:fillRef idx="0">
+        <a:scrgbClr r="0" g="0" b="0"/>
+      </a:fillRef>
+      <a:effectRef idx="0">
+        <a:scrgbClr r="0" g="0" b="0"/>
+      </a:effectRef>
+      <a:fontRef idx="minor"/>
+    </dgm:style>
+  </dgm:styleLbl>
+  <dgm:styleLbl name="parChTrans1D4">
+    <dgm:scene3d>
+      <a:camera prst="orthographicFront"/>
+      <a:lightRig rig="threePt" dir="t"/>
+    </dgm:scene3d>
+    <dgm:sp3d/>
+    <dgm:txPr/>
+    <dgm:style>
+      <a:lnRef idx="2">
+        <a:scrgbClr r="0" g="0" b="0"/>
+      </a:lnRef>
+      <a:fillRef idx="0">
+        <a:scrgbClr r="0" g="0" b="0"/>
+      </a:fillRef>
+      <a:effectRef idx="0">
+        <a:scrgbClr r="0" g="0" b="0"/>
+      </a:effectRef>
+      <a:fontRef idx="minor"/>
+    </dgm:style>
+  </dgm:styleLbl>
+  <dgm:styleLbl name="fgAcc1">
+    <dgm:scene3d>
+      <a:camera prst="orthographicFront"/>
+      <a:lightRig rig="threePt" dir="t"/>
+    </dgm:scene3d>
+    <dgm:sp3d/>
+    <dgm:txPr/>
+    <dgm:style>
+      <a:lnRef idx="2">
+        <a:scrgbClr r="0" g="0" b="0"/>
+      </a:lnRef>
+      <a:fillRef idx="1">
+        <a:scrgbClr r="0" g="0" b="0"/>
+      </a:fillRef>
+      <a:effectRef idx="0">
+        <a:scrgbClr r="0" g="0" b="0"/>
+      </a:effectRef>
+      <a:fontRef idx="minor"/>
+    </dgm:style>
+  </dgm:styleLbl>
+  <dgm:styleLbl name="conFgAcc1">
+    <dgm:scene3d>
+      <a:camera prst="orthographicFront"/>
+      <a:lightRig rig="threePt" dir="t"/>
+    </dgm:scene3d>
+    <dgm:sp3d/>
+    <dgm:txPr/>
+    <dgm:style>
+      <a:lnRef idx="2">
+        <a:scrgbClr r="0" g="0" b="0"/>
+      </a:lnRef>
+      <a:fillRef idx="1">
+        <a:scrgbClr r="0" g="0" b="0"/>
+      </a:fillRef>
+      <a:effectRef idx="0">
+        <a:scrgbClr r="0" g="0" b="0"/>
+      </a:effectRef>
+      <a:fontRef idx="minor"/>
+    </dgm:style>
+  </dgm:styleLbl>
+  <dgm:styleLbl name="alignAcc1">
+    <dgm:scene3d>
+      <a:camera prst="orthographicFront"/>
+      <a:lightRig rig="threePt" dir="t"/>
+    </dgm:scene3d>
+    <dgm:sp3d/>
+    <dgm:txPr/>
+    <dgm:style>
+      <a:lnRef idx="2">
+        <a:scrgbClr r="0" g="0" b="0"/>
+      </a:lnRef>
+      <a:fillRef idx="1">
+        <a:scrgbClr r="0" g="0" b="0"/>
+      </a:fillRef>
+      <a:effectRef idx="0">
+        <a:scrgbClr r="0" g="0" b="0"/>
+      </a:effectRef>
+      <a:fontRef idx="minor"/>
+    </dgm:style>
+  </dgm:styleLbl>
+  <dgm:styleLbl name="trAlignAcc1">
+    <dgm:scene3d>
+      <a:camera prst="orthographicFront"/>
+      <a:lightRig rig="threePt" dir="t"/>
+    </dgm:scene3d>
+    <dgm:sp3d/>
+    <dgm:txPr/>
+    <dgm:style>
+      <a:lnRef idx="1">
+        <a:scrgbClr r="0" g="0" b="0"/>
+      </a:lnRef>
+      <a:fillRef idx="1">
+        <a:scrgbClr r="0" g="0" b="0"/>
+      </a:fillRef>
+      <a:effectRef idx="0">
+        <a:scrgbClr r="0" g="0" b="0"/>
+      </a:effectRef>
+      <a:fontRef idx="minor"/>
+    </dgm:style>
+  </dgm:styleLbl>
+  <dgm:styleLbl name="bgAcc1">
+    <dgm:scene3d>
+      <a:camera prst="orthographicFront"/>
+      <a:lightRig rig="threePt" dir="t"/>
+    </dgm:scene3d>
+    <dgm:sp3d/>
+    <dgm:txPr/>
+    <dgm:style>
+      <a:lnRef idx="2">
+        <a:scrgbClr r="0" g="0" b="0"/>
+      </a:lnRef>
+      <a:fillRef idx="1">
+        <a:scrgbClr r="0" g="0" b="0"/>
+      </a:fillRef>
+      <a:effectRef idx="0">
+        <a:scrgbClr r="0" g="0" b="0"/>
+      </a:effectRef>
+      <a:fontRef idx="minor"/>
+    </dgm:style>
+  </dgm:styleLbl>
+  <dgm:styleLbl name="solidFgAcc1">
+    <dgm:scene3d>
+      <a:camera prst="orthographicFront"/>
+      <a:lightRig rig="threePt" dir="t"/>
+    </dgm:scene3d>
+    <dgm:sp3d/>
+    <dgm:txPr/>
+    <dgm:style>
+      <a:lnRef idx="2">
+        <a:scrgbClr r="0" g="0" b="0"/>
+      </a:lnRef>
+      <a:fillRef idx="1">
+        <a:scrgbClr r="0" g="0" b="0"/>
+      </a:fillRef>
+      <a:effectRef idx="0">
+        <a:scrgbClr r="0" g="0" b="0"/>
+      </a:effectRef>
+      <a:fontRef idx="minor"/>
+    </dgm:style>
+  </dgm:styleLbl>
+  <dgm:styleLbl name="solidAlignAcc1">
+    <dgm:scene3d>
+      <a:camera prst="orthographicFront"/>
+      <a:lightRig rig="threePt" dir="t"/>
+    </dgm:scene3d>
+    <dgm:sp3d/>
+    <dgm:txPr/>
+    <dgm:style>
+      <a:lnRef idx="2">
+        <a:scrgbClr r="0" g="0" b="0"/>
+      </a:lnRef>
+      <a:fillRef idx="1">
+        <a:scrgbClr r="0" g="0" b="0"/>
+      </a:fillRef>
+      <a:effectRef idx="0">
+        <a:scrgbClr r="0" g="0" b="0"/>
+      </a:effectRef>
+      <a:fontRef idx="minor"/>
+    </dgm:style>
+  </dgm:styleLbl>
+  <dgm:styleLbl name="solidBgAcc1">
+    <dgm:scene3d>
+      <a:camera prst="orthographicFront"/>
+      <a:lightRig rig="threePt" dir="t"/>
+    </dgm:scene3d>
+    <dgm:sp3d/>
+    <dgm:txPr/>
+    <dgm:style>
+      <a:lnRef idx="2">
+        <a:scrgbClr r="0" g="0" b="0"/>
+      </a:lnRef>
+      <a:fillRef idx="1">
+        <a:scrgbClr r="0" g="0" b="0"/>
+      </a:fillRef>
+      <a:effectRef idx="0">
+        <a:scrgbClr r="0" g="0" b="0"/>
+      </a:effectRef>
+      <a:fontRef idx="minor"/>
+    </dgm:style>
+  </dgm:styleLbl>
+  <dgm:styleLbl name="fgAccFollowNode1">
+    <dgm:scene3d>
+      <a:camera prst="orthographicFront"/>
+      <a:lightRig rig="threePt" dir="t"/>
+    </dgm:scene3d>
+    <dgm:sp3d/>
+    <dgm:txPr/>
+    <dgm:style>
+      <a:lnRef idx="2">
+        <a:scrgbClr r="0" g="0" b="0"/>
+      </a:lnRef>
+      <a:fillRef idx="1">
+        <a:scrgbClr r="0" g="0" b="0"/>
+      </a:fillRef>
+      <a:effectRef idx="0">
+        <a:scrgbClr r="0" g="0" b="0"/>
+      </a:effectRef>
+      <a:fontRef idx="minor"/>
+    </dgm:style>
+  </dgm:styleLbl>
+  <dgm:styleLbl name="alignAccFollowNode1">
+    <dgm:scene3d>
+      <a:camera prst="orthographicFront"/>
+      <a:lightRig rig="threePt" dir="t"/>
+    </dgm:scene3d>
+    <dgm:sp3d/>
+    <dgm:txPr/>
+    <dgm:style>
+      <a:lnRef idx="2">
+        <a:scrgbClr r="0" g="0" b="0"/>
+      </a:lnRef>
+      <a:fillRef idx="1">
+        <a:scrgbClr r="0" g="0" b="0"/>
+      </a:fillRef>
+      <a:effectRef idx="0">
+        <a:scrgbClr r="0" g="0" b="0"/>
+      </a:effectRef>
+      <a:fontRef idx="minor"/>
+    </dgm:style>
+  </dgm:styleLbl>
+  <dgm:styleLbl name="bgAccFollowNode1">
+    <dgm:scene3d>
+      <a:camera prst="orthographicFront"/>
+      <a:lightRig rig="threePt" dir="t"/>
+    </dgm:scene3d>
+    <dgm:sp3d/>
+    <dgm:txPr/>
+    <dgm:style>
+      <a:lnRef idx="2">
+        <a:scrgbClr r="0" g="0" b="0"/>
+      </a:lnRef>
+      <a:fillRef idx="1">
+        <a:scrgbClr r="0" g="0" b="0"/>
+      </a:fillRef>
+      <a:effectRef idx="0">
+        <a:scrgbClr r="0" g="0" b="0"/>
+      </a:effectRef>
+      <a:fontRef idx="minor"/>
+    </dgm:style>
+  </dgm:styleLbl>
+  <dgm:styleLbl name="fgAcc0">
+    <dgm:scene3d>
+      <a:camera prst="orthographicFront"/>
+      <a:lightRig rig="threePt" dir="t"/>
+    </dgm:scene3d>
+    <dgm:sp3d/>
+    <dgm:txPr/>
+    <dgm:style>
+      <a:lnRef idx="2">
+        <a:scrgbClr r="0" g="0" b="0"/>
+      </a:lnRef>
+      <a:fillRef idx="1">
+        <a:scrgbClr r="0" g="0" b="0"/>
+      </a:fillRef>
+      <a:effectRef idx="0">
+        <a:scrgbClr r="0" g="0" b="0"/>
+      </a:effectRef>
+      <a:fontRef idx="minor"/>
+    </dgm:style>
+  </dgm:styleLbl>
+  <dgm:styleLbl name="fgAcc2">
+    <dgm:scene3d>
+      <a:camera prst="orthographicFront"/>
+      <a:lightRig rig="threePt" dir="t"/>
+    </dgm:scene3d>
+    <dgm:sp3d/>
+    <dgm:txPr/>
+    <dgm:style>
+      <a:lnRef idx="2">
+        <a:scrgbClr r="0" g="0" b="0"/>
+      </a:lnRef>
+      <a:fillRef idx="1">
+        <a:scrgbClr r="0" g="0" b="0"/>
+      </a:fillRef>
+      <a:effectRef idx="0">
+        <a:scrgbClr r="0" g="0" b="0"/>
+      </a:effectRef>
+      <a:fontRef idx="minor"/>
+    </dgm:style>
+  </dgm:styleLbl>
+  <dgm:styleLbl name="fgAcc3">
+    <dgm:scene3d>
+      <a:camera prst="orthographicFront"/>
+      <a:lightRig rig="threePt" dir="t"/>
+    </dgm:scene3d>
+    <dgm:sp3d/>
+    <dgm:txPr/>
+    <dgm:style>
+      <a:lnRef idx="2">
+        <a:scrgbClr r="0" g="0" b="0"/>
+      </a:lnRef>
+      <a:fillRef idx="1">
+        <a:scrgbClr r="0" g="0" b="0"/>
+      </a:fillRef>
+      <a:effectRef idx="0">
+        <a:scrgbClr r="0" g="0" b="0"/>
+      </a:effectRef>
+      <a:fontRef idx="minor"/>
+    </dgm:style>
+  </dgm:styleLbl>
+  <dgm:styleLbl name="fgAcc4">
+    <dgm:scene3d>
+      <a:camera prst="orthographicFront"/>
+      <a:lightRig rig="threePt" dir="t"/>
+    </dgm:scene3d>
+    <dgm:sp3d/>
+    <dgm:txPr/>
+    <dgm:style>
+      <a:lnRef idx="2">
+        <a:scrgbClr r="0" g="0" b="0"/>
+      </a:lnRef>
+      <a:fillRef idx="1">
+        <a:scrgbClr r="0" g="0" b="0"/>
+      </a:fillRef>
+      <a:effectRef idx="0">
+        <a:scrgbClr r="0" g="0" b="0"/>
+      </a:effectRef>
+      <a:fontRef idx="minor"/>
+    </dgm:style>
+  </dgm:styleLbl>
+  <dgm:styleLbl name="bgShp">
+    <dgm:scene3d>
+      <a:camera prst="orthographicFront"/>
+      <a:lightRig rig="threePt" dir="t"/>
+    </dgm:scene3d>
+    <dgm:sp3d/>
+    <dgm:txPr/>
+    <dgm:style>
+      <a:lnRef idx="0">
+        <a:scrgbClr r="0" g="0" b="0"/>
+      </a:lnRef>
+      <a:fillRef idx="1">
+        <a:scrgbClr r="0" g="0" b="0"/>
+      </a:fillRef>
+      <a:effectRef idx="0">
+        <a:scrgbClr r="0" g="0" b="0"/>
+      </a:effectRef>
+      <a:fontRef idx="minor"/>
+    </dgm:style>
+  </dgm:styleLbl>
+  <dgm:styleLbl name="dkBgShp">
+    <dgm:scene3d>
+      <a:camera prst="orthographicFront"/>
+      <a:lightRig rig="threePt" dir="t"/>
+    </dgm:scene3d>
+    <dgm:sp3d/>
+    <dgm:txPr/>
+    <dgm:style>
+      <a:lnRef idx="0">
+        <a:scrgbClr r="0" g="0" b="0"/>
+      </a:lnRef>
+      <a:fillRef idx="1">
+        <a:scrgbClr r="0" g="0" b="0"/>
+      </a:fillRef>
+      <a:effectRef idx="0">
+        <a:scrgbClr r="0" g="0" b="0"/>
+      </a:effectRef>
+      <a:fontRef idx="minor"/>
+    </dgm:style>
+  </dgm:styleLbl>
+  <dgm:styleLbl name="trBgShp">
+    <dgm:scene3d>
+      <a:camera prst="orthographicFront"/>
+      <a:lightRig rig="threePt" dir="t"/>
+    </dgm:scene3d>
+    <dgm:sp3d/>
+    <dgm:txPr/>
+    <dgm:style>
+      <a:lnRef idx="0">
+        <a:scrgbClr r="0" g="0" b="0"/>
+      </a:lnRef>
+      <a:fillRef idx="1">
+        <a:scrgbClr r="0" g="0" b="0"/>
+      </a:fillRef>
+      <a:effectRef idx="0">
+        <a:scrgbClr r="0" g="0" b="0"/>
+      </a:effectRef>
+      <a:fontRef idx="minor"/>
+    </dgm:style>
+  </dgm:styleLbl>
+  <dgm:styleLbl name="fgShp">
+    <dgm:scene3d>
+      <a:camera prst="orthographicFront"/>
+      <a:lightRig rig="threePt" dir="t"/>
+    </dgm:scene3d>
+    <dgm:sp3d/>
+    <dgm:txPr/>
+    <dgm:style>
+      <a:lnRef idx="2">
+        <a:scrgbClr r="0" g="0" b="0"/>
+      </a:lnRef>
+      <a:fillRef idx="1">
+        <a:scrgbClr r="0" g="0" b="0"/>
+      </a:fillRef>
+      <a:effectRef idx="0">
         <a:scrgbClr r="0" g="0" b="0"/>
       </a:effectRef>
       <a:fontRef idx="minor"/>
@@ -18895,7 +22005,7 @@
           <a:p>
             <a:fld id="{F98AA868-8872-43E4-8C98-D34DABD1FD38}" type="datetimeFigureOut">
               <a:rPr lang="pl-PL" smtClean="0"/>
-              <a:t>27.01.2025</a:t>
+              <a:t>28.01.2025</a:t>
             </a:fld>
             <a:endParaRPr lang="pl-PL"/>
           </a:p>
@@ -19063,7 +22173,7 @@
           <a:p>
             <a:fld id="{F98AA868-8872-43E4-8C98-D34DABD1FD38}" type="datetimeFigureOut">
               <a:rPr lang="pl-PL" smtClean="0"/>
-              <a:t>27.01.2025</a:t>
+              <a:t>28.01.2025</a:t>
             </a:fld>
             <a:endParaRPr lang="pl-PL"/>
           </a:p>
@@ -19241,7 +22351,7 @@
           <a:p>
             <a:fld id="{F98AA868-8872-43E4-8C98-D34DABD1FD38}" type="datetimeFigureOut">
               <a:rPr lang="pl-PL" smtClean="0"/>
-              <a:t>27.01.2025</a:t>
+              <a:t>28.01.2025</a:t>
             </a:fld>
             <a:endParaRPr lang="pl-PL"/>
           </a:p>
@@ -19409,7 +22519,7 @@
           <a:p>
             <a:fld id="{F98AA868-8872-43E4-8C98-D34DABD1FD38}" type="datetimeFigureOut">
               <a:rPr lang="pl-PL" smtClean="0"/>
-              <a:t>27.01.2025</a:t>
+              <a:t>28.01.2025</a:t>
             </a:fld>
             <a:endParaRPr lang="pl-PL"/>
           </a:p>
@@ -19654,7 +22764,7 @@
           <a:p>
             <a:fld id="{F98AA868-8872-43E4-8C98-D34DABD1FD38}" type="datetimeFigureOut">
               <a:rPr lang="pl-PL" smtClean="0"/>
-              <a:t>27.01.2025</a:t>
+              <a:t>28.01.2025</a:t>
             </a:fld>
             <a:endParaRPr lang="pl-PL"/>
           </a:p>
@@ -19883,7 +22993,7 @@
           <a:p>
             <a:fld id="{F98AA868-8872-43E4-8C98-D34DABD1FD38}" type="datetimeFigureOut">
               <a:rPr lang="pl-PL" smtClean="0"/>
-              <a:t>27.01.2025</a:t>
+              <a:t>28.01.2025</a:t>
             </a:fld>
             <a:endParaRPr lang="pl-PL"/>
           </a:p>
@@ -20247,7 +23357,7 @@
           <a:p>
             <a:fld id="{F98AA868-8872-43E4-8C98-D34DABD1FD38}" type="datetimeFigureOut">
               <a:rPr lang="pl-PL" smtClean="0"/>
-              <a:t>27.01.2025</a:t>
+              <a:t>28.01.2025</a:t>
             </a:fld>
             <a:endParaRPr lang="pl-PL"/>
           </a:p>
@@ -20364,7 +23474,7 @@
           <a:p>
             <a:fld id="{F98AA868-8872-43E4-8C98-D34DABD1FD38}" type="datetimeFigureOut">
               <a:rPr lang="pl-PL" smtClean="0"/>
-              <a:t>27.01.2025</a:t>
+              <a:t>28.01.2025</a:t>
             </a:fld>
             <a:endParaRPr lang="pl-PL"/>
           </a:p>
@@ -20459,7 +23569,7 @@
           <a:p>
             <a:fld id="{F98AA868-8872-43E4-8C98-D34DABD1FD38}" type="datetimeFigureOut">
               <a:rPr lang="pl-PL" smtClean="0"/>
-              <a:t>27.01.2025</a:t>
+              <a:t>28.01.2025</a:t>
             </a:fld>
             <a:endParaRPr lang="pl-PL"/>
           </a:p>
@@ -20734,7 +23844,7 @@
           <a:p>
             <a:fld id="{F98AA868-8872-43E4-8C98-D34DABD1FD38}" type="datetimeFigureOut">
               <a:rPr lang="pl-PL" smtClean="0"/>
-              <a:t>27.01.2025</a:t>
+              <a:t>28.01.2025</a:t>
             </a:fld>
             <a:endParaRPr lang="pl-PL"/>
           </a:p>
@@ -20986,7 +24096,7 @@
           <a:p>
             <a:fld id="{F98AA868-8872-43E4-8C98-D34DABD1FD38}" type="datetimeFigureOut">
               <a:rPr lang="pl-PL" smtClean="0"/>
-              <a:t>27.01.2025</a:t>
+              <a:t>28.01.2025</a:t>
             </a:fld>
             <a:endParaRPr lang="pl-PL"/>
           </a:p>
@@ -21197,7 +24307,7 @@
           <a:p>
             <a:fld id="{F98AA868-8872-43E4-8C98-D34DABD1FD38}" type="datetimeFigureOut">
               <a:rPr lang="pl-PL" smtClean="0"/>
-              <a:t>27.01.2025</a:t>
+              <a:t>28.01.2025</a:t>
             </a:fld>
             <a:endParaRPr lang="pl-PL"/>
           </a:p>
@@ -21612,14 +24722,23 @@
             <p:ph type="ctrTitle"/>
           </p:nvPr>
         </p:nvSpPr>
-        <p:spPr/>
+        <p:spPr>
+          <a:xfrm>
+            <a:off x="1524000" y="868362"/>
+            <a:ext cx="9144000" cy="2387600"/>
+          </a:xfrm>
+        </p:spPr>
         <p:txBody>
           <a:bodyPr/>
           <a:lstStyle/>
           <a:p>
             <a:r>
+              <a:rPr lang="pl-PL" sz="5400" dirty="0" err="1"/>
+              <a:t>Car’s</a:t>
+            </a:r>
+            <a:r>
               <a:rPr lang="pl-PL" sz="5400" dirty="0"/>
-              <a:t>Car </a:t>
+              <a:t> </a:t>
             </a:r>
             <a:r>
               <a:rPr lang="pl-PL" sz="5400" dirty="0" err="1"/>
@@ -21631,17 +24750,24 @@
             </a:r>
             <a:r>
               <a:rPr lang="pl-PL" sz="5400" dirty="0" err="1"/>
-              <a:t>Predictor’s</a:t>
+              <a:t>Predictor</a:t>
             </a:r>
             <a:r>
               <a:rPr lang="pl-PL" sz="5400" dirty="0"/>
               <a:t> </a:t>
             </a:r>
+            <a:br>
+              <a:rPr lang="pl-PL" sz="5400" dirty="0"/>
+            </a:br>
             <a:r>
               <a:rPr lang="pl-PL" sz="5400" dirty="0" err="1"/>
-              <a:t>Milestone</a:t>
+              <a:t>Final</a:t>
             </a:r>
-            <a:endParaRPr lang="pl-PL" dirty="0" err="1"/>
+            <a:r>
+              <a:rPr lang="pl-PL" sz="5400" dirty="0"/>
+              <a:t> Presentation</a:t>
+            </a:r>
+            <a:endParaRPr lang="pl-PL" dirty="0"/>
           </a:p>
         </p:txBody>
       </p:sp>
@@ -22035,6 +25161,102 @@
 </p:sld>
 </file>
 
+<file path=ppt/slides/slide12.xml><?xml version="1.0" encoding="utf-8"?>
+<p:sld xmlns:a="http://schemas.openxmlformats.org/drawingml/2006/main" xmlns:r="http://schemas.openxmlformats.org/officeDocument/2006/relationships" xmlns:p="http://schemas.openxmlformats.org/presentationml/2006/main">
+  <p:cSld>
+    <p:spTree>
+      <p:nvGrpSpPr>
+        <p:cNvPr id="1" name=""/>
+        <p:cNvGrpSpPr/>
+        <p:nvPr/>
+      </p:nvGrpSpPr>
+      <p:grpSpPr>
+        <a:xfrm>
+          <a:off x="0" y="0"/>
+          <a:ext cx="0" cy="0"/>
+          <a:chOff x="0" y="0"/>
+          <a:chExt cx="0" cy="0"/>
+        </a:xfrm>
+      </p:grpSpPr>
+      <p:sp>
+        <p:nvSpPr>
+          <p:cNvPr id="2" name="Tytuł 1">
+            <a:extLst>
+              <a:ext uri="{FF2B5EF4-FFF2-40B4-BE49-F238E27FC236}">
+                <a16:creationId xmlns:a16="http://schemas.microsoft.com/office/drawing/2014/main" id="{E2D581F1-9B4E-EACB-8F15-ED017B17B145}"/>
+              </a:ext>
+            </a:extLst>
+          </p:cNvPr>
+          <p:cNvSpPr>
+            <a:spLocks noGrp="1"/>
+          </p:cNvSpPr>
+          <p:nvPr>
+            <p:ph type="title"/>
+          </p:nvPr>
+        </p:nvSpPr>
+        <p:spPr/>
+        <p:txBody>
+          <a:bodyPr/>
+          <a:lstStyle/>
+          <a:p>
+            <a:pPr algn="ctr"/>
+            <a:r>
+              <a:rPr lang="pl-PL" dirty="0" err="1"/>
+              <a:t>Model’s</a:t>
+            </a:r>
+            <a:r>
+              <a:rPr lang="pl-PL" dirty="0"/>
+              <a:t> </a:t>
+            </a:r>
+            <a:r>
+              <a:rPr lang="pl-PL" dirty="0" err="1"/>
+              <a:t>Consistency</a:t>
+            </a:r>
+            <a:endParaRPr lang="pl-PL" dirty="0"/>
+          </a:p>
+        </p:txBody>
+      </p:sp>
+      <p:graphicFrame>
+        <p:nvGraphicFramePr>
+          <p:cNvPr id="9" name="Diagram 8">
+            <a:extLst>
+              <a:ext uri="{FF2B5EF4-FFF2-40B4-BE49-F238E27FC236}">
+                <a16:creationId xmlns:a16="http://schemas.microsoft.com/office/drawing/2014/main" id="{4332C519-E6E3-263E-9E19-15A022077D6F}"/>
+              </a:ext>
+            </a:extLst>
+          </p:cNvPr>
+          <p:cNvGraphicFramePr/>
+          <p:nvPr>
+            <p:extLst>
+              <p:ext uri="{D42A27DB-BD31-4B8C-83A1-F6EECF244321}">
+                <p14:modId xmlns:p14="http://schemas.microsoft.com/office/powerpoint/2010/main" val="130155352"/>
+              </p:ext>
+            </p:extLst>
+          </p:nvPr>
+        </p:nvGraphicFramePr>
+        <p:xfrm>
+          <a:off x="838200" y="2045230"/>
+          <a:ext cx="10366612" cy="4447645"/>
+        </p:xfrm>
+        <a:graphic>
+          <a:graphicData uri="http://schemas.openxmlformats.org/drawingml/2006/diagram">
+            <dgm:relIds xmlns:dgm="http://schemas.openxmlformats.org/drawingml/2006/diagram" xmlns:r="http://schemas.openxmlformats.org/officeDocument/2006/relationships" r:dm="rId2" r:lo="rId3" r:qs="rId4" r:cs="rId5"/>
+          </a:graphicData>
+        </a:graphic>
+      </p:graphicFrame>
+    </p:spTree>
+    <p:extLst>
+      <p:ext uri="{BB962C8B-B14F-4D97-AF65-F5344CB8AC3E}">
+        <p14:creationId xmlns:p14="http://schemas.microsoft.com/office/powerpoint/2010/main" val="2315477900"/>
+      </p:ext>
+    </p:extLst>
+  </p:cSld>
+  <p:clrMapOvr>
+    <a:masterClrMapping/>
+  </p:clrMapOvr>
+</p:sld>
+</file>
+
 <file path=ppt/slides/slide2.xml><?xml version="1.0" encoding="utf-8"?>
 <p:sld xmlns:a="http://schemas.openxmlformats.org/drawingml/2006/main" xmlns:r="http://schemas.openxmlformats.org/officeDocument/2006/relationships" xmlns:p="http://schemas.openxmlformats.org/presentationml/2006/main">
   <p:cSld>
@@ -22288,7 +25510,7 @@
           <p:nvPr>
             <p:extLst>
               <p:ext uri="{D42A27DB-BD31-4B8C-83A1-F6EECF244321}">
-                <p14:modId xmlns:p14="http://schemas.microsoft.com/office/powerpoint/2010/main" val="2619685451"/>
+                <p14:modId xmlns:p14="http://schemas.microsoft.com/office/powerpoint/2010/main" val="2691266867"/>
               </p:ext>
             </p:extLst>
           </p:nvPr>
@@ -22346,7 +25568,7 @@
           <p:nvPr>
             <p:extLst>
               <p:ext uri="{D42A27DB-BD31-4B8C-83A1-F6EECF244321}">
-                <p14:modId xmlns:p14="http://schemas.microsoft.com/office/powerpoint/2010/main" val="880541601"/>
+                <p14:modId xmlns:p14="http://schemas.microsoft.com/office/powerpoint/2010/main" val="471338675"/>
               </p:ext>
             </p:extLst>
           </p:nvPr>
@@ -22479,7 +25701,7 @@
           <p:nvPr>
             <p:extLst>
               <p:ext uri="{D42A27DB-BD31-4B8C-83A1-F6EECF244321}">
-                <p14:modId xmlns:p14="http://schemas.microsoft.com/office/powerpoint/2010/main" val="2711959106"/>
+                <p14:modId xmlns:p14="http://schemas.microsoft.com/office/powerpoint/2010/main" val="2734738709"/>
               </p:ext>
             </p:extLst>
           </p:nvPr>
@@ -22867,4 +26089,24 @@
     </a:ext>
   </a:extLst>
 </a:theme>
+</file>
+
+<file path=ppt/webextensions/taskpanes.xml><?xml version="1.0" encoding="utf-8"?>
+<wetp:taskpanes xmlns:wetp="http://schemas.microsoft.com/office/webextensions/taskpanes/2010/11">
+  <wetp:taskpane dockstate="right" visibility="0" width="350" row="0">
+    <wetp:webextensionref xmlns:r="http://schemas.openxmlformats.org/officeDocument/2006/relationships" r:id="rId1"/>
+  </wetp:taskpane>
+</wetp:taskpanes>
+</file>
+
+<file path=ppt/webextensions/webextension1.xml><?xml version="1.0" encoding="utf-8"?>
+<we:webextension xmlns:we="http://schemas.microsoft.com/office/webextensions/webextension/2010/11" id="{9B710C55-7C35-4D53-96E8-5E2D4912AAB0}">
+  <we:reference id="f12c312d-282a-4734-8843-05915fdfef0b" version="4.3.3.0" store="EXCatalog" storeType="EXCatalog"/>
+  <we:alternateReferences>
+    <we:reference id="WA104178141" version="4.3.3.0" store="pl-PL" storeType="OMEX"/>
+  </we:alternateReferences>
+  <we:properties/>
+  <we:bindings/>
+  <we:snapshot xmlns:r="http://schemas.openxmlformats.org/officeDocument/2006/relationships"/>
+</we:webextension>
 </file>